--- a/6083 Project Presentation.pptx
+++ b/6083 Project Presentation.pptx
@@ -5,7 +5,7 @@
     <p:sldMasterId id="2147483648" r:id="rId1"/>
   </p:sldMasterIdLst>
   <p:notesMasterIdLst>
-    <p:notesMasterId r:id="rId31"/>
+    <p:notesMasterId r:id="rId32"/>
   </p:notesMasterIdLst>
   <p:sldIdLst>
     <p:sldId id="272" r:id="rId2"/>
@@ -30,13 +30,14 @@
     <p:sldId id="295" r:id="rId21"/>
     <p:sldId id="290" r:id="rId22"/>
     <p:sldId id="301" r:id="rId23"/>
-    <p:sldId id="304" r:id="rId24"/>
-    <p:sldId id="303" r:id="rId25"/>
-    <p:sldId id="305" r:id="rId26"/>
-    <p:sldId id="298" r:id="rId27"/>
-    <p:sldId id="299" r:id="rId28"/>
-    <p:sldId id="296" r:id="rId29"/>
-    <p:sldId id="297" r:id="rId30"/>
+    <p:sldId id="306" r:id="rId24"/>
+    <p:sldId id="304" r:id="rId25"/>
+    <p:sldId id="303" r:id="rId26"/>
+    <p:sldId id="305" r:id="rId27"/>
+    <p:sldId id="298" r:id="rId28"/>
+    <p:sldId id="299" r:id="rId29"/>
+    <p:sldId id="296" r:id="rId30"/>
+    <p:sldId id="297" r:id="rId31"/>
   </p:sldIdLst>
   <p:sldSz cx="9144000" cy="5143500" type="screen16x9"/>
   <p:notesSz cx="6858000" cy="9144000"/>
@@ -266,7 +267,7 @@
           <a:p>
             <a:fld id="{15D50292-F68A-4CAA-90F7-F6769B0998EB}" type="datetimeFigureOut">
               <a:rPr lang="zh-CN" altLang="en-US" smtClean="0"/>
-              <a:t>19/12/12</a:t>
+              <a:t>2019/12/16</a:t>
             </a:fld>
             <a:endParaRPr lang="zh-CN" altLang="en-US"/>
           </a:p>
@@ -810,7 +811,7 @@
           <a:p>
             <a:fld id="{530820CF-B880-4189-942D-D702A7CBA730}" type="datetimeFigureOut">
               <a:rPr lang="zh-CN" altLang="en-US" smtClean="0"/>
-              <a:t>19/12/12</a:t>
+              <a:t>2019/12/16</a:t>
             </a:fld>
             <a:endParaRPr lang="zh-CN" altLang="en-US"/>
           </a:p>
@@ -1013,7 +1014,7 @@
           <a:p>
             <a:fld id="{530820CF-B880-4189-942D-D702A7CBA730}" type="datetimeFigureOut">
               <a:rPr lang="zh-CN" altLang="en-US" smtClean="0"/>
-              <a:t>19/12/12</a:t>
+              <a:t>2019/12/16</a:t>
             </a:fld>
             <a:endParaRPr lang="zh-CN" altLang="en-US"/>
           </a:p>
@@ -1216,7 +1217,7 @@
           <a:p>
             <a:fld id="{530820CF-B880-4189-942D-D702A7CBA730}" type="datetimeFigureOut">
               <a:rPr lang="zh-CN" altLang="en-US" smtClean="0"/>
-              <a:t>19/12/12</a:t>
+              <a:t>2019/12/16</a:t>
             </a:fld>
             <a:endParaRPr lang="zh-CN" altLang="en-US"/>
           </a:p>
@@ -1419,7 +1420,7 @@
           <a:p>
             <a:fld id="{530820CF-B880-4189-942D-D702A7CBA730}" type="datetimeFigureOut">
               <a:rPr lang="zh-CN" altLang="en-US" smtClean="0"/>
-              <a:t>19/12/12</a:t>
+              <a:t>2019/12/16</a:t>
             </a:fld>
             <a:endParaRPr lang="zh-CN" altLang="en-US"/>
           </a:p>
@@ -1689,7 +1690,7 @@
           <a:p>
             <a:fld id="{530820CF-B880-4189-942D-D702A7CBA730}" type="datetimeFigureOut">
               <a:rPr lang="zh-CN" altLang="en-US" smtClean="0"/>
-              <a:t>19/12/12</a:t>
+              <a:t>2019/12/16</a:t>
             </a:fld>
             <a:endParaRPr lang="zh-CN" altLang="en-US"/>
           </a:p>
@@ -2007,7 +2008,7 @@
           <a:p>
             <a:fld id="{530820CF-B880-4189-942D-D702A7CBA730}" type="datetimeFigureOut">
               <a:rPr lang="zh-CN" altLang="en-US" smtClean="0"/>
-              <a:t>19/12/12</a:t>
+              <a:t>2019/12/16</a:t>
             </a:fld>
             <a:endParaRPr lang="zh-CN" altLang="en-US"/>
           </a:p>
@@ -2465,7 +2466,7 @@
           <a:p>
             <a:fld id="{530820CF-B880-4189-942D-D702A7CBA730}" type="datetimeFigureOut">
               <a:rPr lang="zh-CN" altLang="en-US" smtClean="0"/>
-              <a:t>19/12/12</a:t>
+              <a:t>2019/12/16</a:t>
             </a:fld>
             <a:endParaRPr lang="zh-CN" altLang="en-US"/>
           </a:p>
@@ -2609,7 +2610,7 @@
           <a:p>
             <a:fld id="{530820CF-B880-4189-942D-D702A7CBA730}" type="datetimeFigureOut">
               <a:rPr lang="zh-CN" altLang="en-US" smtClean="0"/>
-              <a:t>19/12/12</a:t>
+              <a:t>2019/12/16</a:t>
             </a:fld>
             <a:endParaRPr lang="zh-CN" altLang="en-US"/>
           </a:p>
@@ -2723,7 +2724,7 @@
           <a:p>
             <a:fld id="{530820CF-B880-4189-942D-D702A7CBA730}" type="datetimeFigureOut">
               <a:rPr lang="zh-CN" altLang="en-US" smtClean="0"/>
-              <a:t>19/12/12</a:t>
+              <a:t>2019/12/16</a:t>
             </a:fld>
             <a:endParaRPr lang="zh-CN" altLang="en-US"/>
           </a:p>
@@ -3026,7 +3027,7 @@
           <a:p>
             <a:fld id="{530820CF-B880-4189-942D-D702A7CBA730}" type="datetimeFigureOut">
               <a:rPr lang="zh-CN" altLang="en-US" smtClean="0"/>
-              <a:t>19/12/12</a:t>
+              <a:t>2019/12/16</a:t>
             </a:fld>
             <a:endParaRPr lang="zh-CN" altLang="en-US"/>
           </a:p>
@@ -3306,7 +3307,7 @@
           <a:p>
             <a:fld id="{530820CF-B880-4189-942D-D702A7CBA730}" type="datetimeFigureOut">
               <a:rPr lang="zh-CN" altLang="en-US" smtClean="0"/>
-              <a:t>19/12/12</a:t>
+              <a:t>2019/12/16</a:t>
             </a:fld>
             <a:endParaRPr lang="zh-CN" altLang="en-US"/>
           </a:p>
@@ -3796,7 +3797,7 @@
           <a:lstStyle/>
           <a:p>
             <a:pPr algn="ctr"/>
-            <a:endParaRPr lang="en-US" altLang="zh-CN" sz="2000" b="1" dirty="0" smtClean="0">
+            <a:endParaRPr lang="en-US" altLang="zh-CN" sz="2000" b="1" dirty="0">
               <a:solidFill>
                 <a:schemeClr val="bg1"/>
               </a:solidFill>
@@ -3830,17 +3831,6 @@
           <a:p>
             <a:pPr algn="ctr"/>
             <a:r>
-              <a:rPr lang="en-US" altLang="zh-CN" sz="3800" b="1" dirty="0" smtClean="0">
-                <a:solidFill>
-                  <a:schemeClr val="bg1"/>
-                </a:solidFill>
-                <a:latin typeface="Times New Roman" charset="0"/>
-                <a:ea typeface="Times New Roman" charset="0"/>
-                <a:cs typeface="Times New Roman" charset="0"/>
-              </a:rPr>
-              <a:t>L1</a:t>
-            </a:r>
-            <a:r>
               <a:rPr lang="en-US" altLang="zh-CN" sz="3800" b="1" dirty="0">
                 <a:solidFill>
                   <a:schemeClr val="bg1"/>
@@ -3849,18 +3839,7 @@
                 <a:ea typeface="Times New Roman" charset="0"/>
                 <a:cs typeface="Times New Roman" charset="0"/>
               </a:rPr>
-              <a:t>, L2 Filter and Momentum </a:t>
-            </a:r>
-            <a:r>
-              <a:rPr lang="en-US" altLang="zh-CN" sz="3800" b="1" dirty="0" smtClean="0">
-                <a:solidFill>
-                  <a:schemeClr val="bg1"/>
-                </a:solidFill>
-                <a:latin typeface="Times New Roman" charset="0"/>
-                <a:ea typeface="Times New Roman" charset="0"/>
-                <a:cs typeface="Times New Roman" charset="0"/>
-              </a:rPr>
-              <a:t>Strategies</a:t>
+              <a:t>L1, L2 Filter and Momentum Strategies</a:t>
             </a:r>
           </a:p>
           <a:p>
@@ -3874,18 +3853,7 @@
                 <a:ea typeface="Times New Roman" charset="0"/>
                 <a:cs typeface="Times New Roman" charset="0"/>
               </a:rPr>
-              <a:t> </a:t>
-            </a:r>
-            <a:r>
-              <a:rPr lang="en-US" altLang="zh-CN" sz="2800" b="1" dirty="0" smtClean="0">
-                <a:solidFill>
-                  <a:schemeClr val="bg1"/>
-                </a:solidFill>
-                <a:latin typeface="Times New Roman" charset="0"/>
-                <a:ea typeface="Times New Roman" charset="0"/>
-                <a:cs typeface="Times New Roman" charset="0"/>
-              </a:rPr>
-              <a:t>                                                    </a:t>
+              <a:t>                                                     </a:t>
             </a:r>
             <a:r>
               <a:rPr lang="en-US" altLang="zh-CN" b="1" dirty="0">
@@ -3896,40 +3864,7 @@
                 <a:ea typeface="Times New Roman" charset="0"/>
                 <a:cs typeface="Times New Roman" charset="0"/>
               </a:rPr>
-              <a:t>——</a:t>
-            </a:r>
-            <a:r>
-              <a:rPr lang="en-US" altLang="zh-CN" b="1" dirty="0" smtClean="0">
-                <a:solidFill>
-                  <a:schemeClr val="bg1"/>
-                </a:solidFill>
-                <a:latin typeface="Times New Roman" charset="0"/>
-                <a:ea typeface="Times New Roman" charset="0"/>
-                <a:cs typeface="Times New Roman" charset="0"/>
-              </a:rPr>
-              <a:t>Applying </a:t>
-            </a:r>
-            <a:r>
-              <a:rPr lang="en-US" altLang="zh-CN" b="1" dirty="0">
-                <a:solidFill>
-                  <a:schemeClr val="bg1"/>
-                </a:solidFill>
-                <a:latin typeface="Times New Roman" charset="0"/>
-                <a:ea typeface="Times New Roman" charset="0"/>
-                <a:cs typeface="Times New Roman" charset="0"/>
-              </a:rPr>
-              <a:t>to S&amp;P 500 </a:t>
-            </a:r>
-            <a:r>
-              <a:rPr lang="en-US" altLang="zh-CN" b="1" dirty="0" smtClean="0">
-                <a:solidFill>
-                  <a:schemeClr val="bg1"/>
-                </a:solidFill>
-                <a:latin typeface="Times New Roman" charset="0"/>
-                <a:ea typeface="Times New Roman" charset="0"/>
-                <a:cs typeface="Times New Roman" charset="0"/>
-              </a:rPr>
-              <a:t>Index</a:t>
+              <a:t>——Applying to S&amp;P 500 Index</a:t>
             </a:r>
           </a:p>
           <a:p>
@@ -3948,7 +3883,7 @@
           </a:p>
           <a:p>
             <a:pPr algn="r"/>
-            <a:endParaRPr lang="en-US" altLang="zh-CN" sz="1100" b="1" dirty="0" smtClean="0">
+            <a:endParaRPr lang="en-US" altLang="zh-CN" sz="1100" b="1" dirty="0">
               <a:solidFill>
                 <a:schemeClr val="tx1">
                   <a:lumMod val="75000"/>
@@ -4008,21 +3943,8 @@
                 <a:ea typeface="Times New Roman" charset="0"/>
                 <a:cs typeface="Times New Roman" charset="0"/>
               </a:rPr>
-              <a:t>Yuxiao </a:t>
+              <a:t>Yuxiao  Cheng</a:t>
             </a:r>
-            <a:r>
-              <a:rPr kumimoji="1" lang="en-US" altLang="zh-CN" b="1" dirty="0" smtClean="0">
-                <a:latin typeface="Times New Roman" charset="0"/>
-                <a:ea typeface="Times New Roman" charset="0"/>
-                <a:cs typeface="Times New Roman" charset="0"/>
-              </a:rPr>
-              <a:t> Cheng</a:t>
-            </a:r>
-            <a:endParaRPr kumimoji="1" lang="en-US" altLang="zh-CN" b="1" dirty="0">
-              <a:latin typeface="Times New Roman" charset="0"/>
-              <a:ea typeface="Times New Roman" charset="0"/>
-              <a:cs typeface="Times New Roman" charset="0"/>
-            </a:endParaRPr>
           </a:p>
           <a:p>
             <a:pPr algn="ctr">
@@ -4036,21 +3958,8 @@
                 <a:ea typeface="Times New Roman" charset="0"/>
                 <a:cs typeface="Times New Roman" charset="0"/>
               </a:rPr>
-              <a:t>Ruocheng </a:t>
+              <a:t>Ruocheng  Zhang</a:t>
             </a:r>
-            <a:r>
-              <a:rPr kumimoji="1" lang="en-US" altLang="zh-CN" b="1" dirty="0" smtClean="0">
-                <a:latin typeface="Times New Roman" charset="0"/>
-                <a:ea typeface="Times New Roman" charset="0"/>
-                <a:cs typeface="Times New Roman" charset="0"/>
-              </a:rPr>
-              <a:t> Zhang</a:t>
-            </a:r>
-            <a:endParaRPr kumimoji="1" lang="en-US" altLang="zh-CN" b="1" dirty="0">
-              <a:latin typeface="Times New Roman" charset="0"/>
-              <a:ea typeface="Times New Roman" charset="0"/>
-              <a:cs typeface="Times New Roman" charset="0"/>
-            </a:endParaRPr>
           </a:p>
           <a:p>
             <a:pPr algn="ctr">
@@ -4064,20 +3973,12 @@
                 <a:ea typeface="Times New Roman" charset="0"/>
                 <a:cs typeface="Times New Roman" charset="0"/>
               </a:rPr>
-              <a:t>Jinyang </a:t>
-            </a:r>
-            <a:r>
-              <a:rPr kumimoji="1" lang="en-US" altLang="zh-CN" b="1" dirty="0" smtClean="0">
-                <a:latin typeface="Times New Roman" charset="0"/>
-                <a:ea typeface="Times New Roman" charset="0"/>
-                <a:cs typeface="Times New Roman" charset="0"/>
-              </a:rPr>
-              <a:t> Li</a:t>
+              <a:t>Jinyang  Li</a:t>
             </a:r>
           </a:p>
           <a:p>
             <a:pPr algn="ctr"/>
-            <a:endParaRPr kumimoji="1" lang="en-US" altLang="zh-CN" sz="1050" b="1" dirty="0" smtClean="0">
+            <a:endParaRPr kumimoji="1" lang="en-US" altLang="zh-CN" sz="1050" b="1" dirty="0">
               <a:latin typeface="Times New Roman" charset="0"/>
               <a:ea typeface="Times New Roman" charset="0"/>
               <a:cs typeface="Times New Roman" charset="0"/>
@@ -4086,7 +3987,7 @@
           <a:p>
             <a:pPr algn="ctr"/>
             <a:r>
-              <a:rPr kumimoji="1" lang="en-US" altLang="zh-CN" sz="1050" b="1" dirty="0" smtClean="0">
+              <a:rPr kumimoji="1" lang="en-US" altLang="zh-CN" sz="1050" b="1" dirty="0">
                 <a:latin typeface="Times New Roman" charset="0"/>
                 <a:ea typeface="Times New Roman" charset="0"/>
                 <a:cs typeface="Times New Roman" charset="0"/>
@@ -4094,7 +3995,7 @@
               <a:t>Dec. 12</a:t>
             </a:r>
             <a:r>
-              <a:rPr kumimoji="1" lang="en-US" altLang="zh-CN" sz="1050" b="1" baseline="30000" dirty="0" smtClean="0">
+              <a:rPr kumimoji="1" lang="en-US" altLang="zh-CN" sz="1050" b="1" baseline="30000" dirty="0">
                 <a:latin typeface="Times New Roman" charset="0"/>
                 <a:ea typeface="Times New Roman" charset="0"/>
                 <a:cs typeface="Times New Roman" charset="0"/>
@@ -4102,7 +4003,7 @@
               <a:t>th</a:t>
             </a:r>
             <a:r>
-              <a:rPr kumimoji="1" lang="en-US" altLang="zh-CN" sz="1050" b="1" dirty="0" smtClean="0">
+              <a:rPr kumimoji="1" lang="en-US" altLang="zh-CN" sz="1050" b="1" dirty="0">
                 <a:latin typeface="Times New Roman" charset="0"/>
                 <a:ea typeface="Times New Roman" charset="0"/>
                 <a:cs typeface="Times New Roman" charset="0"/>
@@ -4153,20 +4054,12 @@
             <a:lstStyle/>
             <a:p>
               <a:r>
-                <a:rPr lang="en-US" altLang="zh-CN" sz="1400" b="1" dirty="0" smtClean="0">
-                  <a:latin typeface="Ebrima" panose="02000000000000000000" pitchFamily="2" charset="0"/>
-                  <a:ea typeface="Ebrima" panose="02000000000000000000" pitchFamily="2" charset="0"/>
-                  <a:cs typeface="Ebrima" panose="02000000000000000000" pitchFamily="2" charset="0"/>
-                </a:rPr>
-                <a:t>Quantitative Methods in Finance</a:t>
-              </a:r>
-              <a:r>
                 <a:rPr lang="en-US" altLang="zh-CN" sz="1400" b="1" dirty="0">
                   <a:latin typeface="Ebrima" panose="02000000000000000000" pitchFamily="2" charset="0"/>
                   <a:ea typeface="Ebrima" panose="02000000000000000000" pitchFamily="2" charset="0"/>
                   <a:cs typeface="Ebrima" panose="02000000000000000000" pitchFamily="2" charset="0"/>
                 </a:rPr>
-                <a:t> </a:t>
+                <a:t>Quantitative Methods in Finance </a:t>
               </a:r>
               <a:endParaRPr lang="zh-CN" altLang="en-US" sz="1400" b="1" dirty="0">
                 <a:latin typeface="Ebrima" panose="02000000000000000000" pitchFamily="2" charset="0"/>
@@ -4223,13 +4116,6 @@
   <p:clrMapOvr>
     <a:masterClrMapping/>
   </p:clrMapOvr>
-  <p:timing>
-    <p:tnLst>
-      <p:par>
-        <p:cTn id="1" dur="indefinite" restart="never" nodeType="tmRoot"/>
-      </p:par>
-    </p:tnLst>
-  </p:timing>
 </p:sld>
 </file>
 
@@ -4272,20 +4158,12 @@
           <a:lstStyle/>
           <a:p>
             <a:r>
-              <a:rPr lang="en-US" altLang="zh-CN" sz="2400" b="1" dirty="0" smtClean="0">
-                <a:latin typeface="Times New Roman" charset="0"/>
-                <a:ea typeface="Times New Roman" charset="0"/>
-                <a:cs typeface="Times New Roman" charset="0"/>
-              </a:rPr>
-              <a:t>Model 1 &amp; Filter Comparation</a:t>
-            </a:r>
-            <a:r>
               <a:rPr lang="en-US" altLang="zh-CN" sz="2400" b="1" dirty="0">
                 <a:latin typeface="Times New Roman" charset="0"/>
                 <a:ea typeface="Times New Roman" charset="0"/>
                 <a:cs typeface="Times New Roman" charset="0"/>
               </a:rPr>
-              <a:t> </a:t>
+              <a:t>Model 1 &amp; Filter Comparation </a:t>
             </a:r>
             <a:endParaRPr lang="zh-CN" altLang="en-US" sz="2400" b="1" dirty="0">
               <a:latin typeface="Times New Roman" charset="0"/>
@@ -4366,7 +4244,7 @@
                           <m:endChr m:val=""/>
                           <m:ctrlPr>
                             <a:rPr lang="zh-CN" altLang="en-US" i="1">
-                              <a:latin typeface="Cambria Math" charset="0"/>
+                              <a:latin typeface="Cambria Math" panose="02040503050406030204" pitchFamily="18" charset="0"/>
                             </a:rPr>
                           </m:ctrlPr>
                         </m:dPr>
@@ -4375,7 +4253,7 @@
                             <m:eqArrPr>
                               <m:ctrlPr>
                                 <a:rPr lang="zh-CN" altLang="en-US" i="1">
-                                  <a:latin typeface="Cambria Math" charset="0"/>
+                                  <a:latin typeface="Cambria Math" panose="02040503050406030204" pitchFamily="18" charset="0"/>
                                 </a:rPr>
                               </m:ctrlPr>
                             </m:eqArrPr>
@@ -4390,7 +4268,7 @@
                                 <m:sSubPr>
                                   <m:ctrlPr>
                                     <a:rPr lang="zh-CN" altLang="en-US" i="1">
-                                      <a:latin typeface="Cambria Math" charset="0"/>
+                                      <a:latin typeface="Cambria Math" panose="02040503050406030204" pitchFamily="18" charset="0"/>
                                     </a:rPr>
                                   </m:ctrlPr>
                                 </m:sSubPr>
@@ -4421,7 +4299,7 @@
                                 <m:sSubPr>
                                   <m:ctrlPr>
                                     <a:rPr lang="zh-CN" altLang="en-US" i="1">
-                                      <a:latin typeface="Cambria Math" charset="0"/>
+                                      <a:latin typeface="Cambria Math" panose="02040503050406030204" pitchFamily="18" charset="0"/>
                                     </a:rPr>
                                   </m:ctrlPr>
                                 </m:sSubPr>
@@ -4452,7 +4330,7 @@
                                 <m:sSubPr>
                                   <m:ctrlPr>
                                     <a:rPr lang="zh-CN" altLang="en-US" i="1">
-                                      <a:latin typeface="Cambria Math" charset="0"/>
+                                      <a:latin typeface="Cambria Math" panose="02040503050406030204" pitchFamily="18" charset="0"/>
                                     </a:rPr>
                                   </m:ctrlPr>
                                 </m:sSubPr>
@@ -4485,7 +4363,7 @@
                                 <m:sSubPr>
                                   <m:ctrlPr>
                                     <a:rPr lang="zh-CN" altLang="en-US" i="1">
-                                      <a:latin typeface="Cambria Math" charset="0"/>
+                                      <a:latin typeface="Cambria Math" panose="02040503050406030204" pitchFamily="18" charset="0"/>
                                     </a:rPr>
                                   </m:ctrlPr>
                                 </m:sSubPr>
@@ -4522,7 +4400,7 @@
                                 <m:dPr>
                                   <m:ctrlPr>
                                     <a:rPr lang="zh-CN" altLang="en-US" i="1">
-                                      <a:latin typeface="Cambria Math" charset="0"/>
+                                      <a:latin typeface="Cambria Math" panose="02040503050406030204" pitchFamily="18" charset="0"/>
                                     </a:rPr>
                                   </m:ctrlPr>
                                 </m:dPr>
@@ -4537,7 +4415,7 @@
                                     <m:sSupPr>
                                       <m:ctrlPr>
                                         <a:rPr lang="zh-CN" altLang="en-US" i="1">
-                                          <a:latin typeface="Cambria Math" charset="0"/>
+                                          <a:latin typeface="Cambria Math" panose="02040503050406030204" pitchFamily="18" charset="0"/>
                                         </a:rPr>
                                       </m:ctrlPr>
                                     </m:sSupPr>
@@ -4572,7 +4450,7 @@
                                 <m:sSubPr>
                                   <m:ctrlPr>
                                     <a:rPr lang="zh-CN" altLang="en-US" i="1">
-                                      <a:latin typeface="Cambria Math" charset="0"/>
+                                      <a:latin typeface="Cambria Math" panose="02040503050406030204" pitchFamily="18" charset="0"/>
                                     </a:rPr>
                                   </m:ctrlPr>
                                 </m:sSubPr>
@@ -4603,7 +4481,7 @@
                                 <m:sSubPr>
                                   <m:ctrlPr>
                                     <a:rPr lang="zh-CN" altLang="en-US" i="1">
-                                      <a:latin typeface="Cambria Math" charset="0"/>
+                                      <a:latin typeface="Cambria Math" panose="02040503050406030204" pitchFamily="18" charset="0"/>
                                     </a:rPr>
                                   </m:ctrlPr>
                                 </m:sSubPr>
@@ -4640,7 +4518,7 @@
                                 <m:sSubPr>
                                   <m:ctrlPr>
                                     <a:rPr lang="zh-CN" altLang="en-US" i="1">
-                                      <a:latin typeface="Cambria Math" charset="0"/>
+                                      <a:latin typeface="Cambria Math" panose="02040503050406030204" pitchFamily="18" charset="0"/>
                                     </a:rPr>
                                   </m:ctrlPr>
                                 </m:sSubPr>
@@ -4681,7 +4559,7 @@
                                   <m:endChr m:val="}"/>
                                   <m:ctrlPr>
                                     <a:rPr lang="zh-CN" altLang="en-US" i="1">
-                                      <a:latin typeface="Cambria Math" charset="0"/>
+                                      <a:latin typeface="Cambria Math" panose="02040503050406030204" pitchFamily="18" charset="0"/>
                                     </a:rPr>
                                   </m:ctrlPr>
                                 </m:dPr>
@@ -4690,7 +4568,7 @@
                                     <m:sSubPr>
                                       <m:ctrlPr>
                                         <a:rPr lang="zh-CN" altLang="en-US" i="1">
-                                          <a:latin typeface="Cambria Math" charset="0"/>
+                                          <a:latin typeface="Cambria Math" panose="02040503050406030204" pitchFamily="18" charset="0"/>
                                         </a:rPr>
                                       </m:ctrlPr>
                                     </m:sSubPr>
@@ -4721,7 +4599,7 @@
                                     <m:sSubPr>
                                       <m:ctrlPr>
                                         <a:rPr lang="zh-CN" altLang="en-US" i="1">
-                                          <a:latin typeface="Cambria Math" charset="0"/>
+                                          <a:latin typeface="Cambria Math" panose="02040503050406030204" pitchFamily="18" charset="0"/>
                                         </a:rPr>
                                       </m:ctrlPr>
                                     </m:sSubPr>
@@ -4782,7 +4660,7 @@
                                   <m:endChr m:val="}"/>
                                   <m:ctrlPr>
                                     <a:rPr lang="zh-CN" altLang="en-US" i="1">
-                                      <a:latin typeface="Cambria Math" charset="0"/>
+                                      <a:latin typeface="Cambria Math" panose="02040503050406030204" pitchFamily="18" charset="0"/>
                                     </a:rPr>
                                   </m:ctrlPr>
                                 </m:dPr>
@@ -4791,7 +4669,7 @@
                                     <m:sSubPr>
                                       <m:ctrlPr>
                                         <a:rPr lang="zh-CN" altLang="en-US" i="1">
-                                          <a:latin typeface="Cambria Math" charset="0"/>
+                                          <a:latin typeface="Cambria Math" panose="02040503050406030204" pitchFamily="18" charset="0"/>
                                         </a:rPr>
                                       </m:ctrlPr>
                                     </m:sSubPr>
@@ -4828,7 +4706,7 @@
                                     <m:dPr>
                                       <m:ctrlPr>
                                         <a:rPr lang="zh-CN" altLang="en-US" i="1">
-                                          <a:latin typeface="Cambria Math" charset="0"/>
+                                          <a:latin typeface="Cambria Math" panose="02040503050406030204" pitchFamily="18" charset="0"/>
                                         </a:rPr>
                                       </m:ctrlPr>
                                     </m:dPr>
@@ -4837,7 +4715,7 @@
                                         <m:sSubPr>
                                           <m:ctrlPr>
                                             <a:rPr lang="zh-CN" altLang="en-US" i="1">
-                                              <a:latin typeface="Cambria Math" charset="0"/>
+                                              <a:latin typeface="Cambria Math" panose="02040503050406030204" pitchFamily="18" charset="0"/>
                                             </a:rPr>
                                           </m:ctrlPr>
                                         </m:sSubPr>
@@ -4856,7 +4734,7 @@
                                               <m:endChr m:val="]"/>
                                               <m:ctrlPr>
                                                 <a:rPr lang="zh-CN" altLang="en-US" i="1">
-                                                  <a:latin typeface="Cambria Math" charset="0"/>
+                                                  <a:latin typeface="Cambria Math" panose="02040503050406030204" pitchFamily="18" charset="0"/>
                                                 </a:rPr>
                                               </m:ctrlPr>
                                             </m:dPr>
@@ -4881,7 +4759,7 @@
                                         <m:fPr>
                                           <m:ctrlPr>
                                             <a:rPr lang="zh-CN" altLang="en-US" i="1">
-                                              <a:latin typeface="Cambria Math" charset="0"/>
+                                              <a:latin typeface="Cambria Math" panose="02040503050406030204" pitchFamily="18" charset="0"/>
                                             </a:rPr>
                                           </m:ctrlPr>
                                         </m:fPr>
@@ -5030,7 +4908,7 @@
           </a:p>
           <a:p>
             <a:pPr algn="just"/>
-            <a:endParaRPr kumimoji="1" lang="zh-CN" altLang="en-US" dirty="0" smtClean="0">
+            <a:endParaRPr kumimoji="1" lang="zh-CN" altLang="en-US" dirty="0">
               <a:solidFill>
                 <a:schemeClr val="bg1"/>
               </a:solidFill>
@@ -5158,7 +5036,7 @@
           <a:lstStyle/>
           <a:p>
             <a:r>
-              <a:rPr kumimoji="1" lang="en-US" altLang="zh-CN" sz="1200" dirty="0" smtClean="0">
+              <a:rPr kumimoji="1" lang="en-US" altLang="zh-CN" sz="1200" dirty="0">
                 <a:latin typeface="Times New Roman" charset="0"/>
                 <a:ea typeface="Times New Roman" charset="0"/>
                 <a:cs typeface="Times New Roman" charset="0"/>
@@ -5166,14 +5044,14 @@
               <a:t>L1-T </a:t>
             </a:r>
             <a:r>
-              <a:rPr kumimoji="1" lang="en-US" altLang="zh-CN" sz="1200" smtClean="0">
+              <a:rPr kumimoji="1" lang="en-US" altLang="zh-CN" sz="1200">
                 <a:latin typeface="Times New Roman" charset="0"/>
                 <a:ea typeface="Times New Roman" charset="0"/>
                 <a:cs typeface="Times New Roman" charset="0"/>
               </a:rPr>
               <a:t>and L2 perform better than L1-C and L1-TC</a:t>
             </a:r>
-            <a:endParaRPr kumimoji="1" lang="zh-CN" altLang="en-US" sz="1200" dirty="0" smtClean="0">
+            <a:endParaRPr kumimoji="1" lang="zh-CN" altLang="en-US" sz="1200" dirty="0">
               <a:latin typeface="Times New Roman" charset="0"/>
               <a:ea typeface="Times New Roman" charset="0"/>
               <a:cs typeface="Times New Roman" charset="0"/>
@@ -5191,13 +5069,6 @@
   <p:clrMapOvr>
     <a:masterClrMapping/>
   </p:clrMapOvr>
-  <p:timing>
-    <p:tnLst>
-      <p:par>
-        <p:cTn id="1" dur="indefinite" restart="never" nodeType="tmRoot"/>
-      </p:par>
-    </p:tnLst>
-  </p:timing>
 </p:sld>
 </file>
 
@@ -5262,20 +5133,12 @@
           <a:lstStyle/>
           <a:p>
             <a:r>
-              <a:rPr lang="en-US" altLang="zh-CN" sz="2400" b="1" dirty="0" smtClean="0">
-                <a:latin typeface="Times New Roman" charset="0"/>
-                <a:ea typeface="Times New Roman" charset="0"/>
-                <a:cs typeface="Times New Roman" charset="0"/>
-              </a:rPr>
-              <a:t>Model 2 &amp; Filter Comparation</a:t>
-            </a:r>
-            <a:r>
               <a:rPr lang="en-US" altLang="zh-CN" sz="2400" b="1" dirty="0">
                 <a:latin typeface="Times New Roman" charset="0"/>
                 <a:ea typeface="Times New Roman" charset="0"/>
                 <a:cs typeface="Times New Roman" charset="0"/>
               </a:rPr>
-              <a:t> </a:t>
+              <a:t>Model 2 &amp; Filter Comparation </a:t>
             </a:r>
             <a:endParaRPr lang="zh-CN" altLang="en-US" sz="2400" b="1" dirty="0">
               <a:latin typeface="Times New Roman" charset="0"/>
@@ -5320,8 +5183,8 @@
           </a:fontRef>
         </p:style>
       </p:cxnSp>
-      <mc:AlternateContent xmlns:mc="http://schemas.openxmlformats.org/markup-compatibility/2006">
-        <mc:Choice xmlns:a14="http://schemas.microsoft.com/office/drawing/2010/main" Requires="a14">
+      <mc:AlternateContent xmlns:mc="http://schemas.openxmlformats.org/markup-compatibility/2006" xmlns:a14="http://schemas.microsoft.com/office/drawing/2010/main">
+        <mc:Choice Requires="a14">
           <p:sp>
             <p:nvSpPr>
               <p:cNvPr id="7" name="矩形 6"/>
@@ -5343,6 +5206,7 @@
               </a:bodyPr>
               <a:lstStyle/>
               <a:p>
+                <a:pPr/>
                 <a14:m>
                   <m:oMathPara xmlns:m="http://schemas.openxmlformats.org/officeDocument/2006/math">
                     <m:oMathParaPr>
@@ -5354,78 +5218,104 @@
                           <m:begChr m:val="{"/>
                           <m:endChr m:val=""/>
                           <m:ctrlPr>
-                            <a:rPr lang="zh-CN" altLang="zh-CN" i="1"/>
+                            <a:rPr lang="zh-CN" altLang="zh-CN" i="1">
+                              <a:latin typeface="Cambria Math" panose="02040503050406030204" pitchFamily="18" charset="0"/>
+                            </a:rPr>
                           </m:ctrlPr>
                         </m:dPr>
                         <m:e>
                           <m:eqArr>
                             <m:eqArrPr>
                               <m:ctrlPr>
-                                <a:rPr lang="zh-CN" altLang="zh-CN" i="1"/>
+                                <a:rPr lang="zh-CN" altLang="zh-CN" i="1">
+                                  <a:latin typeface="Cambria Math" panose="02040503050406030204" pitchFamily="18" charset="0"/>
+                                </a:rPr>
                               </m:ctrlPr>
                             </m:eqArrPr>
                             <m:e>
                               <m:sSub>
                                 <m:sSubPr>
                                   <m:ctrlPr>
-                                    <a:rPr lang="zh-CN" altLang="zh-CN" i="1"/>
+                                    <a:rPr lang="zh-CN" altLang="zh-CN" i="1">
+                                      <a:latin typeface="Cambria Math" panose="02040503050406030204" pitchFamily="18" charset="0"/>
+                                    </a:rPr>
                                   </m:ctrlPr>
                                 </m:sSubPr>
                                 <m:e>
                                   <m:r>
-                                    <a:rPr lang="en-US" altLang="zh-CN" i="1"/>
+                                    <a:rPr lang="en-US" altLang="zh-CN" i="1">
+                                      <a:latin typeface="Cambria Math" panose="02040503050406030204" pitchFamily="18" charset="0"/>
+                                    </a:rPr>
                                     <m:t>𝑦</m:t>
                                   </m:r>
                                 </m:e>
                                 <m:sub>
                                   <m:r>
-                                    <a:rPr lang="en-US" altLang="zh-CN" i="1"/>
+                                    <a:rPr lang="en-US" altLang="zh-CN" i="1">
+                                      <a:latin typeface="Cambria Math" panose="02040503050406030204" pitchFamily="18" charset="0"/>
+                                    </a:rPr>
                                     <m:t>𝑡</m:t>
                                   </m:r>
                                 </m:sub>
                               </m:sSub>
                               <m:r>
-                                <a:rPr lang="en-US" altLang="zh-CN" i="1"/>
+                                <a:rPr lang="en-US" altLang="zh-CN" i="1">
+                                  <a:latin typeface="Cambria Math" panose="02040503050406030204" pitchFamily="18" charset="0"/>
+                                </a:rPr>
                                 <m:t>=</m:t>
                               </m:r>
                               <m:sSub>
                                 <m:sSubPr>
                                   <m:ctrlPr>
-                                    <a:rPr lang="zh-CN" altLang="zh-CN" i="1"/>
+                                    <a:rPr lang="zh-CN" altLang="zh-CN" i="1">
+                                      <a:latin typeface="Cambria Math" panose="02040503050406030204" pitchFamily="18" charset="0"/>
+                                    </a:rPr>
                                   </m:ctrlPr>
                                 </m:sSubPr>
                                 <m:e>
                                   <m:r>
-                                    <a:rPr lang="en-US" altLang="zh-CN" i="1"/>
+                                    <a:rPr lang="en-US" altLang="zh-CN" i="1">
+                                      <a:latin typeface="Cambria Math" panose="02040503050406030204" pitchFamily="18" charset="0"/>
+                                    </a:rPr>
                                     <m:t>𝑥</m:t>
                                   </m:r>
                                 </m:e>
                                 <m:sub>
                                   <m:r>
-                                    <a:rPr lang="en-US" altLang="zh-CN" i="1"/>
+                                    <a:rPr lang="en-US" altLang="zh-CN" i="1">
+                                      <a:latin typeface="Cambria Math" panose="02040503050406030204" pitchFamily="18" charset="0"/>
+                                    </a:rPr>
                                     <m:t>𝑡</m:t>
                                   </m:r>
                                 </m:sub>
                               </m:sSub>
                               <m:r>
-                                <a:rPr lang="en-US" altLang="zh-CN" i="1"/>
+                                <a:rPr lang="en-US" altLang="zh-CN" i="1">
+                                  <a:latin typeface="Cambria Math" panose="02040503050406030204" pitchFamily="18" charset="0"/>
+                                </a:rPr>
                                 <m:t>+</m:t>
                               </m:r>
                               <m:sSub>
                                 <m:sSubPr>
                                   <m:ctrlPr>
-                                    <a:rPr lang="zh-CN" altLang="zh-CN" i="1"/>
+                                    <a:rPr lang="zh-CN" altLang="zh-CN" i="1">
+                                      <a:latin typeface="Cambria Math" panose="02040503050406030204" pitchFamily="18" charset="0"/>
+                                    </a:rPr>
                                   </m:ctrlPr>
                                 </m:sSubPr>
                                 <m:e>
                                   <m:r>
-                                    <a:rPr lang="en-US" altLang="zh-CN" i="1"/>
+                                    <a:rPr lang="en-US" altLang="zh-CN" i="1">
+                                      <a:latin typeface="Cambria Math" panose="02040503050406030204" pitchFamily="18" charset="0"/>
+                                    </a:rPr>
                                     <m:t>𝜀</m:t>
                                   </m:r>
                                 </m:e>
                                 <m:sub>
                                   <m:r>
-                                    <a:rPr lang="en-US" altLang="zh-CN" i="1"/>
+                                    <a:rPr lang="en-US" altLang="zh-CN" i="1">
+                                      <a:latin typeface="Cambria Math" panose="02040503050406030204" pitchFamily="18" charset="0"/>
+                                    </a:rPr>
                                     <m:t>𝑡</m:t>
                                   </m:r>
                                 </m:sub>
@@ -5435,59 +5325,79 @@
                               <m:sSub>
                                 <m:sSubPr>
                                   <m:ctrlPr>
-                                    <a:rPr lang="zh-CN" altLang="zh-CN" i="1"/>
+                                    <a:rPr lang="zh-CN" altLang="zh-CN" i="1">
+                                      <a:latin typeface="Cambria Math" panose="02040503050406030204" pitchFamily="18" charset="0"/>
+                                    </a:rPr>
                                   </m:ctrlPr>
                                 </m:sSubPr>
                                 <m:e>
                                   <m:r>
-                                    <a:rPr lang="en-US" altLang="zh-CN" i="1"/>
+                                    <a:rPr lang="en-US" altLang="zh-CN" i="1">
+                                      <a:latin typeface="Cambria Math" panose="02040503050406030204" pitchFamily="18" charset="0"/>
+                                    </a:rPr>
                                     <m:t>𝜀</m:t>
                                   </m:r>
                                 </m:e>
                                 <m:sub>
                                   <m:r>
-                                    <a:rPr lang="en-US" altLang="zh-CN" i="1"/>
+                                    <a:rPr lang="en-US" altLang="zh-CN" i="1">
+                                      <a:latin typeface="Cambria Math" panose="02040503050406030204" pitchFamily="18" charset="0"/>
+                                    </a:rPr>
                                     <m:t>𝑡</m:t>
                                   </m:r>
                                 </m:sub>
                               </m:sSub>
                               <m:r>
-                                <a:rPr lang="en-US" altLang="zh-CN" i="1"/>
+                                <a:rPr lang="en-US" altLang="zh-CN" i="1">
+                                  <a:latin typeface="Cambria Math" panose="02040503050406030204" pitchFamily="18" charset="0"/>
+                                </a:rPr>
                                 <m:t>~</m:t>
                               </m:r>
                               <m:r>
                                 <m:rPr>
                                   <m:sty m:val="p"/>
                                 </m:rPr>
-                                <a:rPr lang="en-US" altLang="zh-CN"/>
+                                <a:rPr lang="en-US" altLang="zh-CN">
+                                  <a:latin typeface="Cambria Math" panose="02040503050406030204" pitchFamily="18" charset="0"/>
+                                </a:rPr>
                                 <m:t>Ν</m:t>
                               </m:r>
                               <m:d>
                                 <m:dPr>
                                   <m:ctrlPr>
-                                    <a:rPr lang="zh-CN" altLang="zh-CN" i="1"/>
+                                    <a:rPr lang="zh-CN" altLang="zh-CN" i="1">
+                                      <a:latin typeface="Cambria Math" panose="02040503050406030204" pitchFamily="18" charset="0"/>
+                                    </a:rPr>
                                   </m:ctrlPr>
                                 </m:dPr>
                                 <m:e>
                                   <m:r>
-                                    <a:rPr lang="en-US" altLang="zh-CN" i="1"/>
+                                    <a:rPr lang="en-US" altLang="zh-CN" i="1">
+                                      <a:latin typeface="Cambria Math" panose="02040503050406030204" pitchFamily="18" charset="0"/>
+                                    </a:rPr>
                                     <m:t>0,</m:t>
                                   </m:r>
                                   <m:sSup>
                                     <m:sSupPr>
                                       <m:ctrlPr>
-                                        <a:rPr lang="zh-CN" altLang="zh-CN" i="1"/>
+                                        <a:rPr lang="zh-CN" altLang="zh-CN" i="1">
+                                          <a:latin typeface="Cambria Math" panose="02040503050406030204" pitchFamily="18" charset="0"/>
+                                        </a:rPr>
                                       </m:ctrlPr>
                                     </m:sSupPr>
                                     <m:e>
                                       <m:r>
-                                        <a:rPr lang="en-US" altLang="zh-CN" i="1"/>
+                                        <a:rPr lang="en-US" altLang="zh-CN" i="1">
+                                          <a:latin typeface="Cambria Math" panose="02040503050406030204" pitchFamily="18" charset="0"/>
+                                        </a:rPr>
                                         <m:t>𝜎</m:t>
                                       </m:r>
                                     </m:e>
                                     <m:sup>
                                       <m:r>
-                                        <a:rPr lang="en-US" altLang="zh-CN" i="1"/>
+                                        <a:rPr lang="en-US" altLang="zh-CN" i="1">
+                                          <a:latin typeface="Cambria Math" panose="02040503050406030204" pitchFamily="18" charset="0"/>
+                                        </a:rPr>
                                         <m:t>2</m:t>
                                       </m:r>
                                     </m:sup>
@@ -5497,7 +5407,9 @@
                             </m:e>
                             <m:e>
                               <m:r>
-                                <a:rPr lang="en-US" altLang="zh-CN" i="1"/>
+                                <a:rPr lang="en-US" altLang="zh-CN" i="1">
+                                  <a:latin typeface="Cambria Math" panose="02040503050406030204" pitchFamily="18" charset="0"/>
+                                </a:rPr>
                                 <m:t>𝑃𝑟</m:t>
                               </m:r>
                               <m:d>
@@ -5505,52 +5417,70 @@
                                   <m:begChr m:val="{"/>
                                   <m:endChr m:val="}"/>
                                   <m:ctrlPr>
-                                    <a:rPr lang="zh-CN" altLang="zh-CN" i="1"/>
+                                    <a:rPr lang="zh-CN" altLang="zh-CN" i="1">
+                                      <a:latin typeface="Cambria Math" panose="02040503050406030204" pitchFamily="18" charset="0"/>
+                                    </a:rPr>
                                   </m:ctrlPr>
                                 </m:dPr>
                                 <m:e>
                                   <m:sSub>
                                     <m:sSubPr>
                                       <m:ctrlPr>
-                                        <a:rPr lang="zh-CN" altLang="zh-CN" i="1"/>
+                                        <a:rPr lang="zh-CN" altLang="zh-CN" i="1">
+                                          <a:latin typeface="Cambria Math" panose="02040503050406030204" pitchFamily="18" charset="0"/>
+                                        </a:rPr>
                                       </m:ctrlPr>
                                     </m:sSubPr>
                                     <m:e>
                                       <m:r>
-                                        <a:rPr lang="en-US" altLang="zh-CN" i="1"/>
+                                        <a:rPr lang="en-US" altLang="zh-CN" i="1">
+                                          <a:latin typeface="Cambria Math" panose="02040503050406030204" pitchFamily="18" charset="0"/>
+                                        </a:rPr>
                                         <m:t>𝑥</m:t>
                                       </m:r>
                                     </m:e>
                                     <m:sub>
                                       <m:r>
-                                        <a:rPr lang="en-US" altLang="zh-CN" i="1"/>
+                                        <a:rPr lang="en-US" altLang="zh-CN" i="1">
+                                          <a:latin typeface="Cambria Math" panose="02040503050406030204" pitchFamily="18" charset="0"/>
+                                        </a:rPr>
                                         <m:t>𝑡</m:t>
                                       </m:r>
                                     </m:sub>
                                   </m:sSub>
                                   <m:r>
-                                    <a:rPr lang="en-US" altLang="zh-CN" i="1"/>
+                                    <a:rPr lang="en-US" altLang="zh-CN" i="1">
+                                      <a:latin typeface="Cambria Math" panose="02040503050406030204" pitchFamily="18" charset="0"/>
+                                    </a:rPr>
                                     <m:t>=</m:t>
                                   </m:r>
                                   <m:sSub>
                                     <m:sSubPr>
                                       <m:ctrlPr>
-                                        <a:rPr lang="zh-CN" altLang="zh-CN" i="1"/>
+                                        <a:rPr lang="zh-CN" altLang="zh-CN" i="1">
+                                          <a:latin typeface="Cambria Math" panose="02040503050406030204" pitchFamily="18" charset="0"/>
+                                        </a:rPr>
                                       </m:ctrlPr>
                                     </m:sSubPr>
                                     <m:e>
                                       <m:r>
-                                        <a:rPr lang="en-US" altLang="zh-CN" i="1"/>
+                                        <a:rPr lang="en-US" altLang="zh-CN" i="1">
+                                          <a:latin typeface="Cambria Math" panose="02040503050406030204" pitchFamily="18" charset="0"/>
+                                        </a:rPr>
                                         <m:t>𝑥</m:t>
                                       </m:r>
                                     </m:e>
                                     <m:sub>
                                       <m:r>
-                                        <a:rPr lang="en-US" altLang="zh-CN" i="1"/>
+                                        <a:rPr lang="en-US" altLang="zh-CN" i="1">
+                                          <a:latin typeface="Cambria Math" panose="02040503050406030204" pitchFamily="18" charset="0"/>
+                                        </a:rPr>
                                         <m:t>𝑡</m:t>
                                       </m:r>
                                       <m:r>
-                                        <a:rPr lang="en-US" altLang="zh-CN" i="1"/>
+                                        <a:rPr lang="en-US" altLang="zh-CN" i="1">
+                                          <a:latin typeface="Cambria Math" panose="02040503050406030204" pitchFamily="18" charset="0"/>
+                                        </a:rPr>
                                         <m:t>−1</m:t>
                                       </m:r>
                                     </m:sub>
@@ -5558,17 +5488,23 @@
                                 </m:e>
                               </m:d>
                               <m:r>
-                                <a:rPr lang="en-US" altLang="zh-CN" i="1"/>
+                                <a:rPr lang="en-US" altLang="zh-CN" i="1">
+                                  <a:latin typeface="Cambria Math" panose="02040503050406030204" pitchFamily="18" charset="0"/>
+                                </a:rPr>
                                 <m:t>=</m:t>
                               </m:r>
                               <m:r>
-                                <a:rPr lang="en-US" altLang="zh-CN" i="1"/>
+                                <a:rPr lang="en-US" altLang="zh-CN" i="1">
+                                  <a:latin typeface="Cambria Math" panose="02040503050406030204" pitchFamily="18" charset="0"/>
+                                </a:rPr>
                                 <m:t>𝑝</m:t>
                               </m:r>
                             </m:e>
                             <m:e>
                               <m:r>
-                                <a:rPr lang="en-US" altLang="zh-CN" i="1"/>
+                                <a:rPr lang="en-US" altLang="zh-CN" i="1">
+                                  <a:latin typeface="Cambria Math" panose="02040503050406030204" pitchFamily="18" charset="0"/>
+                                </a:rPr>
                                 <m:t>𝑃𝑟</m:t>
                               </m:r>
                               <m:d>
@@ -5576,82 +5512,110 @@
                                   <m:begChr m:val="{"/>
                                   <m:endChr m:val="}"/>
                                   <m:ctrlPr>
-                                    <a:rPr lang="zh-CN" altLang="zh-CN" i="1"/>
+                                    <a:rPr lang="zh-CN" altLang="zh-CN" i="1">
+                                      <a:latin typeface="Cambria Math" panose="02040503050406030204" pitchFamily="18" charset="0"/>
+                                    </a:rPr>
                                   </m:ctrlPr>
                                 </m:dPr>
                                 <m:e>
                                   <m:sSub>
                                     <m:sSubPr>
                                       <m:ctrlPr>
-                                        <a:rPr lang="zh-CN" altLang="zh-CN" i="1"/>
+                                        <a:rPr lang="zh-CN" altLang="zh-CN" i="1">
+                                          <a:latin typeface="Cambria Math" panose="02040503050406030204" pitchFamily="18" charset="0"/>
+                                        </a:rPr>
                                       </m:ctrlPr>
                                     </m:sSubPr>
                                     <m:e>
                                       <m:r>
-                                        <a:rPr lang="en-US" altLang="zh-CN" i="1"/>
+                                        <a:rPr lang="en-US" altLang="zh-CN" i="1">
+                                          <a:latin typeface="Cambria Math" panose="02040503050406030204" pitchFamily="18" charset="0"/>
+                                        </a:rPr>
                                         <m:t>𝑥</m:t>
                                       </m:r>
                                     </m:e>
                                     <m:sub>
                                       <m:r>
-                                        <a:rPr lang="en-US" altLang="zh-CN" i="1"/>
+                                        <a:rPr lang="en-US" altLang="zh-CN" i="1">
+                                          <a:latin typeface="Cambria Math" panose="02040503050406030204" pitchFamily="18" charset="0"/>
+                                        </a:rPr>
                                         <m:t>𝑡</m:t>
                                       </m:r>
                                     </m:sub>
                                   </m:sSub>
                                   <m:r>
-                                    <a:rPr lang="en-US" altLang="zh-CN" i="1"/>
+                                    <a:rPr lang="en-US" altLang="zh-CN" i="1">
+                                      <a:latin typeface="Cambria Math" panose="02040503050406030204" pitchFamily="18" charset="0"/>
+                                    </a:rPr>
                                     <m:t>=</m:t>
                                   </m:r>
                                   <m:r>
-                                    <a:rPr lang="en-US" altLang="zh-CN" i="1"/>
+                                    <a:rPr lang="en-US" altLang="zh-CN" i="1">
+                                      <a:latin typeface="Cambria Math" panose="02040503050406030204" pitchFamily="18" charset="0"/>
+                                    </a:rPr>
                                     <m:t>𝑏</m:t>
                                   </m:r>
                                   <m:d>
                                     <m:dPr>
                                       <m:ctrlPr>
-                                        <a:rPr lang="zh-CN" altLang="zh-CN" i="1"/>
+                                        <a:rPr lang="zh-CN" altLang="zh-CN" i="1">
+                                          <a:latin typeface="Cambria Math" panose="02040503050406030204" pitchFamily="18" charset="0"/>
+                                        </a:rPr>
                                       </m:ctrlPr>
                                     </m:dPr>
                                     <m:e>
                                       <m:sSub>
                                         <m:sSubPr>
                                           <m:ctrlPr>
-                                            <a:rPr lang="zh-CN" altLang="zh-CN" i="1"/>
+                                            <a:rPr lang="zh-CN" altLang="zh-CN" i="1">
+                                              <a:latin typeface="Cambria Math" panose="02040503050406030204" pitchFamily="18" charset="0"/>
+                                            </a:rPr>
                                           </m:ctrlPr>
                                         </m:sSubPr>
                                         <m:e>
                                           <m:r>
-                                            <a:rPr lang="en-US" altLang="zh-CN" i="1"/>
+                                            <a:rPr lang="en-US" altLang="zh-CN" i="1">
+                                              <a:latin typeface="Cambria Math" panose="02040503050406030204" pitchFamily="18" charset="0"/>
+                                            </a:rPr>
                                             <m:t>𝑈</m:t>
                                           </m:r>
                                         </m:e>
                                         <m:sub>
                                           <m:r>
-                                            <a:rPr lang="en-US" altLang="zh-CN" i="1"/>
+                                            <a:rPr lang="en-US" altLang="zh-CN" i="1">
+                                              <a:latin typeface="Cambria Math" panose="02040503050406030204" pitchFamily="18" charset="0"/>
+                                            </a:rPr>
                                             <m:t>[0,1]</m:t>
                                           </m:r>
                                         </m:sub>
                                       </m:sSub>
                                       <m:r>
-                                        <a:rPr lang="en-US" altLang="zh-CN" i="1"/>
+                                        <a:rPr lang="en-US" altLang="zh-CN" i="1">
+                                          <a:latin typeface="Cambria Math" panose="02040503050406030204" pitchFamily="18" charset="0"/>
+                                        </a:rPr>
                                         <m:t>−</m:t>
                                       </m:r>
                                       <m:f>
                                         <m:fPr>
                                           <m:ctrlPr>
-                                            <a:rPr lang="zh-CN" altLang="zh-CN" i="1"/>
+                                            <a:rPr lang="zh-CN" altLang="zh-CN" i="1">
+                                              <a:latin typeface="Cambria Math" panose="02040503050406030204" pitchFamily="18" charset="0"/>
+                                            </a:rPr>
                                           </m:ctrlPr>
                                         </m:fPr>
                                         <m:num>
                                           <m:r>
-                                            <a:rPr lang="en-US" altLang="zh-CN" i="1"/>
+                                            <a:rPr lang="en-US" altLang="zh-CN" i="1">
+                                              <a:latin typeface="Cambria Math" panose="02040503050406030204" pitchFamily="18" charset="0"/>
+                                            </a:rPr>
                                             <m:t>1</m:t>
                                           </m:r>
                                         </m:num>
                                         <m:den>
                                           <m:r>
-                                            <a:rPr lang="en-US" altLang="zh-CN" i="1"/>
+                                            <a:rPr lang="en-US" altLang="zh-CN" i="1">
+                                              <a:latin typeface="Cambria Math" panose="02040503050406030204" pitchFamily="18" charset="0"/>
+                                            </a:rPr>
                                             <m:t>2</m:t>
                                           </m:r>
                                         </m:den>
@@ -5661,11 +5625,15 @@
                                 </m:e>
                               </m:d>
                               <m:r>
-                                <a:rPr lang="en-US" altLang="zh-CN" i="1"/>
+                                <a:rPr lang="en-US" altLang="zh-CN" i="1">
+                                  <a:latin typeface="Cambria Math" panose="02040503050406030204" pitchFamily="18" charset="0"/>
+                                </a:rPr>
                                 <m:t>=1−</m:t>
                               </m:r>
                               <m:r>
-                                <a:rPr lang="en-US" altLang="zh-CN" i="1"/>
+                                <a:rPr lang="en-US" altLang="zh-CN" i="1">
+                                  <a:latin typeface="Cambria Math" panose="02040503050406030204" pitchFamily="18" charset="0"/>
+                                </a:rPr>
                                 <m:t>𝑝</m:t>
                               </m:r>
                             </m:e>
@@ -5680,7 +5648,7 @@
             </p:txBody>
           </p:sp>
         </mc:Choice>
-        <mc:Fallback>
+        <mc:Fallback xmlns="">
           <p:sp>
             <p:nvSpPr>
               <p:cNvPr id="7" name="矩形 6"/>
@@ -5758,7 +5726,7 @@
           </a:p>
           <a:p>
             <a:pPr algn="just"/>
-            <a:endParaRPr kumimoji="1" lang="zh-CN" altLang="en-US" dirty="0" smtClean="0">
+            <a:endParaRPr kumimoji="1" lang="zh-CN" altLang="en-US" dirty="0">
               <a:solidFill>
                 <a:schemeClr val="bg1"/>
               </a:solidFill>
@@ -5886,14 +5854,14 @@
           <a:lstStyle/>
           <a:p>
             <a:r>
-              <a:rPr kumimoji="1" lang="en-US" altLang="zh-CN" sz="1200" dirty="0" smtClean="0">
+              <a:rPr kumimoji="1" lang="en-US" altLang="zh-CN" sz="1200" dirty="0">
                 <a:latin typeface="Times New Roman" charset="0"/>
                 <a:ea typeface="Times New Roman" charset="0"/>
                 <a:cs typeface="Times New Roman" charset="0"/>
               </a:rPr>
               <a:t>L1-C and L1-TC perform better than L1-T and L2</a:t>
             </a:r>
-            <a:endParaRPr kumimoji="1" lang="zh-CN" altLang="en-US" sz="1200" dirty="0" smtClean="0">
+            <a:endParaRPr kumimoji="1" lang="zh-CN" altLang="en-US" sz="1200" dirty="0">
               <a:latin typeface="Times New Roman" charset="0"/>
               <a:ea typeface="Times New Roman" charset="0"/>
               <a:cs typeface="Times New Roman" charset="0"/>
@@ -5911,13 +5879,6 @@
   <p:clrMapOvr>
     <a:masterClrMapping/>
   </p:clrMapOvr>
-  <p:timing>
-    <p:tnLst>
-      <p:par>
-        <p:cTn id="1" dur="indefinite" restart="never" nodeType="tmRoot"/>
-      </p:par>
-    </p:tnLst>
-  </p:timing>
 </p:sld>
 </file>
 
@@ -6037,7 +5998,7 @@
           <a:p>
             <a:pPr algn="ctr"/>
             <a:r>
-              <a:rPr lang="en-US" altLang="zh-CN" sz="4000" b="1" dirty="0" smtClean="0">
+              <a:rPr lang="en-US" altLang="zh-CN" sz="4000" b="1" dirty="0">
                 <a:solidFill>
                   <a:schemeClr val="bg1"/>
                 </a:solidFill>
@@ -6047,14 +6008,6 @@
               </a:rPr>
               <a:t>3. Cross Validation</a:t>
             </a:r>
-            <a:endParaRPr lang="en-US" altLang="zh-CN" sz="4000" b="1" dirty="0">
-              <a:solidFill>
-                <a:schemeClr val="bg1"/>
-              </a:solidFill>
-              <a:latin typeface="Times New Roman" charset="0"/>
-              <a:ea typeface="Times New Roman" charset="0"/>
-              <a:cs typeface="Times New Roman" charset="0"/>
-            </a:endParaRPr>
           </a:p>
         </p:txBody>
       </p:sp>
@@ -6094,20 +6047,12 @@
             <a:lstStyle/>
             <a:p>
               <a:r>
-                <a:rPr lang="en-US" altLang="zh-CN" sz="1400" b="1" dirty="0" smtClean="0">
-                  <a:latin typeface="Ebrima" panose="02000000000000000000" pitchFamily="2" charset="0"/>
-                  <a:ea typeface="Ebrima" panose="02000000000000000000" pitchFamily="2" charset="0"/>
-                  <a:cs typeface="Ebrima" panose="02000000000000000000" pitchFamily="2" charset="0"/>
-                </a:rPr>
-                <a:t>Quantitative Methods in Finance</a:t>
-              </a:r>
-              <a:r>
                 <a:rPr lang="en-US" altLang="zh-CN" sz="1400" b="1" dirty="0">
                   <a:latin typeface="Ebrima" panose="02000000000000000000" pitchFamily="2" charset="0"/>
                   <a:ea typeface="Ebrima" panose="02000000000000000000" pitchFamily="2" charset="0"/>
                   <a:cs typeface="Ebrima" panose="02000000000000000000" pitchFamily="2" charset="0"/>
                 </a:rPr>
-                <a:t> </a:t>
+                <a:t>Quantitative Methods in Finance </a:t>
               </a:r>
               <a:endParaRPr lang="zh-CN" altLang="en-US" sz="1400" b="1" dirty="0">
                 <a:latin typeface="Ebrima" panose="02000000000000000000" pitchFamily="2" charset="0"/>
@@ -6194,7 +6139,7 @@
           <a:lstStyle/>
           <a:p>
             <a:r>
-              <a:rPr lang="en-US" altLang="zh-CN" b="1" dirty="0" smtClean="0">
+              <a:rPr lang="en-US" altLang="zh-CN" b="1" dirty="0">
                 <a:solidFill>
                   <a:schemeClr val="tx1"/>
                 </a:solidFill>
@@ -6275,7 +6220,7 @@
                 <a:lstStyle/>
                 <a:p>
                   <a:r>
-                    <a:rPr lang="en-US" altLang="zh-CN" b="1" dirty="0" smtClean="0">
+                    <a:rPr lang="en-US" altLang="zh-CN" b="1" dirty="0">
                       <a:solidFill>
                         <a:schemeClr val="tx1"/>
                       </a:solidFill>
@@ -6400,17 +6345,6 @@
                 <a:lstStyle/>
                 <a:p>
                   <a:r>
-                    <a:rPr lang="en-US" altLang="zh-CN" b="1" dirty="0" smtClean="0">
-                      <a:solidFill>
-                        <a:schemeClr val="tx1"/>
-                      </a:solidFill>
-                      <a:latin typeface="Times New Roman" charset="0"/>
-                      <a:ea typeface="Times New Roman" charset="0"/>
-                      <a:cs typeface="Times New Roman" charset="0"/>
-                    </a:rPr>
-                    <a:t>Filtered Trend with </a:t>
-                  </a:r>
-                  <a:r>
                     <a:rPr lang="en-US" altLang="zh-CN" b="1" dirty="0">
                       <a:solidFill>
                         <a:schemeClr val="tx1"/>
@@ -6419,7 +6353,7 @@
                       <a:ea typeface="Times New Roman" charset="0"/>
                       <a:cs typeface="Times New Roman" charset="0"/>
                     </a:rPr>
-                    <a:t>Optimal </a:t>
+                    <a:t>Filtered Trend with Optimal </a:t>
                   </a:r>
                   <a14:m>
                     <m:oMath xmlns:m="http://schemas.openxmlformats.org/officeDocument/2006/math">
@@ -6501,13 +6435,6 @@
   <p:clrMapOvr>
     <a:masterClrMapping/>
   </p:clrMapOvr>
-  <p:timing>
-    <p:tnLst>
-      <p:par>
-        <p:cTn id="1" dur="indefinite" restart="never" nodeType="tmRoot"/>
-      </p:par>
-    </p:tnLst>
-  </p:timing>
 </p:sld>
 </file>
 
@@ -6660,21 +6587,21 @@
           <a:lstStyle/>
           <a:p>
             <a:r>
-              <a:rPr lang="en-US" altLang="zh-CN" sz="1200" b="1" dirty="0" smtClean="0">
+              <a:rPr lang="en-US" altLang="zh-CN" sz="1200" b="1" dirty="0">
                 <a:latin typeface="Times New Roman" charset="0"/>
                 <a:ea typeface="Times New Roman" charset="0"/>
                 <a:cs typeface="Times New Roman" charset="0"/>
               </a:rPr>
               <a:t>L1-T Filtered Trend for S&amp;P 500 from 2012 to 2016</a:t>
             </a:r>
-            <a:endParaRPr lang="zh-CN" altLang="zh-CN" sz="1200" dirty="0" smtClean="0">
+            <a:endParaRPr lang="zh-CN" altLang="zh-CN" sz="1200" dirty="0">
               <a:latin typeface="Times New Roman" charset="0"/>
               <a:ea typeface="Times New Roman" charset="0"/>
               <a:cs typeface="Times New Roman" charset="0"/>
             </a:endParaRPr>
           </a:p>
           <a:p>
-            <a:endParaRPr kumimoji="1" lang="zh-CN" altLang="en-US" sz="1200" dirty="0" smtClean="0">
+            <a:endParaRPr kumimoji="1" lang="zh-CN" altLang="en-US" sz="1200" dirty="0">
               <a:solidFill>
                 <a:schemeClr val="bg1"/>
               </a:solidFill>
@@ -6714,7 +6641,7 @@
                   </a:spcAft>
                 </a:pPr>
                 <a:r>
-                  <a:rPr lang="en-US" altLang="zh-CN" sz="1600" kern="100" dirty="0" smtClean="0">
+                  <a:rPr lang="en-US" altLang="zh-CN" sz="1600" kern="100" dirty="0">
                     <a:latin typeface="Times New Roman" charset="0"/>
                     <a:ea typeface="Times New Roman" charset="0"/>
                     <a:cs typeface="Times New Roman" charset="0"/>
@@ -6739,23 +6666,7 @@
                     <a:ea typeface="Times New Roman" charset="0"/>
                     <a:cs typeface="Times New Roman" charset="0"/>
                   </a:rPr>
-                  <a:t> is very small, the filtered trend </a:t>
-                </a:r>
-                <a:r>
-                  <a:rPr lang="en-US" altLang="zh-CN" sz="1600" kern="100" dirty="0" smtClean="0">
-                    <a:latin typeface="Times New Roman" charset="0"/>
-                    <a:ea typeface="Times New Roman" charset="0"/>
-                    <a:cs typeface="Times New Roman" charset="0"/>
-                  </a:rPr>
-                  <a:t>may be </a:t>
-                </a:r>
-                <a:r>
-                  <a:rPr lang="en-US" altLang="zh-CN" sz="1600" kern="100" dirty="0">
-                    <a:latin typeface="Times New Roman" charset="0"/>
-                    <a:ea typeface="Times New Roman" charset="0"/>
-                    <a:cs typeface="Times New Roman" charset="0"/>
-                  </a:rPr>
-                  <a:t>over-fitted with too much noise, while when </a:t>
+                  <a:t> is very small, the filtered trend may be over-fitted with too much noise, while when </a:t>
                 </a:r>
                 <a14:m>
                   <m:oMath xmlns:m="http://schemas.openxmlformats.org/officeDocument/2006/math">
@@ -6775,23 +6686,7 @@
                     <a:ea typeface="Times New Roman" charset="0"/>
                     <a:cs typeface="Times New Roman" charset="0"/>
                   </a:rPr>
-                  <a:t> is very large, the filtered trend </a:t>
-                </a:r>
-                <a:r>
-                  <a:rPr lang="en-US" altLang="zh-CN" sz="1600" kern="100" dirty="0" smtClean="0">
-                    <a:latin typeface="Times New Roman" charset="0"/>
-                    <a:ea typeface="Times New Roman" charset="0"/>
-                    <a:cs typeface="Times New Roman" charset="0"/>
-                  </a:rPr>
-                  <a:t>may </a:t>
-                </a:r>
-                <a:r>
-                  <a:rPr lang="en-US" altLang="zh-CN" sz="1600" kern="100" dirty="0">
-                    <a:latin typeface="Times New Roman" charset="0"/>
-                    <a:ea typeface="Times New Roman" charset="0"/>
-                    <a:cs typeface="Times New Roman" charset="0"/>
-                  </a:rPr>
-                  <a:t>be too smooth to fit the original data.</a:t>
+                  <a:t> is very large, the filtered trend may be too smooth to fit the original data.</a:t>
                 </a:r>
                 <a:endParaRPr lang="zh-CN" altLang="zh-CN" sz="1600" kern="100" dirty="0">
                   <a:latin typeface="Times New Roman" charset="0"/>
@@ -7056,13 +6951,6 @@
   <p:clrMapOvr>
     <a:masterClrMapping/>
   </p:clrMapOvr>
-  <p:timing>
-    <p:tnLst>
-      <p:par>
-        <p:cTn id="1" dur="indefinite" restart="never" nodeType="tmRoot"/>
-      </p:par>
-    </p:tnLst>
-  </p:timing>
 </p:sld>
 </file>
 
@@ -7236,13 +7124,6 @@
   <p:clrMapOvr>
     <a:masterClrMapping/>
   </p:clrMapOvr>
-  <p:timing>
-    <p:tnLst>
-      <p:par>
-        <p:cTn id="1" dur="indefinite" restart="never" nodeType="tmRoot"/>
-      </p:par>
-    </p:tnLst>
-  </p:timing>
 </p:sld>
 </file>
 
@@ -7401,7 +7282,7 @@
             <p:cNvPr id="12" name="图片 11">
               <a:extLst>
                 <a:ext uri="{FF2B5EF4-FFF2-40B4-BE49-F238E27FC236}">
-                  <a16:creationId xmlns="" xmlns:a16="http://schemas.microsoft.com/office/drawing/2014/main" id="{29975CF4-B283-2D44-AA41-090D683B6236}"/>
+                  <a16:creationId xmlns:a16="http://schemas.microsoft.com/office/drawing/2014/main" id="{29975CF4-B283-2D44-AA41-090D683B6236}"/>
                 </a:ext>
               </a:extLst>
             </p:cNvPr>
@@ -7429,7 +7310,7 @@
             <p:cNvPr id="20" name="直线连接符 19">
               <a:extLst>
                 <a:ext uri="{FF2B5EF4-FFF2-40B4-BE49-F238E27FC236}">
-                  <a16:creationId xmlns="" xmlns:a16="http://schemas.microsoft.com/office/drawing/2014/main" id="{2AED5FA1-4A7D-3140-8807-D3B2710EC991}"/>
+                  <a16:creationId xmlns:a16="http://schemas.microsoft.com/office/drawing/2014/main" id="{2AED5FA1-4A7D-3140-8807-D3B2710EC991}"/>
                 </a:ext>
               </a:extLst>
             </p:cNvPr>
@@ -7490,7 +7371,7 @@
             <p:cNvPr id="14" name="图片 13">
               <a:extLst>
                 <a:ext uri="{FF2B5EF4-FFF2-40B4-BE49-F238E27FC236}">
-                  <a16:creationId xmlns="" xmlns:a16="http://schemas.microsoft.com/office/drawing/2014/main" id="{7E73756A-F072-6F49-A235-54F0354F7AAA}"/>
+                  <a16:creationId xmlns:a16="http://schemas.microsoft.com/office/drawing/2014/main" id="{7E73756A-F072-6F49-A235-54F0354F7AAA}"/>
                 </a:ext>
               </a:extLst>
             </p:cNvPr>
@@ -7518,7 +7399,7 @@
             <p:cNvPr id="22" name="直线连接符 21">
               <a:extLst>
                 <a:ext uri="{FF2B5EF4-FFF2-40B4-BE49-F238E27FC236}">
-                  <a16:creationId xmlns="" xmlns:a16="http://schemas.microsoft.com/office/drawing/2014/main" id="{9FA6BA69-534A-F642-8662-515A6A71F07A}"/>
+                  <a16:creationId xmlns:a16="http://schemas.microsoft.com/office/drawing/2014/main" id="{9FA6BA69-534A-F642-8662-515A6A71F07A}"/>
                 </a:ext>
               </a:extLst>
             </p:cNvPr>
@@ -7579,7 +7460,7 @@
             <p:cNvPr id="13" name="图片 12">
               <a:extLst>
                 <a:ext uri="{FF2B5EF4-FFF2-40B4-BE49-F238E27FC236}">
-                  <a16:creationId xmlns="" xmlns:a16="http://schemas.microsoft.com/office/drawing/2014/main" id="{A902BBC6-2332-734C-A940-51D60EF2B5EC}"/>
+                  <a16:creationId xmlns:a16="http://schemas.microsoft.com/office/drawing/2014/main" id="{A902BBC6-2332-734C-A940-51D60EF2B5EC}"/>
                 </a:ext>
               </a:extLst>
             </p:cNvPr>
@@ -7607,7 +7488,7 @@
             <p:cNvPr id="23" name="直线连接符 22">
               <a:extLst>
                 <a:ext uri="{FF2B5EF4-FFF2-40B4-BE49-F238E27FC236}">
-                  <a16:creationId xmlns="" xmlns:a16="http://schemas.microsoft.com/office/drawing/2014/main" id="{D30E059A-9FD0-7542-9BD5-F0D4FDEABBA1}"/>
+                  <a16:creationId xmlns:a16="http://schemas.microsoft.com/office/drawing/2014/main" id="{D30E059A-9FD0-7542-9BD5-F0D4FDEABBA1}"/>
                 </a:ext>
               </a:extLst>
             </p:cNvPr>
@@ -7802,21 +7683,10 @@
                     <a:ea typeface="Times New Roman" charset="0"/>
                     <a:cs typeface="Times New Roman" charset="0"/>
                   </a:rPr>
-                  <a:t> versus error for filter </a:t>
+                  <a:t> versus error for filter L1-C</a:t>
                 </a:r>
                 <a:r>
-                  <a:rPr lang="en-US" altLang="zh-CN" sz="1200" b="1" kern="0" dirty="0" smtClean="0">
-                    <a:solidFill>
-                      <a:srgbClr val="000000"/>
-                    </a:solidFill>
-                    <a:latin typeface="Times New Roman" charset="0"/>
-                    <a:ea typeface="Times New Roman" charset="0"/>
-                    <a:cs typeface="Times New Roman" charset="0"/>
-                  </a:rPr>
-                  <a:t>L1-C</a:t>
-                </a:r>
-                <a:r>
-                  <a:rPr lang="zh-CN" altLang="zh-CN" sz="1200" b="1" dirty="0" smtClean="0">
+                  <a:rPr lang="zh-CN" altLang="zh-CN" sz="1200" b="1" dirty="0">
                     <a:effectLst/>
                     <a:latin typeface="Times New Roman" charset="0"/>
                     <a:ea typeface="Times New Roman" charset="0"/>
@@ -7919,18 +7789,7 @@
                     <a:ea typeface="Times New Roman" charset="0"/>
                     <a:cs typeface="Times New Roman" charset="0"/>
                   </a:rPr>
-                  <a:t> versus error for filter </a:t>
-                </a:r>
-                <a:r>
-                  <a:rPr lang="en-US" altLang="zh-CN" sz="1200" b="1" kern="0" dirty="0" smtClean="0">
-                    <a:solidFill>
-                      <a:srgbClr val="000000"/>
-                    </a:solidFill>
-                    <a:latin typeface="Times New Roman" charset="0"/>
-                    <a:ea typeface="Times New Roman" charset="0"/>
-                    <a:cs typeface="Times New Roman" charset="0"/>
-                  </a:rPr>
-                  <a:t>L2</a:t>
+                  <a:t> versus error for filter L2</a:t>
                 </a:r>
                 <a:endParaRPr lang="zh-CN" altLang="en-US" sz="1200" b="1" dirty="0">
                   <a:latin typeface="Times New Roman" charset="0"/>
@@ -8014,13 +7873,6 @@
   <p:clrMapOvr>
     <a:masterClrMapping/>
   </p:clrMapOvr>
-  <p:timing>
-    <p:tnLst>
-      <p:par>
-        <p:cTn id="1" dur="indefinite" restart="never" nodeType="tmRoot"/>
-      </p:par>
-    </p:tnLst>
-  </p:timing>
 </p:sld>
 </file>
 
@@ -8140,17 +7992,6 @@
           <a:p>
             <a:pPr algn="ctr"/>
             <a:r>
-              <a:rPr lang="en-US" altLang="zh-CN" sz="4000" b="1" dirty="0" smtClean="0">
-                <a:solidFill>
-                  <a:schemeClr val="bg1"/>
-                </a:solidFill>
-                <a:latin typeface="Times New Roman" charset="0"/>
-                <a:ea typeface="Times New Roman" charset="0"/>
-                <a:cs typeface="Times New Roman" charset="0"/>
-              </a:rPr>
-              <a:t>4. Trend </a:t>
-            </a:r>
-            <a:r>
               <a:rPr lang="en-US" altLang="zh-CN" sz="4000" b="1" dirty="0">
                 <a:solidFill>
                   <a:schemeClr val="bg1"/>
@@ -8159,27 +8000,8 @@
                 <a:ea typeface="Times New Roman" charset="0"/>
                 <a:cs typeface="Times New Roman" charset="0"/>
               </a:rPr>
-              <a:t>Detection and  </a:t>
+              <a:t>4. Trend Detection and  Distribution</a:t>
             </a:r>
-            <a:r>
-              <a:rPr lang="en-US" altLang="zh-CN" sz="4000" b="1" dirty="0" smtClean="0">
-                <a:solidFill>
-                  <a:schemeClr val="bg1"/>
-                </a:solidFill>
-                <a:latin typeface="Times New Roman" charset="0"/>
-                <a:ea typeface="Times New Roman" charset="0"/>
-                <a:cs typeface="Times New Roman" charset="0"/>
-              </a:rPr>
-              <a:t>Distribution</a:t>
-            </a:r>
-            <a:endParaRPr lang="en-US" altLang="zh-CN" sz="4000" b="1" dirty="0">
-              <a:solidFill>
-                <a:schemeClr val="bg1"/>
-              </a:solidFill>
-              <a:latin typeface="Times New Roman" charset="0"/>
-              <a:ea typeface="Times New Roman" charset="0"/>
-              <a:cs typeface="Times New Roman" charset="0"/>
-            </a:endParaRPr>
           </a:p>
         </p:txBody>
       </p:sp>
@@ -8219,20 +8041,12 @@
             <a:lstStyle/>
             <a:p>
               <a:r>
-                <a:rPr lang="en-US" altLang="zh-CN" sz="1400" b="1" dirty="0" smtClean="0">
-                  <a:latin typeface="Ebrima" panose="02000000000000000000" pitchFamily="2" charset="0"/>
-                  <a:ea typeface="Ebrima" panose="02000000000000000000" pitchFamily="2" charset="0"/>
-                  <a:cs typeface="Ebrima" panose="02000000000000000000" pitchFamily="2" charset="0"/>
-                </a:rPr>
-                <a:t>Quantitative Methods in Finance</a:t>
-              </a:r>
-              <a:r>
                 <a:rPr lang="en-US" altLang="zh-CN" sz="1400" b="1" dirty="0">
                   <a:latin typeface="Ebrima" panose="02000000000000000000" pitchFamily="2" charset="0"/>
                   <a:ea typeface="Ebrima" panose="02000000000000000000" pitchFamily="2" charset="0"/>
                   <a:cs typeface="Ebrima" panose="02000000000000000000" pitchFamily="2" charset="0"/>
                 </a:rPr>
-                <a:t> </a:t>
+                <a:t>Quantitative Methods in Finance </a:t>
               </a:r>
               <a:endParaRPr lang="zh-CN" altLang="en-US" sz="1400" b="1" dirty="0">
                 <a:latin typeface="Ebrima" panose="02000000000000000000" pitchFamily="2" charset="0"/>
@@ -8320,7 +8134,7 @@
           <a:p>
             <a:pPr algn="ctr"/>
             <a:r>
-              <a:rPr lang="en-US" altLang="zh-CN" b="1" dirty="0" smtClean="0">
+              <a:rPr lang="en-US" altLang="zh-CN" b="1" dirty="0">
                 <a:solidFill>
                   <a:schemeClr val="tx1"/>
                 </a:solidFill>
@@ -8400,7 +8214,7 @@
             <a:p>
               <a:pPr algn="ctr"/>
               <a:r>
-                <a:rPr lang="en-US" altLang="zh-CN" b="1" dirty="0" smtClean="0">
+                <a:rPr lang="en-US" altLang="zh-CN" b="1" dirty="0">
                   <a:solidFill>
                     <a:schemeClr val="tx1"/>
                   </a:solidFill>
@@ -8466,7 +8280,7 @@
             <a:p>
               <a:pPr algn="ctr"/>
               <a:r>
-                <a:rPr lang="en-US" altLang="zh-CN" b="1" dirty="0" smtClean="0">
+                <a:rPr lang="en-US" altLang="zh-CN" b="1" dirty="0">
                   <a:solidFill>
                     <a:schemeClr val="tx1"/>
                   </a:solidFill>
@@ -8498,13 +8312,6 @@
   <p:clrMapOvr>
     <a:masterClrMapping/>
   </p:clrMapOvr>
-  <p:timing>
-    <p:tnLst>
-      <p:par>
-        <p:cTn id="1" dur="indefinite" restart="never" nodeType="tmRoot"/>
-      </p:par>
-    </p:tnLst>
-  </p:timing>
 </p:sld>
 </file>
 
@@ -8567,15 +8374,7 @@
                   <a:ea typeface="Times New Roman" charset="0"/>
                   <a:cs typeface="Times New Roman" charset="0"/>
                 </a:rPr>
-                <a:t>Trend </a:t>
-              </a:r>
-              <a:r>
-                <a:rPr lang="en-US" altLang="zh-CN" sz="2400" b="1" dirty="0" smtClean="0">
-                  <a:latin typeface="Times New Roman" charset="0"/>
-                  <a:ea typeface="Times New Roman" charset="0"/>
-                  <a:cs typeface="Times New Roman" charset="0"/>
-                </a:rPr>
-                <a:t>Detection</a:t>
+                <a:t>Trend Detection</a:t>
               </a:r>
               <a:endParaRPr lang="zh-CN" altLang="zh-CN" sz="2400" b="1" dirty="0">
                 <a:latin typeface="Times New Roman" charset="0"/>
@@ -8664,7 +8463,7 @@
               <p:cNvPr id="6" name="矩形 5">
                 <a:extLst>
                   <a:ext uri="{FF2B5EF4-FFF2-40B4-BE49-F238E27FC236}">
-                    <a16:creationId xmlns="" xmlns:a16="http://schemas.microsoft.com/office/drawing/2014/main" id="{FD1E9AEA-C926-DF41-9816-50D154001841}"/>
+                    <a16:creationId xmlns:a16="http://schemas.microsoft.com/office/drawing/2014/main" id="{FD1E9AEA-C926-DF41-9816-50D154001841}"/>
                   </a:ext>
                 </a:extLst>
               </p:cNvPr>
@@ -8697,7 +8496,7 @@
                         <m:sSubSupPr>
                           <m:ctrlPr>
                             <a:rPr lang="zh-CN" altLang="en-US" i="1">
-                              <a:latin typeface="Cambria Math" charset="0"/>
+                              <a:latin typeface="Cambria Math" panose="02040503050406030204" pitchFamily="18" charset="0"/>
                             </a:rPr>
                           </m:ctrlPr>
                         </m:sSubSupPr>
@@ -8722,7 +8521,7 @@
                             <m:dPr>
                               <m:ctrlPr>
                                 <a:rPr lang="zh-CN" altLang="en-US" i="1">
-                                  <a:latin typeface="Cambria Math" charset="0"/>
+                                  <a:latin typeface="Cambria Math" panose="02040503050406030204" pitchFamily="18" charset="0"/>
                                 </a:rPr>
                               </m:ctrlPr>
                             </m:dPr>
@@ -8749,7 +8548,7 @@
                           <m:limLoc m:val="undOvr"/>
                           <m:ctrlPr>
                             <a:rPr lang="zh-CN" altLang="en-US" i="1">
-                              <a:latin typeface="Cambria Math" charset="0"/>
+                              <a:latin typeface="Cambria Math" panose="02040503050406030204" pitchFamily="18" charset="0"/>
                             </a:rPr>
                           </m:ctrlPr>
                         </m:naryPr>
@@ -8788,7 +8587,7 @@
                               <m:limLoc m:val="undOvr"/>
                               <m:ctrlPr>
                                 <a:rPr lang="zh-CN" altLang="en-US" i="1">
-                                  <a:latin typeface="Cambria Math" charset="0"/>
+                                  <a:latin typeface="Cambria Math" panose="02040503050406030204" pitchFamily="18" charset="0"/>
                                 </a:rPr>
                               </m:ctrlPr>
                             </m:naryPr>
@@ -8838,7 +8637,7 @@
                                   <m:begChr m:val=""/>
                                   <m:ctrlPr>
                                     <a:rPr lang="zh-CN" altLang="en-US" i="1">
-                                      <a:latin typeface="Cambria Math" charset="0"/>
+                                      <a:latin typeface="Cambria Math" panose="02040503050406030204" pitchFamily="18" charset="0"/>
                                     </a:rPr>
                                   </m:ctrlPr>
                                 </m:dPr>
@@ -8859,7 +8658,7 @@
                                     <m:sSubPr>
                                       <m:ctrlPr>
                                         <a:rPr lang="zh-CN" altLang="en-US" i="1">
-                                          <a:latin typeface="Cambria Math" charset="0"/>
+                                          <a:latin typeface="Cambria Math" panose="02040503050406030204" pitchFamily="18" charset="0"/>
                                         </a:rPr>
                                       </m:ctrlPr>
                                     </m:sSubPr>
@@ -8902,7 +8701,7 @@
                                     <m:sSubPr>
                                       <m:ctrlPr>
                                         <a:rPr lang="zh-CN" altLang="en-US" i="1">
-                                          <a:latin typeface="Cambria Math" charset="0"/>
+                                          <a:latin typeface="Cambria Math" panose="02040503050406030204" pitchFamily="18" charset="0"/>
                                         </a:rPr>
                                       </m:ctrlPr>
                                     </m:sSubPr>
@@ -9001,7 +8800,7 @@
               <p:cNvPr id="12" name="矩形 11">
                 <a:extLst>
                   <a:ext uri="{FF2B5EF4-FFF2-40B4-BE49-F238E27FC236}">
-                    <a16:creationId xmlns="" xmlns:a16="http://schemas.microsoft.com/office/drawing/2014/main" id="{0AED6C2C-41B6-FF4D-8C94-10990F1B8468}"/>
+                    <a16:creationId xmlns:a16="http://schemas.microsoft.com/office/drawing/2014/main" id="{0AED6C2C-41B6-FF4D-8C94-10990F1B8468}"/>
                   </a:ext>
                 </a:extLst>
               </p:cNvPr>
@@ -9038,7 +8837,7 @@
                   </a:tabLst>
                 </a:pPr>
                 <a:r>
-                  <a:rPr lang="en-US" altLang="zh-CN" kern="100" dirty="0" smtClean="0">
+                  <a:rPr lang="en-US" altLang="zh-CN" kern="100" dirty="0">
                     <a:latin typeface="Times New Roman" panose="02020603050405020304" pitchFamily="18" charset="0"/>
                     <a:cs typeface="Times New Roman" panose="02020603050405020304" pitchFamily="18" charset="0"/>
                   </a:rPr>
@@ -9057,7 +8856,7 @@
                       <m:dPr>
                         <m:ctrlPr>
                           <a:rPr lang="zh-CN" altLang="zh-CN" i="1" kern="100">
-                            <a:latin typeface="Cambria Math" charset="0"/>
+                            <a:latin typeface="Cambria Math" panose="02040503050406030204" pitchFamily="18" charset="0"/>
                             <a:ea typeface="Cambria Math" panose="02040503050406030204" pitchFamily="18" charset="0"/>
                             <a:cs typeface="Times New Roman" panose="02020603050405020304" pitchFamily="18" charset="0"/>
                           </a:rPr>
@@ -9068,7 +8867,7 @@
                           <m:sSubPr>
                             <m:ctrlPr>
                               <a:rPr lang="zh-CN" altLang="zh-CN" i="1" kern="100">
-                                <a:latin typeface="Cambria Math" charset="0"/>
+                                <a:latin typeface="Cambria Math" panose="02040503050406030204" pitchFamily="18" charset="0"/>
                                 <a:ea typeface="Cambria Math" panose="02040503050406030204" pitchFamily="18" charset="0"/>
                                 <a:cs typeface="Times New Roman" panose="02020603050405020304" pitchFamily="18" charset="0"/>
                               </a:rPr>
@@ -9118,7 +8917,7 @@
                           <m:sSubPr>
                             <m:ctrlPr>
                               <a:rPr lang="zh-CN" altLang="zh-CN" i="1" kern="100">
-                                <a:latin typeface="Cambria Math" charset="0"/>
+                                <a:latin typeface="Cambria Math" panose="02040503050406030204" pitchFamily="18" charset="0"/>
                                 <a:ea typeface="Cambria Math" panose="02040503050406030204" pitchFamily="18" charset="0"/>
                                 <a:cs typeface="Times New Roman" panose="02020603050405020304" pitchFamily="18" charset="0"/>
                               </a:rPr>
@@ -9181,7 +8980,7 @@
                       <m:sSubPr>
                         <m:ctrlPr>
                           <a:rPr lang="zh-CN" altLang="zh-CN" i="1" kern="100">
-                            <a:latin typeface="Cambria Math" charset="0"/>
+                            <a:latin typeface="Cambria Math" panose="02040503050406030204" pitchFamily="18" charset="0"/>
                             <a:ea typeface="Cambria Math" panose="02040503050406030204" pitchFamily="18" charset="0"/>
                             <a:cs typeface="Times New Roman" panose="02020603050405020304" pitchFamily="18" charset="0"/>
                           </a:rPr>
@@ -9231,7 +9030,7 @@
                       <m:sSubPr>
                         <m:ctrlPr>
                           <a:rPr lang="zh-CN" altLang="zh-CN" i="1" kern="100">
-                            <a:latin typeface="Cambria Math" charset="0"/>
+                            <a:latin typeface="Cambria Math" panose="02040503050406030204" pitchFamily="18" charset="0"/>
                             <a:ea typeface="Cambria Math" panose="02040503050406030204" pitchFamily="18" charset="0"/>
                             <a:cs typeface="Times New Roman" panose="02020603050405020304" pitchFamily="18" charset="0"/>
                           </a:rPr>
@@ -9277,21 +9076,7 @@
                     <a:latin typeface="Times New Roman" panose="02020603050405020304" pitchFamily="18" charset="0"/>
                     <a:cs typeface="Times New Roman" panose="02020603050405020304" pitchFamily="18" charset="0"/>
                   </a:rPr>
-                  <a:t> </a:t>
-                </a:r>
-                <a:r>
-                  <a:rPr lang="en-US" altLang="zh-CN" kern="100" dirty="0" smtClean="0">
-                    <a:latin typeface="Times New Roman" panose="02020603050405020304" pitchFamily="18" charset="0"/>
-                    <a:cs typeface="Times New Roman" panose="02020603050405020304" pitchFamily="18" charset="0"/>
-                  </a:rPr>
-                  <a:t> </a:t>
-                </a:r>
-                <a:r>
-                  <a:rPr lang="en-US" altLang="zh-CN" kern="100" dirty="0">
-                    <a:latin typeface="Times New Roman" panose="02020603050405020304" pitchFamily="18" charset="0"/>
-                    <a:cs typeface="Times New Roman" panose="02020603050405020304" pitchFamily="18" charset="0"/>
-                  </a:rPr>
-                  <a:t>and</a:t>
+                  <a:t>  and</a:t>
                 </a:r>
                 <a14:m>
                   <m:oMath xmlns:m="http://schemas.openxmlformats.org/officeDocument/2006/math">
@@ -9320,7 +9105,7 @@
                       <m:dPr>
                         <m:ctrlPr>
                           <a:rPr lang="zh-CN" altLang="zh-CN" i="1" kern="100">
-                            <a:latin typeface="Cambria Math" charset="0"/>
+                            <a:latin typeface="Cambria Math" panose="02040503050406030204" pitchFamily="18" charset="0"/>
                             <a:ea typeface="Cambria Math" panose="02040503050406030204" pitchFamily="18" charset="0"/>
                             <a:cs typeface="Times New Roman" panose="02020603050405020304" pitchFamily="18" charset="0"/>
                           </a:rPr>
@@ -9331,7 +9116,7 @@
                           <m:sSubPr>
                             <m:ctrlPr>
                               <a:rPr lang="zh-CN" altLang="zh-CN" i="1" kern="100">
-                                <a:latin typeface="Cambria Math" charset="0"/>
+                                <a:latin typeface="Cambria Math" panose="02040503050406030204" pitchFamily="18" charset="0"/>
                                 <a:ea typeface="Cambria Math" panose="02040503050406030204" pitchFamily="18" charset="0"/>
                                 <a:cs typeface="Times New Roman" panose="02020603050405020304" pitchFamily="18" charset="0"/>
                               </a:rPr>
@@ -9381,7 +9166,7 @@
                           <m:sSubPr>
                             <m:ctrlPr>
                               <a:rPr lang="zh-CN" altLang="zh-CN" i="1" kern="100">
-                                <a:latin typeface="Cambria Math" charset="0"/>
+                                <a:latin typeface="Cambria Math" panose="02040503050406030204" pitchFamily="18" charset="0"/>
                                 <a:ea typeface="Cambria Math" panose="02040503050406030204" pitchFamily="18" charset="0"/>
                                 <a:cs typeface="Times New Roman" panose="02020603050405020304" pitchFamily="18" charset="0"/>
                               </a:rPr>
@@ -9432,18 +9217,11 @@
                   </m:oMath>
                 </a14:m>
                 <a:r>
-                  <a:rPr lang="en-US" altLang="zh-CN" kern="100" dirty="0" smtClean="0">
-                    <a:latin typeface="Times New Roman" panose="02020603050405020304" pitchFamily="18" charset="0"/>
-                    <a:cs typeface="Times New Roman" panose="02020603050405020304" pitchFamily="18" charset="0"/>
-                  </a:rPr>
-                  <a:t> </a:t>
-                </a:r>
-                <a:r>
                   <a:rPr lang="en-US" altLang="zh-CN" kern="100" dirty="0">
                     <a:latin typeface="Times New Roman" panose="02020603050405020304" pitchFamily="18" charset="0"/>
                     <a:cs typeface="Times New Roman" panose="02020603050405020304" pitchFamily="18" charset="0"/>
                   </a:rPr>
-                  <a:t>if </a:t>
+                  <a:t> if </a:t>
                 </a:r>
                 <a14:m>
                   <m:oMath xmlns:m="http://schemas.openxmlformats.org/officeDocument/2006/math">
@@ -9451,7 +9229,7 @@
                       <m:sSubPr>
                         <m:ctrlPr>
                           <a:rPr lang="zh-CN" altLang="zh-CN" i="1" kern="100">
-                            <a:latin typeface="Cambria Math" charset="0"/>
+                            <a:latin typeface="Cambria Math" panose="02040503050406030204" pitchFamily="18" charset="0"/>
                             <a:ea typeface="Cambria Math" panose="02040503050406030204" pitchFamily="18" charset="0"/>
                             <a:cs typeface="Times New Roman" panose="02020603050405020304" pitchFamily="18" charset="0"/>
                           </a:rPr>
@@ -9501,7 +9279,7 @@
                       <m:sSubPr>
                         <m:ctrlPr>
                           <a:rPr lang="zh-CN" altLang="zh-CN" i="1" kern="100">
-                            <a:latin typeface="Cambria Math" charset="0"/>
+                            <a:latin typeface="Cambria Math" panose="02040503050406030204" pitchFamily="18" charset="0"/>
                             <a:ea typeface="Cambria Math" panose="02040503050406030204" pitchFamily="18" charset="0"/>
                             <a:cs typeface="Times New Roman" panose="02020603050405020304" pitchFamily="18" charset="0"/>
                           </a:rPr>
@@ -9607,7 +9385,7 @@
           <p:cNvPr id="15" name="矩形 14">
             <a:extLst>
               <a:ext uri="{FF2B5EF4-FFF2-40B4-BE49-F238E27FC236}">
-                <a16:creationId xmlns="" xmlns:a16="http://schemas.microsoft.com/office/drawing/2014/main" id="{F0E00C0A-3F94-824A-8CD8-FF61285E5DC8}"/>
+                <a16:creationId xmlns:a16="http://schemas.microsoft.com/office/drawing/2014/main" id="{F0E00C0A-3F94-824A-8CD8-FF61285E5DC8}"/>
               </a:ext>
             </a:extLst>
           </p:cNvPr>
@@ -9664,7 +9442,7 @@
               <p:cNvPr id="16" name="矩形 15">
                 <a:extLst>
                   <a:ext uri="{FF2B5EF4-FFF2-40B4-BE49-F238E27FC236}">
-                    <a16:creationId xmlns="" xmlns:a16="http://schemas.microsoft.com/office/drawing/2014/main" id="{82D6D0A2-3779-8846-94D7-E9F3247575D9}"/>
+                    <a16:creationId xmlns:a16="http://schemas.microsoft.com/office/drawing/2014/main" id="{82D6D0A2-3779-8846-94D7-E9F3247575D9}"/>
                   </a:ext>
                 </a:extLst>
               </p:cNvPr>
@@ -9697,7 +9475,7 @@
                         <m:sSubSupPr>
                           <m:ctrlPr>
                             <a:rPr lang="zh-CN" altLang="en-US" i="1" smtClean="0">
-                              <a:latin typeface="Cambria Math" charset="0"/>
+                              <a:latin typeface="Cambria Math" panose="02040503050406030204" pitchFamily="18" charset="0"/>
                             </a:rPr>
                           </m:ctrlPr>
                         </m:sSubSupPr>
@@ -9712,7 +9490,7 @@
                             <m:fPr>
                               <m:ctrlPr>
                                 <a:rPr lang="zh-CN" altLang="en-US" i="1">
-                                  <a:latin typeface="Cambria Math" charset="0"/>
+                                  <a:latin typeface="Cambria Math" panose="02040503050406030204" pitchFamily="18" charset="0"/>
                                 </a:rPr>
                               </m:ctrlPr>
                             </m:fPr>
@@ -9722,7 +9500,7 @@
                                   <m:begChr m:val=""/>
                                   <m:ctrlPr>
                                     <a:rPr lang="zh-CN" altLang="en-US" i="1">
-                                      <a:latin typeface="Cambria Math" charset="0"/>
+                                      <a:latin typeface="Cambria Math" panose="02040503050406030204" pitchFamily="18" charset="0"/>
                                     </a:rPr>
                                   </m:ctrlPr>
                                 </m:dPr>
@@ -9795,7 +9573,7 @@
                             <m:dPr>
                               <m:ctrlPr>
                                 <a:rPr lang="zh-CN" altLang="en-US" i="1">
-                                  <a:latin typeface="Cambria Math" charset="0"/>
+                                  <a:latin typeface="Cambria Math" panose="02040503050406030204" pitchFamily="18" charset="0"/>
                                 </a:rPr>
                               </m:ctrlPr>
                             </m:dPr>
@@ -9820,7 +9598,7 @@
                         <m:fPr>
                           <m:ctrlPr>
                             <a:rPr lang="zh-CN" altLang="en-US" i="1">
-                              <a:latin typeface="Cambria Math" charset="0"/>
+                              <a:latin typeface="Cambria Math" panose="02040503050406030204" pitchFamily="18" charset="0"/>
                             </a:rPr>
                           </m:ctrlPr>
                         </m:fPr>
@@ -9830,7 +9608,7 @@
                               <m:begChr m:val=""/>
                               <m:ctrlPr>
                                 <a:rPr lang="zh-CN" altLang="en-US" i="1">
-                                  <a:latin typeface="Cambria Math" charset="0"/>
+                                  <a:latin typeface="Cambria Math" panose="02040503050406030204" pitchFamily="18" charset="0"/>
                                 </a:rPr>
                               </m:ctrlPr>
                             </m:dPr>
@@ -9935,7 +9713,7 @@
           <p:cNvPr id="17" name="矩形 16">
             <a:extLst>
               <a:ext uri="{FF2B5EF4-FFF2-40B4-BE49-F238E27FC236}">
-                <a16:creationId xmlns="" xmlns:a16="http://schemas.microsoft.com/office/drawing/2014/main" id="{4D1E9380-A355-C646-A993-42887C8561C0}"/>
+                <a16:creationId xmlns:a16="http://schemas.microsoft.com/office/drawing/2014/main" id="{4D1E9380-A355-C646-A993-42887C8561C0}"/>
               </a:ext>
             </a:extLst>
           </p:cNvPr>
@@ -9992,7 +9770,7 @@
               <p:cNvPr id="18" name="矩形 17">
                 <a:extLst>
                   <a:ext uri="{FF2B5EF4-FFF2-40B4-BE49-F238E27FC236}">
-                    <a16:creationId xmlns="" xmlns:a16="http://schemas.microsoft.com/office/drawing/2014/main" id="{20689645-0F27-E74C-B7D5-3886F05D79FB}"/>
+                    <a16:creationId xmlns:a16="http://schemas.microsoft.com/office/drawing/2014/main" id="{20689645-0F27-E74C-B7D5-3886F05D79FB}"/>
                   </a:ext>
                 </a:extLst>
               </p:cNvPr>
@@ -10028,7 +9806,7 @@
                               <a:solidFill>
                                 <a:srgbClr val="0070C0"/>
                               </a:solidFill>
-                              <a:latin typeface="Cambria Math" charset="0"/>
+                              <a:latin typeface="Cambria Math" panose="02040503050406030204" pitchFamily="18" charset="0"/>
                             </a:rPr>
                           </m:ctrlPr>
                         </m:sSubSupPr>
@@ -10062,7 +9840,7 @@
                                   <a:solidFill>
                                     <a:srgbClr val="0070C0"/>
                                   </a:solidFill>
-                                  <a:latin typeface="Cambria Math" charset="0"/>
+                                  <a:latin typeface="Cambria Math" panose="02040503050406030204" pitchFamily="18" charset="0"/>
                                 </a:rPr>
                               </m:ctrlPr>
                             </m:dPr>
@@ -10096,7 +9874,7 @@
                               <a:solidFill>
                                 <a:srgbClr val="0070C0"/>
                               </a:solidFill>
-                              <a:latin typeface="Cambria Math" charset="0"/>
+                              <a:latin typeface="Cambria Math" panose="02040503050406030204" pitchFamily="18" charset="0"/>
                             </a:rPr>
                           </m:ctrlPr>
                         </m:fPr>
@@ -10108,7 +9886,7 @@
                                   <a:solidFill>
                                     <a:srgbClr val="0070C0"/>
                                   </a:solidFill>
-                                  <a:latin typeface="Cambria Math" charset="0"/>
+                                  <a:latin typeface="Cambria Math" panose="02040503050406030204" pitchFamily="18" charset="0"/>
                                 </a:rPr>
                               </m:ctrlPr>
                             </m:sSubSupPr>
@@ -10151,7 +9929,7 @@
                                       <a:solidFill>
                                         <a:srgbClr val="0070C0"/>
                                       </a:solidFill>
-                                      <a:latin typeface="Cambria Math" charset="0"/>
+                                      <a:latin typeface="Cambria Math" panose="02040503050406030204" pitchFamily="18" charset="0"/>
                                     </a:rPr>
                                   </m:ctrlPr>
                                 </m:dPr>
@@ -10179,7 +9957,7 @@
                                   <a:solidFill>
                                     <a:srgbClr val="0070C0"/>
                                   </a:solidFill>
-                                  <a:latin typeface="Cambria Math" charset="0"/>
+                                  <a:latin typeface="Cambria Math" panose="02040503050406030204" pitchFamily="18" charset="0"/>
                                 </a:rPr>
                               </m:ctrlPr>
                             </m:dPr>
@@ -10297,7 +10075,7 @@
               <p:cNvPr id="20" name="矩形 19">
                 <a:extLst>
                   <a:ext uri="{FF2B5EF4-FFF2-40B4-BE49-F238E27FC236}">
-                    <a16:creationId xmlns="" xmlns:a16="http://schemas.microsoft.com/office/drawing/2014/main" id="{B1E4CDF5-DFA4-2D44-8967-02472086447B}"/>
+                    <a16:creationId xmlns:a16="http://schemas.microsoft.com/office/drawing/2014/main" id="{B1E4CDF5-DFA4-2D44-8967-02472086447B}"/>
                   </a:ext>
                 </a:extLst>
               </p:cNvPr>
@@ -10333,7 +10111,7 @@
                               <a:solidFill>
                                 <a:srgbClr val="0070C0"/>
                               </a:solidFill>
-                              <a:latin typeface="Cambria Math" charset="0"/>
+                              <a:latin typeface="Cambria Math" panose="02040503050406030204" pitchFamily="18" charset="0"/>
                             </a:rPr>
                           </m:ctrlPr>
                         </m:sSubSupPr>
@@ -10367,7 +10145,7 @@
                                   <a:solidFill>
                                     <a:srgbClr val="0070C0"/>
                                   </a:solidFill>
-                                  <a:latin typeface="Cambria Math" charset="0"/>
+                                  <a:latin typeface="Cambria Math" panose="02040503050406030204" pitchFamily="18" charset="0"/>
                                 </a:rPr>
                               </m:ctrlPr>
                             </m:dPr>
@@ -10401,7 +10179,7 @@
                               <a:solidFill>
                                 <a:srgbClr val="0070C0"/>
                               </a:solidFill>
-                              <a:latin typeface="Cambria Math" charset="0"/>
+                              <a:latin typeface="Cambria Math" panose="02040503050406030204" pitchFamily="18" charset="0"/>
                             </a:rPr>
                           </m:ctrlPr>
                         </m:fPr>
@@ -10413,7 +10191,7 @@
                                   <a:solidFill>
                                     <a:srgbClr val="0070C0"/>
                                   </a:solidFill>
-                                  <a:latin typeface="Cambria Math" charset="0"/>
+                                  <a:latin typeface="Cambria Math" panose="02040503050406030204" pitchFamily="18" charset="0"/>
                                 </a:rPr>
                               </m:ctrlPr>
                             </m:sSubSupPr>
@@ -10447,7 +10225,7 @@
                                       <a:solidFill>
                                         <a:srgbClr val="0070C0"/>
                                       </a:solidFill>
-                                      <a:latin typeface="Cambria Math" charset="0"/>
+                                      <a:latin typeface="Cambria Math" panose="02040503050406030204" pitchFamily="18" charset="0"/>
                                     </a:rPr>
                                   </m:ctrlPr>
                                 </m:dPr>
@@ -10475,7 +10253,7 @@
                                   <a:solidFill>
                                     <a:srgbClr val="0070C0"/>
                                   </a:solidFill>
-                                  <a:latin typeface="Cambria Math" charset="0"/>
+                                  <a:latin typeface="Cambria Math" panose="02040503050406030204" pitchFamily="18" charset="0"/>
                                 </a:rPr>
                               </m:ctrlPr>
                             </m:radPr>
@@ -10497,7 +10275,7 @@
                                       <a:solidFill>
                                         <a:srgbClr val="0070C0"/>
                                       </a:solidFill>
-                                      <a:latin typeface="Cambria Math" charset="0"/>
+                                      <a:latin typeface="Cambria Math" panose="02040503050406030204" pitchFamily="18" charset="0"/>
                                     </a:rPr>
                                   </m:ctrlPr>
                                 </m:dPr>
@@ -10509,7 +10287,7 @@
                                           <a:solidFill>
                                             <a:srgbClr val="0070C0"/>
                                           </a:solidFill>
-                                          <a:latin typeface="Cambria Math" charset="0"/>
+                                          <a:latin typeface="Cambria Math" panose="02040503050406030204" pitchFamily="18" charset="0"/>
                                         </a:rPr>
                                       </m:ctrlPr>
                                     </m:sSubSupPr>
@@ -10543,7 +10321,7 @@
                                               <a:solidFill>
                                                 <a:srgbClr val="0070C0"/>
                                               </a:solidFill>
-                                              <a:latin typeface="Cambria Math" charset="0"/>
+                                              <a:latin typeface="Cambria Math" panose="02040503050406030204" pitchFamily="18" charset="0"/>
                                             </a:rPr>
                                           </m:ctrlPr>
                                         </m:dPr>
@@ -10653,7 +10431,7 @@
                       <m:sSubSupPr>
                         <m:ctrlPr>
                           <a:rPr lang="zh-CN" altLang="en-US" i="1" smtClean="0">
-                            <a:latin typeface="Cambria Math" charset="0"/>
+                            <a:latin typeface="Cambria Math" panose="02040503050406030204" pitchFamily="18" charset="0"/>
                           </a:rPr>
                         </m:ctrlPr>
                       </m:sSubSupPr>
@@ -10678,7 +10456,7 @@
                           <m:dPr>
                             <m:ctrlPr>
                               <a:rPr lang="zh-CN" altLang="en-US" i="1">
-                                <a:latin typeface="Cambria Math" charset="0"/>
+                                <a:latin typeface="Cambria Math" panose="02040503050406030204" pitchFamily="18" charset="0"/>
                               </a:rPr>
                             </m:ctrlPr>
                           </m:dPr>
@@ -10699,7 +10477,7 @@
                         <m:pos m:val="top"/>
                         <m:ctrlPr>
                           <a:rPr lang="zh-CN" altLang="en-US" i="1">
-                            <a:latin typeface="Cambria Math" charset="0"/>
+                            <a:latin typeface="Cambria Math" panose="02040503050406030204" pitchFamily="18" charset="0"/>
                           </a:rPr>
                         </m:ctrlPr>
                       </m:groupChrPr>
@@ -10739,7 +10517,7 @@
                   </m:oMath>
                 </a14:m>
                 <a:r>
-                  <a:rPr lang="en-US" altLang="zh-CN" dirty="0" smtClean="0"/>
+                  <a:rPr lang="en-US" altLang="zh-CN" dirty="0"/>
                   <a:t>)</a:t>
                 </a:r>
                 <a:endParaRPr lang="zh-CN" altLang="en-US" dirty="0"/>
@@ -10796,13 +10574,6 @@
   <p:clrMapOvr>
     <a:masterClrMapping/>
   </p:clrMapOvr>
-  <p:timing>
-    <p:tnLst>
-      <p:par>
-        <p:cTn id="1" dur="indefinite" restart="never" nodeType="tmRoot"/>
-      </p:par>
-    </p:tnLst>
-  </p:timing>
 </p:sld>
 </file>
 
@@ -10828,7 +10599,7 @@
           <p:cNvPr id="12" name="图片 11">
             <a:extLst>
               <a:ext uri="{FF2B5EF4-FFF2-40B4-BE49-F238E27FC236}">
-                <a16:creationId xmlns="" xmlns:a16="http://schemas.microsoft.com/office/drawing/2014/main" id="{4AC25B78-8820-2941-8906-D460037E9502}"/>
+                <a16:creationId xmlns:a16="http://schemas.microsoft.com/office/drawing/2014/main" id="{4AC25B78-8820-2941-8906-D460037E9502}"/>
               </a:ext>
             </a:extLst>
           </p:cNvPr>
@@ -10856,7 +10627,7 @@
           <p:cNvPr id="13" name="图片 12">
             <a:extLst>
               <a:ext uri="{FF2B5EF4-FFF2-40B4-BE49-F238E27FC236}">
-                <a16:creationId xmlns="" xmlns:a16="http://schemas.microsoft.com/office/drawing/2014/main" id="{06182E2C-8487-B741-9E70-889E951842E2}"/>
+                <a16:creationId xmlns:a16="http://schemas.microsoft.com/office/drawing/2014/main" id="{06182E2C-8487-B741-9E70-889E951842E2}"/>
               </a:ext>
             </a:extLst>
           </p:cNvPr>
@@ -10907,15 +10678,7 @@
                 <a:ea typeface="Times New Roman" charset="0"/>
                 <a:cs typeface="Times New Roman" charset="0"/>
               </a:rPr>
-              <a:t>Trend </a:t>
-            </a:r>
-            <a:r>
-              <a:rPr lang="en-US" altLang="zh-CN" sz="2400" b="1" dirty="0" smtClean="0">
-                <a:latin typeface="Times New Roman" charset="0"/>
-                <a:ea typeface="Times New Roman" charset="0"/>
-                <a:cs typeface="Times New Roman" charset="0"/>
-              </a:rPr>
-              <a:t>Detection</a:t>
+              <a:t>Trend Detection</a:t>
             </a:r>
             <a:endParaRPr lang="zh-CN" altLang="zh-CN" sz="2400" b="1" dirty="0">
               <a:latin typeface="Times New Roman" charset="0"/>
@@ -11020,14 +10783,7 @@
                 <a:latin typeface="Times New Roman" charset="0"/>
                 <a:cs typeface="Times New Roman" charset="0"/>
               </a:rPr>
-              <a:t>Detection </a:t>
-            </a:r>
-            <a:r>
-              <a:rPr lang="en-US" altLang="zh-CN" sz="1200" b="1" kern="100" smtClean="0">
-                <a:latin typeface="Times New Roman" charset="0"/>
-                <a:cs typeface="Times New Roman" charset="0"/>
-              </a:rPr>
-              <a:t>(</a:t>
+              <a:t>Detection (</a:t>
             </a:r>
             <a:r>
               <a:rPr lang="en-US" altLang="zh-CN" sz="1200" b="1" kern="100" dirty="0">
@@ -11074,21 +10830,7 @@
                 <a:latin typeface="Times New Roman" charset="0"/>
                 <a:cs typeface="Times New Roman" charset="0"/>
               </a:rPr>
-              <a:t>Trend Detection </a:t>
-            </a:r>
-            <a:r>
-              <a:rPr lang="en-US" altLang="zh-CN" sz="1200" b="1" kern="100" dirty="0" smtClean="0">
-                <a:latin typeface="Times New Roman" charset="0"/>
-                <a:cs typeface="Times New Roman" charset="0"/>
-              </a:rPr>
-              <a:t>(n=10 </a:t>
-            </a:r>
-            <a:r>
-              <a:rPr lang="en-US" altLang="zh-CN" sz="1200" b="1" kern="100" dirty="0">
-                <a:latin typeface="Times New Roman" charset="0"/>
-                <a:cs typeface="Times New Roman" charset="0"/>
-              </a:rPr>
-              <a:t>days)</a:t>
+              <a:t>Trend Detection (n=10 days)</a:t>
             </a:r>
             <a:endParaRPr lang="zh-CN" altLang="zh-CN" sz="1200" kern="100" dirty="0">
               <a:latin typeface="Calibri Light" charset="0"/>
@@ -11135,14 +10877,7 @@
                 <a:latin typeface="Times New Roman" charset="0"/>
                 <a:cs typeface="Times New Roman" charset="0"/>
               </a:rPr>
-              <a:t>Detection </a:t>
-            </a:r>
-            <a:r>
-              <a:rPr lang="en-US" altLang="zh-CN" sz="1200" b="1" kern="100" smtClean="0">
-                <a:latin typeface="Times New Roman" charset="0"/>
-                <a:cs typeface="Times New Roman" charset="0"/>
-              </a:rPr>
-              <a:t>(n=100 </a:t>
+              <a:t>Detection (n=100 </a:t>
             </a:r>
             <a:r>
               <a:rPr lang="en-US" altLang="zh-CN" sz="1200" b="1" kern="100" dirty="0">
@@ -11163,7 +10898,7 @@
           <p:cNvPr id="21" name="表格 20">
             <a:extLst>
               <a:ext uri="{FF2B5EF4-FFF2-40B4-BE49-F238E27FC236}">
-                <a16:creationId xmlns="" xmlns:a16="http://schemas.microsoft.com/office/drawing/2014/main" id="{AA473C6A-BB91-DF43-924C-AD5FF382599F}"/>
+                <a16:creationId xmlns:a16="http://schemas.microsoft.com/office/drawing/2014/main" id="{AA473C6A-BB91-DF43-924C-AD5FF382599F}"/>
               </a:ext>
             </a:extLst>
           </p:cNvPr>
@@ -11192,28 +10927,28 @@
                 <a:gridCol w="1474451">
                   <a:extLst>
                     <a:ext uri="{9D8B030D-6E8A-4147-A177-3AD203B41FA5}">
-                      <a16:colId xmlns="" xmlns:a16="http://schemas.microsoft.com/office/drawing/2014/main" val="228155633"/>
+                      <a16:colId xmlns:a16="http://schemas.microsoft.com/office/drawing/2014/main" val="228155633"/>
                     </a:ext>
                   </a:extLst>
                 </a:gridCol>
                 <a:gridCol w="791878">
                   <a:extLst>
                     <a:ext uri="{9D8B030D-6E8A-4147-A177-3AD203B41FA5}">
-                      <a16:colId xmlns="" xmlns:a16="http://schemas.microsoft.com/office/drawing/2014/main" val="995863043"/>
+                      <a16:colId xmlns:a16="http://schemas.microsoft.com/office/drawing/2014/main" val="995863043"/>
                     </a:ext>
                   </a:extLst>
                 </a:gridCol>
                 <a:gridCol w="791878">
                   <a:extLst>
                     <a:ext uri="{9D8B030D-6E8A-4147-A177-3AD203B41FA5}">
-                      <a16:colId xmlns="" xmlns:a16="http://schemas.microsoft.com/office/drawing/2014/main" val="3683599112"/>
+                      <a16:colId xmlns:a16="http://schemas.microsoft.com/office/drawing/2014/main" val="3683599112"/>
                     </a:ext>
                   </a:extLst>
                 </a:gridCol>
                 <a:gridCol w="791878">
                   <a:extLst>
                     <a:ext uri="{9D8B030D-6E8A-4147-A177-3AD203B41FA5}">
-                      <a16:colId xmlns="" xmlns:a16="http://schemas.microsoft.com/office/drawing/2014/main" val="3177912531"/>
+                      <a16:colId xmlns:a16="http://schemas.microsoft.com/office/drawing/2014/main" val="3177912531"/>
                     </a:ext>
                   </a:extLst>
                 </a:gridCol>
@@ -11385,7 +11120,7 @@
                 </a:tc>
                 <a:extLst>
                   <a:ext uri="{0D108BD9-81ED-4DB2-BD59-A6C34878D82A}">
-                    <a16:rowId xmlns="" xmlns:a16="http://schemas.microsoft.com/office/drawing/2014/main" val="4087983965"/>
+                    <a16:rowId xmlns:a16="http://schemas.microsoft.com/office/drawing/2014/main" val="4087983965"/>
                   </a:ext>
                 </a:extLst>
               </a:tr>
@@ -11556,7 +11291,7 @@
                 </a:tc>
                 <a:extLst>
                   <a:ext uri="{0D108BD9-81ED-4DB2-BD59-A6C34878D82A}">
-                    <a16:rowId xmlns="" xmlns:a16="http://schemas.microsoft.com/office/drawing/2014/main" val="1094069852"/>
+                    <a16:rowId xmlns:a16="http://schemas.microsoft.com/office/drawing/2014/main" val="1094069852"/>
                   </a:ext>
                 </a:extLst>
               </a:tr>
@@ -11727,7 +11462,7 @@
                 </a:tc>
                 <a:extLst>
                   <a:ext uri="{0D108BD9-81ED-4DB2-BD59-A6C34878D82A}">
-                    <a16:rowId xmlns="" xmlns:a16="http://schemas.microsoft.com/office/drawing/2014/main" val="1375293865"/>
+                    <a16:rowId xmlns:a16="http://schemas.microsoft.com/office/drawing/2014/main" val="1375293865"/>
                   </a:ext>
                 </a:extLst>
               </a:tr>
@@ -11898,7 +11633,7 @@
                 </a:tc>
                 <a:extLst>
                   <a:ext uri="{0D108BD9-81ED-4DB2-BD59-A6C34878D82A}">
-                    <a16:rowId xmlns="" xmlns:a16="http://schemas.microsoft.com/office/drawing/2014/main" val="2001467491"/>
+                    <a16:rowId xmlns:a16="http://schemas.microsoft.com/office/drawing/2014/main" val="2001467491"/>
                   </a:ext>
                 </a:extLst>
               </a:tr>
@@ -11911,7 +11646,7 @@
           <p:cNvPr id="22" name="图片 21">
             <a:extLst>
               <a:ext uri="{FF2B5EF4-FFF2-40B4-BE49-F238E27FC236}">
-                <a16:creationId xmlns="" xmlns:a16="http://schemas.microsoft.com/office/drawing/2014/main" id="{EADD3F2A-3C34-5743-909F-73526F607492}"/>
+                <a16:creationId xmlns:a16="http://schemas.microsoft.com/office/drawing/2014/main" id="{EADD3F2A-3C34-5743-909F-73526F607492}"/>
               </a:ext>
             </a:extLst>
           </p:cNvPr>
@@ -12080,7 +11815,7 @@
             </a:endParaRPr>
           </a:p>
           <a:p>
-            <a:endParaRPr kumimoji="1" lang="zh-CN" altLang="en-US" sz="1200" b="1" dirty="0" smtClean="0">
+            <a:endParaRPr kumimoji="1" lang="zh-CN" altLang="en-US" sz="1200" b="1" dirty="0">
               <a:solidFill>
                 <a:schemeClr val="bg1"/>
               </a:solidFill>
@@ -12101,13 +11836,6 @@
   <p:clrMapOvr>
     <a:masterClrMapping/>
   </p:clrMapOvr>
-  <p:timing>
-    <p:tnLst>
-      <p:par>
-        <p:cTn id="1" dur="indefinite" restart="never" nodeType="tmRoot"/>
-      </p:par>
-    </p:tnLst>
-  </p:timing>
 </p:sld>
 </file>
 
@@ -12165,20 +11893,12 @@
             <a:p>
               <a:pPr lvl="0"/>
               <a:r>
-                <a:rPr lang="en-US" altLang="zh-CN" sz="2400" b="1" dirty="0" smtClean="0">
-                  <a:latin typeface="Times New Roman" charset="0"/>
-                  <a:ea typeface="Times New Roman" charset="0"/>
-                  <a:cs typeface="Times New Roman" charset="0"/>
-                </a:rPr>
-                <a:t>Distribution </a:t>
-              </a:r>
-              <a:r>
                 <a:rPr lang="en-US" altLang="zh-CN" sz="2400" b="1" dirty="0">
                   <a:latin typeface="Times New Roman" charset="0"/>
                   <a:ea typeface="Times New Roman" charset="0"/>
                   <a:cs typeface="Times New Roman" charset="0"/>
                 </a:rPr>
-                <a:t>of Return</a:t>
+                <a:t>Distribution of Return</a:t>
               </a:r>
               <a:endParaRPr lang="zh-CN" altLang="zh-CN" sz="2400" b="1" dirty="0">
                 <a:latin typeface="Times New Roman" charset="0"/>
@@ -12262,7 +11982,7 @@
           <p:cNvPr id="14" name="图片 13">
             <a:extLst>
               <a:ext uri="{FF2B5EF4-FFF2-40B4-BE49-F238E27FC236}">
-                <a16:creationId xmlns="" xmlns:a16="http://schemas.microsoft.com/office/drawing/2014/main" id="{DF76457F-F49F-3F4C-8951-0B1730849C4F}"/>
+                <a16:creationId xmlns:a16="http://schemas.microsoft.com/office/drawing/2014/main" id="{DF76457F-F49F-3F4C-8951-0B1730849C4F}"/>
               </a:ext>
             </a:extLst>
           </p:cNvPr>
@@ -12290,7 +12010,7 @@
           <p:cNvPr id="15" name="图片 14">
             <a:extLst>
               <a:ext uri="{FF2B5EF4-FFF2-40B4-BE49-F238E27FC236}">
-                <a16:creationId xmlns="" xmlns:a16="http://schemas.microsoft.com/office/drawing/2014/main" id="{5A4E91BA-E4DF-904C-A120-BF6535FA0FD1}"/>
+                <a16:creationId xmlns:a16="http://schemas.microsoft.com/office/drawing/2014/main" id="{5A4E91BA-E4DF-904C-A120-BF6535FA0FD1}"/>
               </a:ext>
             </a:extLst>
           </p:cNvPr>
@@ -12323,13 +12043,6 @@
   <p:clrMapOvr>
     <a:masterClrMapping/>
   </p:clrMapOvr>
-  <p:timing>
-    <p:tnLst>
-      <p:par>
-        <p:cTn id="1" dur="indefinite" restart="never" nodeType="tmRoot"/>
-      </p:par>
-    </p:tnLst>
-  </p:timing>
 </p:sld>
 </file>
 
@@ -12389,18 +12102,13 @@
           <a:p>
             <a:pPr algn="ctr"/>
             <a:r>
-              <a:rPr lang="en-US" altLang="zh-CN" sz="1600" b="1" dirty="0" smtClean="0">
+              <a:rPr lang="en-US" altLang="zh-CN" sz="1600" b="1" dirty="0">
                 <a:latin typeface="Times New Roman" charset="0"/>
                 <a:ea typeface="Times New Roman" charset="0"/>
                 <a:cs typeface="Times New Roman" charset="0"/>
               </a:rPr>
               <a:t>Trend Filtering Approaches</a:t>
             </a:r>
-            <a:endParaRPr lang="en-US" altLang="zh-CN" sz="1600" b="1" dirty="0">
-              <a:latin typeface="Times New Roman" charset="0"/>
-              <a:ea typeface="Times New Roman" charset="0"/>
-              <a:cs typeface="Times New Roman" charset="0"/>
-            </a:endParaRPr>
           </a:p>
         </p:txBody>
       </p:sp>
@@ -12434,7 +12142,7 @@
               <a:buChar char="•"/>
             </a:pPr>
             <a:r>
-              <a:rPr lang="en-US" altLang="zh-CN" sz="1300" dirty="0" smtClean="0">
+              <a:rPr lang="en-US" altLang="zh-CN" sz="1300" dirty="0">
                 <a:solidFill>
                   <a:schemeClr val="tx1">
                     <a:lumMod val="75000"/>
@@ -12457,7 +12165,7 @@
               <a:buChar char="•"/>
             </a:pPr>
             <a:r>
-              <a:rPr lang="en-US" altLang="zh-CN" sz="1300" dirty="0" smtClean="0">
+              <a:rPr lang="en-US" altLang="zh-CN" sz="1300" dirty="0">
                 <a:solidFill>
                   <a:schemeClr val="tx1">
                     <a:lumMod val="75000"/>
@@ -12470,17 +12178,6 @@
               </a:rPr>
               <a:t>Computational Aspects :   Scheme and Solution</a:t>
             </a:r>
-            <a:endParaRPr lang="en-US" altLang="zh-CN" sz="1300" dirty="0">
-              <a:solidFill>
-                <a:schemeClr val="tx1">
-                  <a:lumMod val="75000"/>
-                  <a:lumOff val="25000"/>
-                </a:schemeClr>
-              </a:solidFill>
-              <a:latin typeface="Times New Roman" charset="0"/>
-              <a:ea typeface="Times New Roman" charset="0"/>
-              <a:cs typeface="Times New Roman" charset="0"/>
-            </a:endParaRPr>
           </a:p>
         </p:txBody>
       </p:sp>
@@ -12550,18 +12247,13 @@
           <a:p>
             <a:pPr algn="ctr"/>
             <a:r>
-              <a:rPr lang="en-US" altLang="zh-CN" sz="1600" b="1" dirty="0" smtClean="0">
+              <a:rPr lang="en-US" altLang="zh-CN" sz="1600" b="1" dirty="0">
                 <a:latin typeface="Times New Roman" charset="0"/>
                 <a:ea typeface="Times New Roman" charset="0"/>
                 <a:cs typeface="Times New Roman" charset="0"/>
               </a:rPr>
               <a:t>Simulation and Filter Comparation</a:t>
             </a:r>
-            <a:endParaRPr lang="en-US" altLang="zh-CN" sz="1600" b="1" dirty="0">
-              <a:latin typeface="Times New Roman" charset="0"/>
-              <a:ea typeface="Times New Roman" charset="0"/>
-              <a:cs typeface="Times New Roman" charset="0"/>
-            </a:endParaRPr>
           </a:p>
         </p:txBody>
       </p:sp>
@@ -12595,7 +12287,7 @@
               <a:buChar char="•"/>
             </a:pPr>
             <a:r>
-              <a:rPr lang="en-US" altLang="zh-CN" sz="1300" dirty="0" smtClean="0">
+              <a:rPr lang="en-US" altLang="zh-CN" sz="1300" dirty="0">
                 <a:solidFill>
                   <a:schemeClr val="tx1">
                     <a:lumMod val="75000"/>
@@ -12618,7 +12310,7 @@
               <a:buChar char="•"/>
             </a:pPr>
             <a:r>
-              <a:rPr lang="en-US" altLang="zh-CN" sz="1300" dirty="0" smtClean="0">
+              <a:rPr lang="en-US" altLang="zh-CN" sz="1300" dirty="0">
                 <a:solidFill>
                   <a:schemeClr val="tx1">
                     <a:lumMod val="75000"/>
@@ -12631,17 +12323,6 @@
               </a:rPr>
               <a:t>Trend of  Simulated Data Using 4 Filters</a:t>
             </a:r>
-            <a:endParaRPr lang="en-US" altLang="zh-CN" sz="1300" dirty="0">
-              <a:solidFill>
-                <a:schemeClr val="tx1">
-                  <a:lumMod val="75000"/>
-                  <a:lumOff val="25000"/>
-                </a:schemeClr>
-              </a:solidFill>
-              <a:latin typeface="Times New Roman" charset="0"/>
-              <a:ea typeface="Times New Roman" charset="0"/>
-              <a:cs typeface="Times New Roman" charset="0"/>
-            </a:endParaRPr>
           </a:p>
         </p:txBody>
       </p:sp>
@@ -12673,18 +12354,13 @@
           <a:p>
             <a:pPr algn="ctr"/>
             <a:r>
-              <a:rPr lang="en-US" altLang="zh-CN" sz="1600" b="1" dirty="0" smtClean="0">
+              <a:rPr lang="en-US" altLang="zh-CN" sz="1600" b="1" dirty="0">
                 <a:latin typeface="Times New Roman" charset="0"/>
                 <a:ea typeface="Times New Roman" charset="0"/>
                 <a:cs typeface="Times New Roman" charset="0"/>
               </a:rPr>
               <a:t>Cross Validation</a:t>
             </a:r>
-            <a:endParaRPr lang="en-US" altLang="zh-CN" sz="1600" b="1" dirty="0">
-              <a:latin typeface="Times New Roman" charset="0"/>
-              <a:ea typeface="Times New Roman" charset="0"/>
-              <a:cs typeface="Times New Roman" charset="0"/>
-            </a:endParaRPr>
           </a:p>
         </p:txBody>
       </p:sp>
@@ -12720,7 +12396,7 @@
                   <a:buChar char="•"/>
                 </a:pPr>
                 <a:r>
-                  <a:rPr lang="en-US" altLang="zh-CN" sz="1300" dirty="0" smtClean="0">
+                  <a:rPr lang="en-US" altLang="zh-CN" sz="1300" dirty="0">
                     <a:solidFill>
                       <a:schemeClr val="tx1">
                         <a:lumMod val="75000"/>
@@ -12751,7 +12427,7 @@
                     </m:r>
                   </m:oMath>
                 </a14:m>
-                <a:endParaRPr lang="en-US" altLang="zh-CN" sz="1300" dirty="0" smtClean="0">
+                <a:endParaRPr lang="en-US" altLang="zh-CN" sz="1300" dirty="0">
                   <a:solidFill>
                     <a:schemeClr val="tx1">
                       <a:lumMod val="75000"/>
@@ -12772,20 +12448,6 @@
                   <a:buChar char="•"/>
                 </a:pPr>
                 <a:r>
-                  <a:rPr lang="en-US" altLang="zh-CN" sz="1300" dirty="0" smtClean="0">
-                    <a:solidFill>
-                      <a:schemeClr val="tx1">
-                        <a:lumMod val="75000"/>
-                        <a:lumOff val="25000"/>
-                      </a:schemeClr>
-                    </a:solidFill>
-                    <a:latin typeface="Times New Roman" charset="0"/>
-                    <a:ea typeface="Times New Roman" charset="0"/>
-                    <a:cs typeface="Times New Roman" charset="0"/>
-                  </a:rPr>
-                  <a:t>Trend filter on S&amp;P 500 with </a:t>
-                </a:r>
-                <a:r>
                   <a:rPr lang="en-US" altLang="zh-CN" sz="1300" dirty="0">
                     <a:solidFill>
                       <a:schemeClr val="tx1">
@@ -12797,7 +12459,7 @@
                     <a:ea typeface="Times New Roman" charset="0"/>
                     <a:cs typeface="Times New Roman" charset="0"/>
                   </a:rPr>
-                  <a:t>Optimal </a:t>
+                  <a:t>Trend filter on S&amp;P 500 with Optimal </a:t>
                 </a:r>
                 <a14:m>
                   <m:oMath xmlns:m="http://schemas.openxmlformats.org/officeDocument/2006/math">
@@ -12899,18 +12561,13 @@
           <a:p>
             <a:pPr algn="ctr"/>
             <a:r>
-              <a:rPr lang="en-US" altLang="zh-CN" sz="1600" b="1" dirty="0" smtClean="0">
+              <a:rPr lang="en-US" altLang="zh-CN" sz="1600" b="1" dirty="0">
                 <a:latin typeface="Times New Roman" charset="0"/>
                 <a:ea typeface="Times New Roman" charset="0"/>
                 <a:cs typeface="Times New Roman" charset="0"/>
               </a:rPr>
               <a:t>Trend Detection and  Distribution</a:t>
             </a:r>
-            <a:endParaRPr lang="en-US" altLang="zh-CN" sz="1600" b="1" dirty="0">
-              <a:latin typeface="Times New Roman" charset="0"/>
-              <a:ea typeface="Times New Roman" charset="0"/>
-              <a:cs typeface="Times New Roman" charset="0"/>
-            </a:endParaRPr>
           </a:p>
         </p:txBody>
       </p:sp>
@@ -12944,7 +12601,7 @@
               <a:buChar char="•"/>
             </a:pPr>
             <a:r>
-              <a:rPr lang="en-US" altLang="zh-CN" sz="1300" dirty="0" smtClean="0">
+              <a:rPr lang="en-US" altLang="zh-CN" sz="1300" dirty="0">
                 <a:solidFill>
                   <a:schemeClr val="tx1">
                     <a:lumMod val="75000"/>
@@ -12967,20 +12624,6 @@
               <a:buChar char="•"/>
             </a:pPr>
             <a:r>
-              <a:rPr lang="en-US" altLang="zh-CN" sz="1300" dirty="0" smtClean="0">
-                <a:solidFill>
-                  <a:schemeClr val="tx1">
-                    <a:lumMod val="75000"/>
-                    <a:lumOff val="25000"/>
-                  </a:schemeClr>
-                </a:solidFill>
-                <a:latin typeface="Times New Roman" charset="0"/>
-                <a:ea typeface="Times New Roman" charset="0"/>
-                <a:cs typeface="Times New Roman" charset="0"/>
-              </a:rPr>
-              <a:t>Distribution </a:t>
-            </a:r>
-            <a:r>
               <a:rPr lang="en-US" altLang="zh-CN" sz="1300" dirty="0">
                 <a:solidFill>
                   <a:schemeClr val="tx1">
@@ -12992,7 +12635,7 @@
                 <a:ea typeface="Times New Roman" charset="0"/>
                 <a:cs typeface="Times New Roman" charset="0"/>
               </a:rPr>
-              <a:t>of the Conditional Standardized Return</a:t>
+              <a:t>Distribution of the Conditional Standardized Return</a:t>
             </a:r>
             <a:r>
               <a:rPr lang="zh-CN" altLang="zh-CN" sz="1300" dirty="0">
@@ -13060,12 +12703,8 @@
           </a:lstStyle>
           <a:p>
             <a:r>
-              <a:rPr lang="en-US" altLang="zh-CN" dirty="0" smtClean="0"/>
-              <a:t>Momentum </a:t>
-            </a:r>
-            <a:r>
               <a:rPr lang="en-US" altLang="zh-CN" dirty="0"/>
-              <a:t>Strategies and Backtest</a:t>
+              <a:t>Momentum Strategies and Backtest</a:t>
             </a:r>
             <a:r>
               <a:rPr lang="zh-CN" altLang="zh-CN" dirty="0"/>
@@ -13105,7 +12744,7 @@
               <a:buChar char="•"/>
             </a:pPr>
             <a:r>
-              <a:rPr lang="en-US" altLang="zh-CN" sz="1300" dirty="0" smtClean="0">
+              <a:rPr lang="en-US" altLang="zh-CN" sz="1300" dirty="0">
                 <a:solidFill>
                   <a:schemeClr val="tx1">
                     <a:lumMod val="75000"/>
@@ -13116,8 +12755,17 @@
                 <a:ea typeface="Times New Roman" charset="0"/>
                 <a:cs typeface="Times New Roman" charset="0"/>
               </a:rPr>
-              <a:t>Backtest Assumptions and </a:t>
+              <a:t>Backtest Assumptions and Procedures on S&amp;P 500 </a:t>
             </a:r>
+          </a:p>
+          <a:p>
+            <a:pPr marL="285750" indent="-285750">
+              <a:lnSpc>
+                <a:spcPct val="150000"/>
+              </a:lnSpc>
+              <a:buFont typeface="Arial" charset="0"/>
+              <a:buChar char="•"/>
+            </a:pPr>
             <a:r>
               <a:rPr lang="en-US" altLang="zh-CN" sz="1300" dirty="0">
                 <a:solidFill>
@@ -13130,55 +12778,7 @@
                 <a:ea typeface="Times New Roman" charset="0"/>
                 <a:cs typeface="Times New Roman" charset="0"/>
               </a:rPr>
-              <a:t>Procedures on S&amp;P 500 </a:t>
-            </a:r>
-            <a:endParaRPr lang="en-US" altLang="zh-CN" sz="1300" dirty="0" smtClean="0">
-              <a:solidFill>
-                <a:schemeClr val="tx1">
-                  <a:lumMod val="75000"/>
-                  <a:lumOff val="25000"/>
-                </a:schemeClr>
-              </a:solidFill>
-              <a:latin typeface="Times New Roman" charset="0"/>
-              <a:ea typeface="Times New Roman" charset="0"/>
-              <a:cs typeface="Times New Roman" charset="0"/>
-            </a:endParaRPr>
-          </a:p>
-          <a:p>
-            <a:pPr marL="285750" indent="-285750">
-              <a:lnSpc>
-                <a:spcPct val="150000"/>
-              </a:lnSpc>
-              <a:buFont typeface="Arial" charset="0"/>
-              <a:buChar char="•"/>
-            </a:pPr>
-            <a:r>
-              <a:rPr lang="en-US" altLang="zh-CN" sz="1300" dirty="0" smtClean="0">
-                <a:solidFill>
-                  <a:schemeClr val="tx1">
-                    <a:lumMod val="75000"/>
-                    <a:lumOff val="25000"/>
-                  </a:schemeClr>
-                </a:solidFill>
-                <a:latin typeface="Times New Roman" charset="0"/>
-                <a:ea typeface="Times New Roman" charset="0"/>
-                <a:cs typeface="Times New Roman" charset="0"/>
-              </a:rPr>
-              <a:t>Momentum Strategy and Results on </a:t>
-            </a:r>
-            <a:r>
-              <a:rPr lang="en-US" altLang="zh-CN" sz="1300" dirty="0">
-                <a:solidFill>
-                  <a:schemeClr val="tx1">
-                    <a:lumMod val="75000"/>
-                    <a:lumOff val="25000"/>
-                  </a:schemeClr>
-                </a:solidFill>
-                <a:latin typeface="Times New Roman" charset="0"/>
-                <a:ea typeface="Times New Roman" charset="0"/>
-                <a:cs typeface="Times New Roman" charset="0"/>
-              </a:rPr>
-              <a:t>S&amp;P 500 </a:t>
+              <a:t>Momentum Strategy and Results on S&amp;P 500 </a:t>
             </a:r>
           </a:p>
         </p:txBody>
@@ -13221,18 +12821,9 @@
           </a:lstStyle>
           <a:p>
             <a:r>
-              <a:rPr lang="en-US" altLang="zh-CN" dirty="0" smtClean="0"/>
-              <a:t>Challenges </a:t>
+              <a:rPr lang="en-US" altLang="zh-CN" dirty="0"/>
+              <a:t>Challenges and Improvements</a:t>
             </a:r>
-            <a:r>
-              <a:rPr lang="en-US" altLang="zh-CN" dirty="0"/>
-              <a:t>and </a:t>
-            </a:r>
-            <a:r>
-              <a:rPr lang="en-US" altLang="zh-CN" dirty="0" smtClean="0"/>
-              <a:t>Improvements</a:t>
-            </a:r>
-            <a:endParaRPr lang="en-US" altLang="zh-CN" dirty="0"/>
           </a:p>
         </p:txBody>
       </p:sp>
@@ -13268,7 +12859,7 @@
                   <a:buChar char="•"/>
                 </a:pPr>
                 <a:r>
-                  <a:rPr lang="en-US" altLang="zh-CN" sz="1300" dirty="0" smtClean="0">
+                  <a:rPr lang="en-US" altLang="zh-CN" sz="1300" dirty="0">
                     <a:solidFill>
                       <a:schemeClr val="tx1">
                         <a:lumMod val="75000"/>
@@ -13291,7 +12882,7 @@
                   <a:buChar char="•"/>
                 </a:pPr>
                 <a:r>
-                  <a:rPr lang="en-US" altLang="zh-CN" sz="1300" dirty="0" smtClean="0">
+                  <a:rPr lang="en-US" altLang="zh-CN" sz="1300" dirty="0">
                     <a:solidFill>
                       <a:schemeClr val="tx1">
                         <a:lumMod val="75000"/>
@@ -13336,7 +12927,7 @@
                   </m:oMath>
                 </a14:m>
                 <a:r>
-                  <a:rPr lang="en-US" altLang="zh-CN" sz="1300" dirty="0" smtClean="0">
+                  <a:rPr lang="en-US" altLang="zh-CN" sz="1300" dirty="0">
                     <a:solidFill>
                       <a:schemeClr val="tx1">
                         <a:lumMod val="75000"/>
@@ -13349,17 +12940,6 @@
                   </a:rPr>
                   <a:t> Interval and Backtest</a:t>
                 </a:r>
-                <a:endParaRPr lang="en-US" altLang="zh-CN" sz="1300" dirty="0">
-                  <a:solidFill>
-                    <a:schemeClr val="tx1">
-                      <a:lumMod val="75000"/>
-                      <a:lumOff val="25000"/>
-                    </a:schemeClr>
-                  </a:solidFill>
-                  <a:latin typeface="Times New Roman" charset="0"/>
-                  <a:ea typeface="Times New Roman" charset="0"/>
-                  <a:cs typeface="Times New Roman" charset="0"/>
-                </a:endParaRPr>
               </a:p>
             </p:txBody>
           </p:sp>
@@ -13448,7 +13028,7 @@
           <a:p>
             <a:pPr algn="ctr"/>
             <a:r>
-              <a:rPr lang="en-US" altLang="zh-CN" b="1" dirty="0" smtClean="0">
+              <a:rPr lang="en-US" altLang="zh-CN" b="1" dirty="0">
                 <a:solidFill>
                   <a:schemeClr val="accent1">
                     <a:lumMod val="50000"/>
@@ -13461,7 +13041,7 @@
               <a:t> </a:t>
             </a:r>
             <a:r>
-              <a:rPr lang="en-US" altLang="zh-CN" sz="3200" b="1" dirty="0" smtClean="0">
+              <a:rPr lang="en-US" altLang="zh-CN" sz="3200" b="1" dirty="0">
                 <a:solidFill>
                   <a:schemeClr val="accent1">
                     <a:lumMod val="50000"/>
@@ -13474,7 +13054,7 @@
               <a:t>Structure </a:t>
             </a:r>
             <a:r>
-              <a:rPr lang="en-US" altLang="zh-CN" sz="3200" b="1" smtClean="0">
+              <a:rPr lang="en-US" altLang="zh-CN" sz="3200" b="1">
                 <a:solidFill>
                   <a:schemeClr val="accent1">
                     <a:lumMod val="50000"/>
@@ -13503,13 +13083,6 @@
   <p:clrMapOvr>
     <a:masterClrMapping/>
   </p:clrMapOvr>
-  <p:timing>
-    <p:tnLst>
-      <p:par>
-        <p:cTn id="1" dur="indefinite" restart="never" nodeType="tmRoot"/>
-      </p:par>
-    </p:tnLst>
-  </p:timing>
 </p:sld>
 </file>
 
@@ -13628,7 +13201,7 @@
           <a:lstStyle/>
           <a:p>
             <a:r>
-              <a:rPr lang="en-US" altLang="zh-CN" sz="4000" b="1" dirty="0" smtClean="0">
+              <a:rPr lang="en-US" altLang="zh-CN" sz="4000" b="1" dirty="0">
                 <a:solidFill>
                   <a:schemeClr val="bg1"/>
                 </a:solidFill>
@@ -13639,7 +13212,7 @@
               <a:t>5</a:t>
             </a:r>
             <a:r>
-              <a:rPr lang="en-US" altLang="zh-CN" sz="4000" b="1" smtClean="0">
+              <a:rPr lang="en-US" altLang="zh-CN" sz="4000" b="1">
                 <a:solidFill>
                   <a:schemeClr val="bg1"/>
                 </a:solidFill>
@@ -13650,17 +13223,6 @@
               <a:t>. </a:t>
             </a:r>
             <a:r>
-              <a:rPr lang="en-US" altLang="zh-CN" sz="4000" b="1" dirty="0" smtClean="0">
-                <a:solidFill>
-                  <a:schemeClr val="bg1"/>
-                </a:solidFill>
-                <a:latin typeface="Times New Roman" charset="0"/>
-                <a:ea typeface="Times New Roman" charset="0"/>
-                <a:cs typeface="Times New Roman" charset="0"/>
-              </a:rPr>
-              <a:t>Momentum </a:t>
-            </a:r>
-            <a:r>
               <a:rPr lang="en-US" altLang="zh-CN" sz="4000" b="1" dirty="0">
                 <a:solidFill>
                   <a:schemeClr val="bg1"/>
@@ -13669,7 +13231,7 @@
                 <a:ea typeface="Times New Roman" charset="0"/>
                 <a:cs typeface="Times New Roman" charset="0"/>
               </a:rPr>
-              <a:t>Strategies and Backtest</a:t>
+              <a:t>Momentum Strategies and Backtest</a:t>
             </a:r>
             <a:r>
               <a:rPr lang="zh-CN" altLang="zh-CN" sz="4000" b="1" dirty="0">
@@ -13750,7 +13312,7 @@
             <a:p>
               <a:pPr algn="ctr"/>
               <a:r>
-                <a:rPr lang="en-US" altLang="zh-CN" b="1" dirty="0" smtClean="0">
+                <a:rPr lang="en-US" altLang="zh-CN" b="1" dirty="0">
                   <a:solidFill>
                     <a:schemeClr val="tx1"/>
                   </a:solidFill>
@@ -13816,7 +13378,7 @@
             <a:p>
               <a:pPr algn="ctr"/>
               <a:r>
-                <a:rPr lang="en-US" altLang="zh-CN" b="1" dirty="0" smtClean="0">
+                <a:rPr lang="en-US" altLang="zh-CN" b="1" dirty="0">
                   <a:solidFill>
                     <a:schemeClr val="tx1"/>
                   </a:solidFill>
@@ -13830,7 +13392,7 @@
             <a:p>
               <a:pPr algn="ctr"/>
               <a:r>
-                <a:rPr lang="en-US" altLang="zh-CN" b="1" dirty="0" smtClean="0">
+                <a:rPr lang="en-US" altLang="zh-CN" b="1" dirty="0">
                   <a:solidFill>
                     <a:schemeClr val="tx1"/>
                   </a:solidFill>
@@ -13896,7 +13458,7 @@
             <a:p>
               <a:pPr algn="ctr"/>
               <a:r>
-                <a:rPr lang="en-US" altLang="zh-CN" b="1" dirty="0" smtClean="0">
+                <a:rPr lang="en-US" altLang="zh-CN" b="1" dirty="0">
                   <a:solidFill>
                     <a:schemeClr val="tx1"/>
                   </a:solidFill>
@@ -13962,7 +13524,7 @@
             <a:p>
               <a:pPr algn="ctr"/>
               <a:r>
-                <a:rPr lang="en-US" altLang="zh-CN" b="1" dirty="0" smtClean="0">
+                <a:rPr lang="en-US" altLang="zh-CN" b="1" dirty="0">
                   <a:solidFill>
                     <a:schemeClr val="tx1"/>
                   </a:solidFill>
@@ -14020,20 +13582,12 @@
             <a:lstStyle/>
             <a:p>
               <a:r>
-                <a:rPr lang="en-US" altLang="zh-CN" sz="1400" b="1" dirty="0" smtClean="0">
-                  <a:latin typeface="Ebrima" panose="02000000000000000000" pitchFamily="2" charset="0"/>
-                  <a:ea typeface="Ebrima" panose="02000000000000000000" pitchFamily="2" charset="0"/>
-                  <a:cs typeface="Ebrima" panose="02000000000000000000" pitchFamily="2" charset="0"/>
-                </a:rPr>
-                <a:t>Quantitative Methods in Finance</a:t>
-              </a:r>
-              <a:r>
                 <a:rPr lang="en-US" altLang="zh-CN" sz="1400" b="1" dirty="0">
                   <a:latin typeface="Ebrima" panose="02000000000000000000" pitchFamily="2" charset="0"/>
                   <a:ea typeface="Ebrima" panose="02000000000000000000" pitchFamily="2" charset="0"/>
                   <a:cs typeface="Ebrima" panose="02000000000000000000" pitchFamily="2" charset="0"/>
                 </a:rPr>
-                <a:t> </a:t>
+                <a:t>Quantitative Methods in Finance </a:t>
               </a:r>
               <a:endParaRPr lang="zh-CN" altLang="en-US" sz="1400" b="1" dirty="0">
                 <a:latin typeface="Ebrima" panose="02000000000000000000" pitchFamily="2" charset="0"/>
@@ -14088,13 +13642,6 @@
   <p:clrMapOvr>
     <a:masterClrMapping/>
   </p:clrMapOvr>
-  <p:timing>
-    <p:tnLst>
-      <p:par>
-        <p:cTn id="1" dur="indefinite" restart="never" nodeType="tmRoot"/>
-      </p:par>
-    </p:tnLst>
-  </p:timing>
 </p:sld>
 </file>
 
@@ -14120,7 +13667,7 @@
           <p:cNvPr id="6" name="矩形 5">
             <a:extLst>
               <a:ext uri="{FF2B5EF4-FFF2-40B4-BE49-F238E27FC236}">
-                <a16:creationId xmlns="" xmlns:a16="http://schemas.microsoft.com/office/drawing/2014/main" id="{5F66571F-2E16-824D-AB5C-171476EC27E1}"/>
+                <a16:creationId xmlns:a16="http://schemas.microsoft.com/office/drawing/2014/main" id="{5F66571F-2E16-824D-AB5C-171476EC27E1}"/>
               </a:ext>
             </a:extLst>
           </p:cNvPr>
@@ -14463,7 +14010,7 @@
           <a:p>
             <a:pPr lvl="0"/>
             <a:r>
-              <a:rPr lang="en-US" altLang="zh-CN" sz="2400" b="1" dirty="0" smtClean="0">
+              <a:rPr lang="en-US" altLang="zh-CN" sz="2400" b="1" dirty="0">
                 <a:latin typeface="Times New Roman" charset="0"/>
                 <a:ea typeface="Times New Roman" charset="0"/>
                 <a:cs typeface="Times New Roman" charset="0"/>
@@ -14523,13 +14070,6 @@
   <p:clrMapOvr>
     <a:masterClrMapping/>
   </p:clrMapOvr>
-  <p:timing>
-    <p:tnLst>
-      <p:par>
-        <p:cTn id="1" dur="indefinite" restart="never" nodeType="tmRoot"/>
-      </p:par>
-    </p:tnLst>
-  </p:timing>
 </p:sld>
 </file>
 
@@ -14555,7 +14095,7 @@
           <p:cNvPr id="3" name="矩形 2">
             <a:extLst>
               <a:ext uri="{FF2B5EF4-FFF2-40B4-BE49-F238E27FC236}">
-                <a16:creationId xmlns:a16="http://schemas.microsoft.com/office/drawing/2014/main" xmlns="" id="{326071AB-F88A-CF4E-93A2-25D336D1BDD5}"/>
+                <a16:creationId xmlns:a16="http://schemas.microsoft.com/office/drawing/2014/main" id="{326071AB-F88A-CF4E-93A2-25D336D1BDD5}"/>
               </a:ext>
             </a:extLst>
           </p:cNvPr>
@@ -14624,7 +14164,7 @@
           <p:cNvPr id="4" name="矩形 3">
             <a:extLst>
               <a:ext uri="{FF2B5EF4-FFF2-40B4-BE49-F238E27FC236}">
-                <a16:creationId xmlns:a16="http://schemas.microsoft.com/office/drawing/2014/main" xmlns="" id="{0A8287E8-F7F2-BA43-829D-71B8D6A76BB1}"/>
+                <a16:creationId xmlns:a16="http://schemas.microsoft.com/office/drawing/2014/main" id="{0A8287E8-F7F2-BA43-829D-71B8D6A76BB1}"/>
               </a:ext>
             </a:extLst>
           </p:cNvPr>
@@ -14675,7 +14215,7 @@
           <p:cNvPr id="5" name="矩形 4">
             <a:extLst>
               <a:ext uri="{FF2B5EF4-FFF2-40B4-BE49-F238E27FC236}">
-                <a16:creationId xmlns:a16="http://schemas.microsoft.com/office/drawing/2014/main" xmlns="" id="{9CFAEC4E-415D-5D4D-9FA0-87265D3973D4}"/>
+                <a16:creationId xmlns:a16="http://schemas.microsoft.com/office/drawing/2014/main" id="{9CFAEC4E-415D-5D4D-9FA0-87265D3973D4}"/>
               </a:ext>
             </a:extLst>
           </p:cNvPr>
@@ -14726,7 +14266,7 @@
           <p:cNvPr id="11" name="组合 10">
             <a:extLst>
               <a:ext uri="{FF2B5EF4-FFF2-40B4-BE49-F238E27FC236}">
-                <a16:creationId xmlns:a16="http://schemas.microsoft.com/office/drawing/2014/main" xmlns="" id="{41118B92-D560-A445-A131-8D3A10D90E94}"/>
+                <a16:creationId xmlns:a16="http://schemas.microsoft.com/office/drawing/2014/main" id="{41118B92-D560-A445-A131-8D3A10D90E94}"/>
               </a:ext>
             </a:extLst>
           </p:cNvPr>
@@ -14746,7 +14286,7 @@
             <p:cNvPr id="12" name="矩形 11">
               <a:extLst>
                 <a:ext uri="{FF2B5EF4-FFF2-40B4-BE49-F238E27FC236}">
-                  <a16:creationId xmlns:a16="http://schemas.microsoft.com/office/drawing/2014/main" xmlns="" id="{4C22C914-7C9B-BB48-98A1-AD5A8A80B4B8}"/>
+                  <a16:creationId xmlns:a16="http://schemas.microsoft.com/office/drawing/2014/main" id="{4C22C914-7C9B-BB48-98A1-AD5A8A80B4B8}"/>
                 </a:ext>
               </a:extLst>
             </p:cNvPr>
@@ -14790,7 +14330,7 @@
             <p:cNvPr id="13" name="直接连接符 3">
               <a:extLst>
                 <a:ext uri="{FF2B5EF4-FFF2-40B4-BE49-F238E27FC236}">
-                  <a16:creationId xmlns:a16="http://schemas.microsoft.com/office/drawing/2014/main" xmlns="" id="{1D991BA4-D974-FC40-BFFA-587962A13043}"/>
+                  <a16:creationId xmlns:a16="http://schemas.microsoft.com/office/drawing/2014/main" id="{1D991BA4-D974-FC40-BFFA-587962A13043}"/>
                 </a:ext>
               </a:extLst>
             </p:cNvPr>
@@ -14831,7 +14371,7 @@
             <p:cNvPr id="14" name="TextBox 4">
               <a:extLst>
                 <a:ext uri="{FF2B5EF4-FFF2-40B4-BE49-F238E27FC236}">
-                  <a16:creationId xmlns:a16="http://schemas.microsoft.com/office/drawing/2014/main" xmlns="" id="{CD3D1A75-D430-1D4B-8150-0B4FECB2B570}"/>
+                  <a16:creationId xmlns:a16="http://schemas.microsoft.com/office/drawing/2014/main" id="{CD3D1A75-D430-1D4B-8150-0B4FECB2B570}"/>
                 </a:ext>
               </a:extLst>
             </p:cNvPr>
@@ -14871,7 +14411,7 @@
           <p:cNvPr id="16" name="矩形 15">
             <a:extLst>
               <a:ext uri="{FF2B5EF4-FFF2-40B4-BE49-F238E27FC236}">
-                <a16:creationId xmlns:a16="http://schemas.microsoft.com/office/drawing/2014/main" xmlns="" id="{EFE329BD-E1CF-B146-A9FC-4CF8C72D7A22}"/>
+                <a16:creationId xmlns:a16="http://schemas.microsoft.com/office/drawing/2014/main" id="{EFE329BD-E1CF-B146-A9FC-4CF8C72D7A22}"/>
               </a:ext>
             </a:extLst>
           </p:cNvPr>
@@ -14948,7 +14488,7 @@
           <p:cNvPr id="18" name="矩形 17">
             <a:extLst>
               <a:ext uri="{FF2B5EF4-FFF2-40B4-BE49-F238E27FC236}">
-                <a16:creationId xmlns:a16="http://schemas.microsoft.com/office/drawing/2014/main" xmlns="" id="{52E88083-DDF3-D54D-8C29-201113BDDEB4}"/>
+                <a16:creationId xmlns:a16="http://schemas.microsoft.com/office/drawing/2014/main" id="{52E88083-DDF3-D54D-8C29-201113BDDEB4}"/>
               </a:ext>
             </a:extLst>
           </p:cNvPr>
@@ -15007,7 +14547,7 @@
           <p:cNvPr id="20" name="矩形 19">
             <a:extLst>
               <a:ext uri="{FF2B5EF4-FFF2-40B4-BE49-F238E27FC236}">
-                <a16:creationId xmlns:a16="http://schemas.microsoft.com/office/drawing/2014/main" xmlns="" id="{978ED51C-A09B-6847-AADC-F3040192E03A}"/>
+                <a16:creationId xmlns:a16="http://schemas.microsoft.com/office/drawing/2014/main" id="{978ED51C-A09B-6847-AADC-F3040192E03A}"/>
               </a:ext>
             </a:extLst>
           </p:cNvPr>
@@ -15050,7 +14590,7 @@
           <p:cNvPr id="21" name="矩形 20">
             <a:extLst>
               <a:ext uri="{FF2B5EF4-FFF2-40B4-BE49-F238E27FC236}">
-                <a16:creationId xmlns:a16="http://schemas.microsoft.com/office/drawing/2014/main" xmlns="" id="{2E015A03-F962-9143-8B6F-BE875371096A}"/>
+                <a16:creationId xmlns:a16="http://schemas.microsoft.com/office/drawing/2014/main" id="{2E015A03-F962-9143-8B6F-BE875371096A}"/>
               </a:ext>
             </a:extLst>
           </p:cNvPr>
@@ -15073,7 +14613,7 @@
           <a:lstStyle/>
           <a:p>
             <a:r>
-              <a:rPr lang="en-US" altLang="zh-CN" sz="1600" dirty="0" smtClean="0">
+              <a:rPr lang="en-US" altLang="zh-CN" sz="1600" dirty="0">
                 <a:latin typeface="Times New Roman" charset="0"/>
                 <a:ea typeface="Times New Roman" charset="0"/>
                 <a:cs typeface="Times New Roman" charset="0"/>
@@ -15081,20 +14621,12 @@
               <a:t>Action</a:t>
             </a:r>
             <a:r>
-              <a:rPr lang="en" altLang="zh-CN" sz="1600" dirty="0" smtClean="0">
-                <a:latin typeface="Times New Roman" charset="0"/>
-                <a:ea typeface="Times New Roman" charset="0"/>
-                <a:cs typeface="Times New Roman" charset="0"/>
-              </a:rPr>
-              <a:t> </a:t>
-            </a:r>
-            <a:r>
               <a:rPr lang="en" altLang="zh-CN" sz="1600" dirty="0">
                 <a:latin typeface="Times New Roman" charset="0"/>
                 <a:ea typeface="Times New Roman" charset="0"/>
                 <a:cs typeface="Times New Roman" charset="0"/>
               </a:rPr>
-              <a:t>List</a:t>
+              <a:t> List</a:t>
             </a:r>
             <a:endParaRPr lang="zh-CN" altLang="en-US" sz="1600" dirty="0">
               <a:latin typeface="Times New Roman" charset="0"/>
@@ -15109,7 +14641,7 @@
           <p:cNvPr id="22" name="矩形 21">
             <a:extLst>
               <a:ext uri="{FF2B5EF4-FFF2-40B4-BE49-F238E27FC236}">
-                <a16:creationId xmlns:a16="http://schemas.microsoft.com/office/drawing/2014/main" xmlns="" id="{74891EEF-3C14-4049-AC6E-CFF9DDE799D4}"/>
+                <a16:creationId xmlns:a16="http://schemas.microsoft.com/office/drawing/2014/main" id="{74891EEF-3C14-4049-AC6E-CFF9DDE799D4}"/>
               </a:ext>
             </a:extLst>
           </p:cNvPr>
@@ -15152,7 +14684,7 @@
           <p:cNvPr id="23" name="左右箭头 22">
             <a:extLst>
               <a:ext uri="{FF2B5EF4-FFF2-40B4-BE49-F238E27FC236}">
-                <a16:creationId xmlns:a16="http://schemas.microsoft.com/office/drawing/2014/main" xmlns="" id="{0F50AB49-93C5-3D4B-BDF3-D1164D6550B0}"/>
+                <a16:creationId xmlns:a16="http://schemas.microsoft.com/office/drawing/2014/main" id="{0F50AB49-93C5-3D4B-BDF3-D1164D6550B0}"/>
               </a:ext>
             </a:extLst>
           </p:cNvPr>
@@ -15201,7 +14733,7 @@
           <p:cNvPr id="7" name="图片 6">
             <a:extLst>
               <a:ext uri="{FF2B5EF4-FFF2-40B4-BE49-F238E27FC236}">
-                <a16:creationId xmlns:a16="http://schemas.microsoft.com/office/drawing/2014/main" xmlns="" id="{8C9FF8EB-5A91-9448-98D7-384A916A77C1}"/>
+                <a16:creationId xmlns:a16="http://schemas.microsoft.com/office/drawing/2014/main" id="{8C9FF8EB-5A91-9448-98D7-384A916A77C1}"/>
               </a:ext>
             </a:extLst>
           </p:cNvPr>
@@ -15236,17 +14768,145 @@
   <p:clrMapOvr>
     <a:masterClrMapping/>
   </p:clrMapOvr>
-  <p:timing>
-    <p:tnLst>
-      <p:par>
-        <p:cTn id="1" dur="indefinite" restart="never" nodeType="tmRoot"/>
-      </p:par>
-    </p:tnLst>
-  </p:timing>
 </p:sld>
 </file>
 
 <file path=ppt/slides/slide23.xml><?xml version="1.0" encoding="utf-8"?>
+<p:sld xmlns:a="http://schemas.openxmlformats.org/drawingml/2006/main" xmlns:r="http://schemas.openxmlformats.org/officeDocument/2006/relationships" xmlns:p="http://schemas.openxmlformats.org/presentationml/2006/main">
+  <p:cSld>
+    <p:spTree>
+      <p:nvGrpSpPr>
+        <p:cNvPr id="1" name=""/>
+        <p:cNvGrpSpPr/>
+        <p:nvPr/>
+      </p:nvGrpSpPr>
+      <p:grpSpPr>
+        <a:xfrm>
+          <a:off x="0" y="0"/>
+          <a:ext cx="0" cy="0"/>
+          <a:chOff x="0" y="0"/>
+          <a:chExt cx="0" cy="0"/>
+        </a:xfrm>
+      </p:grpSpPr>
+      <p:sp>
+        <p:nvSpPr>
+          <p:cNvPr id="16" name="矩形 15"/>
+          <p:cNvSpPr/>
+          <p:nvPr/>
+        </p:nvSpPr>
+        <p:spPr>
+          <a:xfrm>
+            <a:off x="72035" y="119966"/>
+            <a:ext cx="2196883" cy="461665"/>
+          </a:xfrm>
+          <a:prstGeom prst="rect">
+            <a:avLst/>
+          </a:prstGeom>
+        </p:spPr>
+        <p:txBody>
+          <a:bodyPr wrap="none">
+            <a:spAutoFit/>
+          </a:bodyPr>
+          <a:lstStyle/>
+          <a:p>
+            <a:pPr lvl="0"/>
+            <a:r>
+              <a:rPr lang="en-US" altLang="zh-CN" sz="2400" b="1" dirty="0">
+                <a:latin typeface="Times New Roman" charset="0"/>
+                <a:ea typeface="Times New Roman" charset="0"/>
+                <a:cs typeface="Times New Roman" charset="0"/>
+              </a:rPr>
+              <a:t>Trend Filtering</a:t>
+            </a:r>
+            <a:endParaRPr lang="zh-CN" altLang="zh-CN" sz="2400" b="1" dirty="0">
+              <a:latin typeface="Times New Roman" charset="0"/>
+              <a:ea typeface="Times New Roman" charset="0"/>
+              <a:cs typeface="Times New Roman" charset="0"/>
+            </a:endParaRPr>
+          </a:p>
+        </p:txBody>
+      </p:sp>
+      <p:cxnSp>
+        <p:nvCxnSpPr>
+          <p:cNvPr id="17" name="直接连接符 3"/>
+          <p:cNvCxnSpPr>
+            <a:cxnSpLocks/>
+          </p:cNvCxnSpPr>
+          <p:nvPr/>
+        </p:nvCxnSpPr>
+        <p:spPr>
+          <a:xfrm>
+            <a:off x="179512" y="581631"/>
+            <a:ext cx="2089406" cy="0"/>
+          </a:xfrm>
+          <a:prstGeom prst="line">
+            <a:avLst/>
+          </a:prstGeom>
+          <a:ln w="19050">
+            <a:solidFill>
+              <a:schemeClr val="tx1"/>
+            </a:solidFill>
+          </a:ln>
+        </p:spPr>
+        <p:style>
+          <a:lnRef idx="1">
+            <a:schemeClr val="accent1"/>
+          </a:lnRef>
+          <a:fillRef idx="0">
+            <a:schemeClr val="accent1"/>
+          </a:fillRef>
+          <a:effectRef idx="0">
+            <a:schemeClr val="accent1"/>
+          </a:effectRef>
+          <a:fontRef idx="minor">
+            <a:schemeClr val="tx1"/>
+          </a:fontRef>
+        </p:style>
+      </p:cxnSp>
+      <p:pic>
+        <p:nvPicPr>
+          <p:cNvPr id="4" name="图片 3">
+            <a:extLst>
+              <a:ext uri="{FF2B5EF4-FFF2-40B4-BE49-F238E27FC236}">
+                <a16:creationId xmlns:a16="http://schemas.microsoft.com/office/drawing/2014/main" id="{76840C85-2CD4-6542-901D-04E026F97391}"/>
+              </a:ext>
+            </a:extLst>
+          </p:cNvPr>
+          <p:cNvPicPr>
+            <a:picLocks noChangeAspect="1"/>
+          </p:cNvPicPr>
+          <p:nvPr/>
+        </p:nvPicPr>
+        <p:blipFill>
+          <a:blip r:embed="rId2"/>
+          <a:stretch>
+            <a:fillRect/>
+          </a:stretch>
+        </p:blipFill>
+        <p:spPr>
+          <a:xfrm>
+            <a:off x="1816100" y="771550"/>
+            <a:ext cx="5511800" cy="4140200"/>
+          </a:xfrm>
+          <a:prstGeom prst="rect">
+            <a:avLst/>
+          </a:prstGeom>
+        </p:spPr>
+      </p:pic>
+    </p:spTree>
+    <p:extLst>
+      <p:ext uri="{BB962C8B-B14F-4D97-AF65-F5344CB8AC3E}">
+        <p14:creationId xmlns:p14="http://schemas.microsoft.com/office/powerpoint/2010/main" val="1321777892"/>
+      </p:ext>
+    </p:extLst>
+  </p:cSld>
+  <p:clrMapOvr>
+    <a:masterClrMapping/>
+  </p:clrMapOvr>
+</p:sld>
+</file>
+
+<file path=ppt/slides/slide24.xml><?xml version="1.0" encoding="utf-8"?>
 <p:sld xmlns:a="http://schemas.openxmlformats.org/drawingml/2006/main" xmlns:r="http://schemas.openxmlformats.org/officeDocument/2006/relationships" xmlns:p="http://schemas.openxmlformats.org/presentationml/2006/main">
   <p:cSld>
     <p:spTree>
@@ -15297,17 +14957,10 @@
   <p:clrMapOvr>
     <a:masterClrMapping/>
   </p:clrMapOvr>
-  <p:timing>
-    <p:tnLst>
-      <p:par>
-        <p:cTn id="1" dur="indefinite" restart="never" nodeType="tmRoot"/>
-      </p:par>
-    </p:tnLst>
-  </p:timing>
 </p:sld>
 </file>
 
-<file path=ppt/slides/slide24.xml><?xml version="1.0" encoding="utf-8"?>
+<file path=ppt/slides/slide25.xml><?xml version="1.0" encoding="utf-8"?>
 <p:sld xmlns:a="http://schemas.openxmlformats.org/drawingml/2006/main" xmlns:r="http://schemas.openxmlformats.org/officeDocument/2006/relationships" xmlns:p="http://schemas.openxmlformats.org/presentationml/2006/main">
   <p:cSld>
     <p:spTree>
@@ -15329,7 +14982,7 @@
           <p:cNvPr id="13" name="文本框 12">
             <a:extLst>
               <a:ext uri="{FF2B5EF4-FFF2-40B4-BE49-F238E27FC236}">
-                <a16:creationId xmlns:a16="http://schemas.microsoft.com/office/drawing/2014/main" xmlns="" id="{6F82F306-A65E-4D4E-8235-32DF4B8EF7F2}"/>
+                <a16:creationId xmlns:a16="http://schemas.microsoft.com/office/drawing/2014/main" id="{6F82F306-A65E-4D4E-8235-32DF4B8EF7F2}"/>
               </a:ext>
             </a:extLst>
           </p:cNvPr>
@@ -15373,7 +15026,7 @@
           <p:cNvPr id="14" name="图片 13">
             <a:extLst>
               <a:ext uri="{FF2B5EF4-FFF2-40B4-BE49-F238E27FC236}">
-                <a16:creationId xmlns:a16="http://schemas.microsoft.com/office/drawing/2014/main" xmlns="" id="{93A8CFEB-331F-8446-AB52-54FC5B23C577}"/>
+                <a16:creationId xmlns:a16="http://schemas.microsoft.com/office/drawing/2014/main" id="{93A8CFEB-331F-8446-AB52-54FC5B23C577}"/>
               </a:ext>
             </a:extLst>
           </p:cNvPr>
@@ -15403,7 +15056,7 @@
           <p:cNvPr id="15" name="文本框 14">
             <a:extLst>
               <a:ext uri="{FF2B5EF4-FFF2-40B4-BE49-F238E27FC236}">
-                <a16:creationId xmlns:a16="http://schemas.microsoft.com/office/drawing/2014/main" xmlns="" id="{09441882-0181-9541-AE75-B3BDDAB807FC}"/>
+                <a16:creationId xmlns:a16="http://schemas.microsoft.com/office/drawing/2014/main" id="{09441882-0181-9541-AE75-B3BDDAB807FC}"/>
               </a:ext>
             </a:extLst>
           </p:cNvPr>
@@ -15520,7 +15173,7 @@
           <p:cNvPr id="8" name="图片 7">
             <a:extLst>
               <a:ext uri="{FF2B5EF4-FFF2-40B4-BE49-F238E27FC236}">
-                <a16:creationId xmlns:a16="http://schemas.microsoft.com/office/drawing/2014/main" xmlns="" id="{CE5CBD56-C515-2041-8BAB-C39961BBE592}"/>
+                <a16:creationId xmlns:a16="http://schemas.microsoft.com/office/drawing/2014/main" id="{CE5CBD56-C515-2041-8BAB-C39961BBE592}"/>
               </a:ext>
             </a:extLst>
           </p:cNvPr>
@@ -15548,7 +15201,7 @@
           <p:cNvPr id="9" name="图片 8">
             <a:extLst>
               <a:ext uri="{FF2B5EF4-FFF2-40B4-BE49-F238E27FC236}">
-                <a16:creationId xmlns:a16="http://schemas.microsoft.com/office/drawing/2014/main" xmlns="" id="{A3399850-FBEB-3A44-8E91-11011F7B8869}"/>
+                <a16:creationId xmlns:a16="http://schemas.microsoft.com/office/drawing/2014/main" id="{A3399850-FBEB-3A44-8E91-11011F7B8869}"/>
               </a:ext>
             </a:extLst>
           </p:cNvPr>
@@ -15605,17 +15258,10 @@
   <p:clrMapOvr>
     <a:masterClrMapping/>
   </p:clrMapOvr>
-  <p:timing>
-    <p:tnLst>
-      <p:par>
-        <p:cTn id="1" dur="indefinite" restart="never" nodeType="tmRoot"/>
-      </p:par>
-    </p:tnLst>
-  </p:timing>
 </p:sld>
 </file>
 
-<file path=ppt/slides/slide25.xml><?xml version="1.0" encoding="utf-8"?>
+<file path=ppt/slides/slide26.xml><?xml version="1.0" encoding="utf-8"?>
 <p:sld xmlns:a="http://schemas.openxmlformats.org/drawingml/2006/main" xmlns:r="http://schemas.openxmlformats.org/officeDocument/2006/relationships" xmlns:p="http://schemas.openxmlformats.org/presentationml/2006/main">
   <p:cSld>
     <p:spTree>
@@ -15637,7 +15283,7 @@
           <p:cNvPr id="2" name="矩形 1">
             <a:extLst>
               <a:ext uri="{FF2B5EF4-FFF2-40B4-BE49-F238E27FC236}">
-                <a16:creationId xmlns:a16="http://schemas.microsoft.com/office/drawing/2014/main" xmlns="" id="{7FB43FE8-F55D-5B44-9362-80B1766D8175}"/>
+                <a16:creationId xmlns:a16="http://schemas.microsoft.com/office/drawing/2014/main" id="{7FB43FE8-F55D-5B44-9362-80B1766D8175}"/>
               </a:ext>
             </a:extLst>
           </p:cNvPr>
@@ -15681,7 +15327,7 @@
           <p:cNvPr id="3" name="直接连接符 3">
             <a:extLst>
               <a:ext uri="{FF2B5EF4-FFF2-40B4-BE49-F238E27FC236}">
-                <a16:creationId xmlns:a16="http://schemas.microsoft.com/office/drawing/2014/main" xmlns="" id="{FACCC820-6FDD-0E43-9863-D1AFA79F7839}"/>
+                <a16:creationId xmlns:a16="http://schemas.microsoft.com/office/drawing/2014/main" id="{FACCC820-6FDD-0E43-9863-D1AFA79F7839}"/>
               </a:ext>
             </a:extLst>
           </p:cNvPr>
@@ -15722,7 +15368,7 @@
           <p:cNvPr id="4" name="图片 3">
             <a:extLst>
               <a:ext uri="{FF2B5EF4-FFF2-40B4-BE49-F238E27FC236}">
-                <a16:creationId xmlns:a16="http://schemas.microsoft.com/office/drawing/2014/main" xmlns="" id="{C1CFF7E9-1AE5-0B49-A206-C5CF9C38FDD0}"/>
+                <a16:creationId xmlns:a16="http://schemas.microsoft.com/office/drawing/2014/main" id="{C1CFF7E9-1AE5-0B49-A206-C5CF9C38FDD0}"/>
               </a:ext>
             </a:extLst>
           </p:cNvPr>
@@ -15752,7 +15398,7 @@
           <p:cNvPr id="5" name="图片 4">
             <a:extLst>
               <a:ext uri="{FF2B5EF4-FFF2-40B4-BE49-F238E27FC236}">
-                <a16:creationId xmlns:a16="http://schemas.microsoft.com/office/drawing/2014/main" xmlns="" id="{8DA86109-0FBE-6746-BE71-6692A2FCBC06}"/>
+                <a16:creationId xmlns:a16="http://schemas.microsoft.com/office/drawing/2014/main" id="{8DA86109-0FBE-6746-BE71-6692A2FCBC06}"/>
               </a:ext>
             </a:extLst>
           </p:cNvPr>
@@ -15787,17 +15433,10 @@
   <p:clrMapOvr>
     <a:masterClrMapping/>
   </p:clrMapOvr>
-  <p:timing>
-    <p:tnLst>
-      <p:par>
-        <p:cTn id="1" dur="indefinite" restart="never" nodeType="tmRoot"/>
-      </p:par>
-    </p:tnLst>
-  </p:timing>
 </p:sld>
 </file>
 
-<file path=ppt/slides/slide26.xml><?xml version="1.0" encoding="utf-8"?>
+<file path=ppt/slides/slide27.xml><?xml version="1.0" encoding="utf-8"?>
 <p:sld xmlns:a="http://schemas.openxmlformats.org/drawingml/2006/main" xmlns:r="http://schemas.openxmlformats.org/officeDocument/2006/relationships" xmlns:p="http://schemas.openxmlformats.org/presentationml/2006/main">
   <p:cSld>
     <p:spTree>
@@ -15913,17 +15552,6 @@
           <a:p>
             <a:pPr algn="ctr"/>
             <a:r>
-              <a:rPr lang="en-US" altLang="zh-CN" sz="4000" b="1" dirty="0" smtClean="0">
-                <a:solidFill>
-                  <a:schemeClr val="bg1"/>
-                </a:solidFill>
-                <a:latin typeface="Times New Roman" charset="0"/>
-                <a:ea typeface="Times New Roman" charset="0"/>
-                <a:cs typeface="Times New Roman" charset="0"/>
-              </a:rPr>
-              <a:t>6. Challenges </a:t>
-            </a:r>
-            <a:r>
               <a:rPr lang="en-US" altLang="zh-CN" sz="4000" b="1" dirty="0">
                 <a:solidFill>
                   <a:schemeClr val="bg1"/>
@@ -15932,7 +15560,7 @@
                 <a:ea typeface="Times New Roman" charset="0"/>
                 <a:cs typeface="Times New Roman" charset="0"/>
               </a:rPr>
-              <a:t>and Improvements</a:t>
+              <a:t>6. Challenges and Improvements</a:t>
             </a:r>
           </a:p>
           <a:p>
@@ -15984,20 +15612,12 @@
             <a:lstStyle/>
             <a:p>
               <a:r>
-                <a:rPr lang="en-US" altLang="zh-CN" sz="1400" b="1" dirty="0" smtClean="0">
-                  <a:latin typeface="Ebrima" panose="02000000000000000000" pitchFamily="2" charset="0"/>
-                  <a:ea typeface="Ebrima" panose="02000000000000000000" pitchFamily="2" charset="0"/>
-                  <a:cs typeface="Ebrima" panose="02000000000000000000" pitchFamily="2" charset="0"/>
-                </a:rPr>
-                <a:t>Quantitative Methods in Finance</a:t>
-              </a:r>
-              <a:r>
                 <a:rPr lang="en-US" altLang="zh-CN" sz="1400" b="1" dirty="0">
                   <a:latin typeface="Ebrima" panose="02000000000000000000" pitchFamily="2" charset="0"/>
                   <a:ea typeface="Ebrima" panose="02000000000000000000" pitchFamily="2" charset="0"/>
                   <a:cs typeface="Ebrima" panose="02000000000000000000" pitchFamily="2" charset="0"/>
                 </a:rPr>
-                <a:t> </a:t>
+                <a:t>Quantitative Methods in Finance </a:t>
               </a:r>
               <a:endParaRPr lang="zh-CN" altLang="en-US" sz="1400" b="1" dirty="0">
                 <a:latin typeface="Ebrima" panose="02000000000000000000" pitchFamily="2" charset="0"/>
@@ -16089,17 +15709,6 @@
               </a:lnSpc>
             </a:pPr>
             <a:r>
-              <a:rPr lang="en-US" altLang="zh-CN" b="1" dirty="0" smtClean="0">
-                <a:solidFill>
-                  <a:schemeClr val="tx1"/>
-                </a:solidFill>
-                <a:latin typeface="Times New Roman" charset="0"/>
-                <a:ea typeface="Times New Roman" charset="0"/>
-                <a:cs typeface="Times New Roman" charset="0"/>
-              </a:rPr>
-              <a:t>Wavelet </a:t>
-            </a:r>
-            <a:r>
               <a:rPr lang="en-US" altLang="zh-CN" b="1" dirty="0">
                 <a:solidFill>
                   <a:schemeClr val="tx1"/>
@@ -16108,7 +15717,7 @@
                 <a:ea typeface="Times New Roman" charset="0"/>
                 <a:cs typeface="Times New Roman" charset="0"/>
               </a:rPr>
-              <a:t>Filter </a:t>
+              <a:t>Wavelet Filter </a:t>
             </a:r>
           </a:p>
         </p:txBody>
@@ -16184,27 +15793,8 @@
                   <a:ea typeface="Times New Roman" charset="0"/>
                   <a:cs typeface="Times New Roman" charset="0"/>
                 </a:rPr>
-                <a:t>Denoising </a:t>
+                <a:t>Denoising Process</a:t>
               </a:r>
-              <a:r>
-                <a:rPr lang="en-US" altLang="zh-CN" b="1" dirty="0" smtClean="0">
-                  <a:solidFill>
-                    <a:schemeClr val="tx1"/>
-                  </a:solidFill>
-                  <a:latin typeface="Times New Roman" charset="0"/>
-                  <a:ea typeface="Times New Roman" charset="0"/>
-                  <a:cs typeface="Times New Roman" charset="0"/>
-                </a:rPr>
-                <a:t>Process</a:t>
-              </a:r>
-              <a:endParaRPr lang="en-US" altLang="zh-CN" b="1" dirty="0">
-                <a:solidFill>
-                  <a:schemeClr val="tx1"/>
-                </a:solidFill>
-                <a:latin typeface="Times New Roman" charset="0"/>
-                <a:ea typeface="Times New Roman" charset="0"/>
-                <a:cs typeface="Times New Roman" charset="0"/>
-              </a:endParaRPr>
             </a:p>
           </p:txBody>
         </p:sp>
@@ -16360,17 +15950,10 @@
   <p:clrMapOvr>
     <a:masterClrMapping/>
   </p:clrMapOvr>
-  <p:timing>
-    <p:tnLst>
-      <p:par>
-        <p:cTn id="1" dur="indefinite" restart="never" nodeType="tmRoot"/>
-      </p:par>
-    </p:tnLst>
-  </p:timing>
 </p:sld>
 </file>
 
-<file path=ppt/slides/slide27.xml><?xml version="1.0" encoding="utf-8"?>
+<file path=ppt/slides/slide28.xml><?xml version="1.0" encoding="utf-8"?>
 <p:sld xmlns:a="http://schemas.openxmlformats.org/drawingml/2006/main" xmlns:r="http://schemas.openxmlformats.org/officeDocument/2006/relationships" xmlns:p="http://schemas.openxmlformats.org/presentationml/2006/main">
   <p:cSld>
     <p:spTree>
@@ -16425,19 +16008,19 @@
           </a:lstStyle>
           <a:p>
             <a:r>
-              <a:rPr lang="en-US" altLang="zh-CN" dirty="0" smtClean="0"/>
+              <a:rPr lang="en-US" altLang="zh-CN" dirty="0"/>
               <a:t>Wavelet Filter </a:t>
             </a:r>
             <a:r>
-              <a:rPr lang="en-US" altLang="zh-CN" smtClean="0"/>
+              <a:rPr lang="en-US" altLang="zh-CN"/>
               <a:t>and Denoising</a:t>
             </a:r>
             <a:r>
-              <a:rPr lang="zh-CN" altLang="en-US" dirty="0" smtClean="0"/>
+              <a:rPr lang="zh-CN" altLang="en-US" dirty="0"/>
               <a:t> </a:t>
             </a:r>
             <a:r>
-              <a:rPr lang="zh-CN" altLang="zh-CN" dirty="0" smtClean="0"/>
+              <a:rPr lang="zh-CN" altLang="zh-CN" dirty="0"/>
               <a:t> </a:t>
             </a:r>
             <a:endParaRPr lang="en-US" altLang="zh-CN" dirty="0"/>
@@ -16505,7 +16088,7 @@
           <a:p>
             <a:pPr lvl="0"/>
             <a:r>
-              <a:rPr lang="en-US" altLang="zh-CN" sz="2400" b="1" dirty="0" smtClean="0">
+              <a:rPr lang="en-US" altLang="zh-CN" sz="2400" b="1" dirty="0">
                 <a:latin typeface="Times New Roman" charset="0"/>
                 <a:ea typeface="Times New Roman" charset="0"/>
                 <a:cs typeface="Times New Roman" charset="0"/>
@@ -16632,11 +16215,7 @@
                 </a14:m>
                 <a:r>
                   <a:rPr lang="en-US" altLang="zh-CN" dirty="0"/>
-                  <a:t> </a:t>
-                </a:r>
-                <a:r>
-                  <a:rPr lang="en-US" altLang="zh-CN" dirty="0" smtClean="0"/>
-                  <a:t>Interval</a:t>
+                  <a:t> Interval</a:t>
                 </a:r>
                 <a:endParaRPr lang="zh-CN" altLang="en-US" dirty="0"/>
               </a:p>
@@ -16764,7 +16343,7 @@
                   </a:rPr>
                   <a:t> </a:t>
                 </a:r>
-                <a:endParaRPr kumimoji="1" lang="zh-CN" altLang="en-US" dirty="0" smtClean="0">
+                <a:endParaRPr kumimoji="1" lang="zh-CN" altLang="en-US" dirty="0">
                   <a:solidFill>
                     <a:schemeClr val="bg1"/>
                   </a:solidFill>
@@ -16825,17 +16404,10 @@
   <p:clrMapOvr>
     <a:masterClrMapping/>
   </p:clrMapOvr>
-  <p:timing>
-    <p:tnLst>
-      <p:par>
-        <p:cTn id="1" dur="indefinite" restart="never" nodeType="tmRoot"/>
-      </p:par>
-    </p:tnLst>
-  </p:timing>
 </p:sld>
 </file>
 
-<file path=ppt/slides/slide28.xml><?xml version="1.0" encoding="utf-8"?>
+<file path=ppt/slides/slide29.xml><?xml version="1.0" encoding="utf-8"?>
 <p:sld xmlns:a="http://schemas.openxmlformats.org/drawingml/2006/main" xmlns:r="http://schemas.openxmlformats.org/officeDocument/2006/relationships" xmlns:p="http://schemas.openxmlformats.org/presentationml/2006/main">
   <p:cSld>
     <p:spTree>
@@ -16915,7 +16487,7 @@
             <a:lstStyle/>
             <a:p>
               <a:r>
-                <a:rPr lang="en-US" altLang="zh-CN" sz="2400" b="1" dirty="0" smtClean="0">
+                <a:rPr lang="en-US" altLang="zh-CN" sz="2400" b="1" dirty="0">
                   <a:latin typeface="Times New Roman" charset="0"/>
                   <a:ea typeface="Times New Roman" charset="0"/>
                   <a:cs typeface="Times New Roman" charset="0"/>
@@ -17541,264 +17113,6 @@
   <p:clrMapOvr>
     <a:masterClrMapping/>
   </p:clrMapOvr>
-  <p:timing>
-    <p:tnLst>
-      <p:par>
-        <p:cTn id="1" dur="indefinite" restart="never" nodeType="tmRoot"/>
-      </p:par>
-    </p:tnLst>
-  </p:timing>
-</p:sld>
-</file>
-
-<file path=ppt/slides/slide29.xml><?xml version="1.0" encoding="utf-8"?>
-<p:sld xmlns:a="http://schemas.openxmlformats.org/drawingml/2006/main" xmlns:r="http://schemas.openxmlformats.org/officeDocument/2006/relationships" xmlns:p="http://schemas.openxmlformats.org/presentationml/2006/main">
-  <p:cSld>
-    <p:spTree>
-      <p:nvGrpSpPr>
-        <p:cNvPr id="1" name=""/>
-        <p:cNvGrpSpPr/>
-        <p:nvPr/>
-      </p:nvGrpSpPr>
-      <p:grpSpPr>
-        <a:xfrm>
-          <a:off x="0" y="0"/>
-          <a:ext cx="0" cy="0"/>
-          <a:chOff x="0" y="0"/>
-          <a:chExt cx="0" cy="0"/>
-        </a:xfrm>
-      </p:grpSpPr>
-      <p:pic>
-        <p:nvPicPr>
-          <p:cNvPr id="6" name="图片 5" descr="图片2.png"/>
-          <p:cNvPicPr>
-            <a:picLocks noChangeAspect="1"/>
-          </p:cNvPicPr>
-          <p:nvPr/>
-        </p:nvPicPr>
-        <p:blipFill>
-          <a:blip r:embed="rId2" cstate="email">
-            <a:grayscl/>
-          </a:blip>
-          <a:srcRect/>
-          <a:stretch>
-            <a:fillRect/>
-          </a:stretch>
-        </p:blipFill>
-        <p:spPr>
-          <a:xfrm>
-            <a:off x="0" y="1518633"/>
-            <a:ext cx="9144000" cy="2205245"/>
-          </a:xfrm>
-          <a:prstGeom prst="rect">
-            <a:avLst/>
-          </a:prstGeom>
-        </p:spPr>
-      </p:pic>
-      <p:sp>
-        <p:nvSpPr>
-          <p:cNvPr id="7" name="矩形 6"/>
-          <p:cNvSpPr/>
-          <p:nvPr/>
-        </p:nvSpPr>
-        <p:spPr>
-          <a:xfrm>
-            <a:off x="0" y="1518465"/>
-            <a:ext cx="9144000" cy="2205413"/>
-          </a:xfrm>
-          <a:prstGeom prst="rect">
-            <a:avLst/>
-          </a:prstGeom>
-          <a:solidFill>
-            <a:schemeClr val="tx2">
-              <a:alpha val="70000"/>
-            </a:schemeClr>
-          </a:solidFill>
-          <a:ln>
-            <a:noFill/>
-          </a:ln>
-        </p:spPr>
-        <p:style>
-          <a:lnRef idx="2">
-            <a:schemeClr val="accent1">
-              <a:shade val="50000"/>
-            </a:schemeClr>
-          </a:lnRef>
-          <a:fillRef idx="1">
-            <a:schemeClr val="accent1"/>
-          </a:fillRef>
-          <a:effectRef idx="0">
-            <a:schemeClr val="accent1"/>
-          </a:effectRef>
-          <a:fontRef idx="minor">
-            <a:schemeClr val="lt1"/>
-          </a:fontRef>
-        </p:style>
-        <p:txBody>
-          <a:bodyPr rtlCol="0" anchor="ctr"/>
-          <a:lstStyle/>
-          <a:p>
-            <a:pPr algn="ctr"/>
-            <a:endParaRPr lang="zh-CN" altLang="en-US" sz="2000"/>
-          </a:p>
-        </p:txBody>
-      </p:sp>
-      <p:sp>
-        <p:nvSpPr>
-          <p:cNvPr id="8" name="TextBox 7"/>
-          <p:cNvSpPr txBox="1"/>
-          <p:nvPr/>
-        </p:nvSpPr>
-        <p:spPr>
-          <a:xfrm>
-            <a:off x="683568" y="2267228"/>
-            <a:ext cx="7201494" cy="707886"/>
-          </a:xfrm>
-          <a:prstGeom prst="rect">
-            <a:avLst/>
-          </a:prstGeom>
-          <a:noFill/>
-        </p:spPr>
-        <p:txBody>
-          <a:bodyPr wrap="square" rtlCol="0">
-            <a:spAutoFit/>
-          </a:bodyPr>
-          <a:lstStyle/>
-          <a:p>
-            <a:pPr algn="ctr"/>
-            <a:r>
-              <a:rPr lang="en-US" altLang="zh-CN" sz="4000" b="1" dirty="0" smtClean="0">
-                <a:solidFill>
-                  <a:schemeClr val="bg1"/>
-                </a:solidFill>
-                <a:latin typeface="Times New Roman" charset="0"/>
-                <a:ea typeface="Times New Roman" charset="0"/>
-                <a:cs typeface="Times New Roman" charset="0"/>
-              </a:rPr>
-              <a:t>Thank you for listening !</a:t>
-            </a:r>
-            <a:endParaRPr lang="en-US" altLang="zh-CN" sz="4000" b="1" dirty="0">
-              <a:solidFill>
-                <a:schemeClr val="bg1"/>
-              </a:solidFill>
-              <a:latin typeface="Times New Roman" charset="0"/>
-              <a:ea typeface="Times New Roman" charset="0"/>
-              <a:cs typeface="Times New Roman" charset="0"/>
-            </a:endParaRPr>
-          </a:p>
-        </p:txBody>
-      </p:sp>
-      <p:grpSp>
-        <p:nvGrpSpPr>
-          <p:cNvPr id="24" name="组合 14"/>
-          <p:cNvGrpSpPr/>
-          <p:nvPr/>
-        </p:nvGrpSpPr>
-        <p:grpSpPr>
-          <a:xfrm>
-            <a:off x="107504" y="95730"/>
-            <a:ext cx="5041255" cy="307777"/>
-            <a:chOff x="107504" y="150027"/>
-            <a:chExt cx="5041255" cy="307777"/>
-          </a:xfrm>
-        </p:grpSpPr>
-        <p:sp>
-          <p:nvSpPr>
-            <p:cNvPr id="25" name="矩形 24"/>
-            <p:cNvSpPr/>
-            <p:nvPr/>
-          </p:nvSpPr>
-          <p:spPr>
-            <a:xfrm>
-              <a:off x="107504" y="150027"/>
-              <a:ext cx="5041255" cy="307777"/>
-            </a:xfrm>
-            <a:prstGeom prst="rect">
-              <a:avLst/>
-            </a:prstGeom>
-          </p:spPr>
-          <p:txBody>
-            <a:bodyPr wrap="square">
-              <a:spAutoFit/>
-            </a:bodyPr>
-            <a:lstStyle/>
-            <a:p>
-              <a:r>
-                <a:rPr lang="en-US" altLang="zh-CN" sz="1400" b="1" dirty="0" smtClean="0">
-                  <a:latin typeface="Ebrima" panose="02000000000000000000" pitchFamily="2" charset="0"/>
-                  <a:ea typeface="Ebrima" panose="02000000000000000000" pitchFamily="2" charset="0"/>
-                  <a:cs typeface="Ebrima" panose="02000000000000000000" pitchFamily="2" charset="0"/>
-                </a:rPr>
-                <a:t>Quantitative Methods in Finance</a:t>
-              </a:r>
-              <a:r>
-                <a:rPr lang="en-US" altLang="zh-CN" sz="1400" b="1" dirty="0">
-                  <a:latin typeface="Ebrima" panose="02000000000000000000" pitchFamily="2" charset="0"/>
-                  <a:ea typeface="Ebrima" panose="02000000000000000000" pitchFamily="2" charset="0"/>
-                  <a:cs typeface="Ebrima" panose="02000000000000000000" pitchFamily="2" charset="0"/>
-                </a:rPr>
-                <a:t> </a:t>
-              </a:r>
-              <a:endParaRPr lang="zh-CN" altLang="en-US" sz="1400" b="1" dirty="0">
-                <a:latin typeface="Ebrima" panose="02000000000000000000" pitchFamily="2" charset="0"/>
-                <a:cs typeface="Ebrima" panose="02000000000000000000" pitchFamily="2" charset="0"/>
-              </a:endParaRPr>
-            </a:p>
-          </p:txBody>
-        </p:sp>
-        <p:cxnSp>
-          <p:nvCxnSpPr>
-            <p:cNvPr id="26" name="直接连接符 16"/>
-            <p:cNvCxnSpPr/>
-            <p:nvPr/>
-          </p:nvCxnSpPr>
-          <p:spPr>
-            <a:xfrm>
-              <a:off x="221804" y="457112"/>
-              <a:ext cx="2406328" cy="692"/>
-            </a:xfrm>
-            <a:prstGeom prst="line">
-              <a:avLst/>
-            </a:prstGeom>
-            <a:ln w="19050">
-              <a:solidFill>
-                <a:schemeClr val="tx1"/>
-              </a:solidFill>
-            </a:ln>
-          </p:spPr>
-          <p:style>
-            <a:lnRef idx="1">
-              <a:schemeClr val="accent1"/>
-            </a:lnRef>
-            <a:fillRef idx="0">
-              <a:schemeClr val="accent1"/>
-            </a:fillRef>
-            <a:effectRef idx="0">
-              <a:schemeClr val="accent1"/>
-            </a:effectRef>
-            <a:fontRef idx="minor">
-              <a:schemeClr val="tx1"/>
-            </a:fontRef>
-          </p:style>
-        </p:cxnSp>
-      </p:grpSp>
-    </p:spTree>
-    <p:extLst>
-      <p:ext uri="{BB962C8B-B14F-4D97-AF65-F5344CB8AC3E}">
-        <p14:creationId xmlns:p14="http://schemas.microsoft.com/office/powerpoint/2010/main" val="324146149"/>
-      </p:ext>
-    </p:extLst>
-  </p:cSld>
-  <p:clrMapOvr>
-    <a:masterClrMapping/>
-  </p:clrMapOvr>
-  <p:timing>
-    <p:tnLst>
-      <p:par>
-        <p:cTn id="1" dur="indefinite" restart="never" nodeType="tmRoot"/>
-      </p:par>
-    </p:tnLst>
-  </p:timing>
 </p:sld>
 </file>
 
@@ -17918,17 +17232,6 @@
           <a:p>
             <a:pPr algn="ctr"/>
             <a:r>
-              <a:rPr lang="en-US" altLang="zh-CN" sz="4000" b="1" dirty="0" smtClean="0">
-                <a:solidFill>
-                  <a:schemeClr val="bg1"/>
-                </a:solidFill>
-                <a:latin typeface="Times New Roman" charset="0"/>
-                <a:ea typeface="Times New Roman" charset="0"/>
-                <a:cs typeface="Times New Roman" charset="0"/>
-              </a:rPr>
-              <a:t>1. Trend </a:t>
-            </a:r>
-            <a:r>
               <a:rPr lang="en-US" altLang="zh-CN" sz="4000" b="1" dirty="0">
                 <a:solidFill>
                   <a:schemeClr val="bg1"/>
@@ -17937,7 +17240,7 @@
                 <a:ea typeface="Times New Roman" charset="0"/>
                 <a:cs typeface="Times New Roman" charset="0"/>
               </a:rPr>
-              <a:t>Filtering Approaches</a:t>
+              <a:t>1. Trend Filtering Approaches</a:t>
             </a:r>
           </a:p>
         </p:txBody>
@@ -17999,7 +17302,7 @@
             <a:p>
               <a:pPr algn="ctr"/>
               <a:r>
-                <a:rPr lang="en-US" altLang="zh-CN" b="1" dirty="0" smtClean="0">
+                <a:rPr lang="en-US" altLang="zh-CN" b="1" dirty="0">
                   <a:solidFill>
                     <a:schemeClr val="tx1"/>
                   </a:solidFill>
@@ -18065,7 +17368,7 @@
             <a:p>
               <a:pPr algn="ctr"/>
               <a:r>
-                <a:rPr lang="en-US" altLang="zh-CN" b="1" dirty="0" smtClean="0">
+                <a:rPr lang="en-US" altLang="zh-CN" b="1" dirty="0">
                   <a:solidFill>
                     <a:schemeClr val="tx1"/>
                   </a:solidFill>
@@ -18131,7 +17434,7 @@
             <a:p>
               <a:pPr algn="ctr"/>
               <a:r>
-                <a:rPr lang="en-US" altLang="zh-CN" b="1" dirty="0" smtClean="0">
+                <a:rPr lang="en-US" altLang="zh-CN" b="1" dirty="0">
                   <a:solidFill>
                     <a:schemeClr val="tx1"/>
                   </a:solidFill>
@@ -18197,7 +17500,7 @@
             <a:p>
               <a:pPr algn="ctr"/>
               <a:r>
-                <a:rPr lang="en-US" altLang="zh-CN" b="1" dirty="0" smtClean="0">
+                <a:rPr lang="en-US" altLang="zh-CN" b="1" dirty="0">
                   <a:solidFill>
                     <a:schemeClr val="tx1"/>
                   </a:solidFill>
@@ -18255,20 +17558,12 @@
             <a:lstStyle/>
             <a:p>
               <a:r>
-                <a:rPr lang="en-US" altLang="zh-CN" sz="1400" b="1" dirty="0" smtClean="0">
-                  <a:latin typeface="Ebrima" panose="02000000000000000000" pitchFamily="2" charset="0"/>
-                  <a:ea typeface="Ebrima" panose="02000000000000000000" pitchFamily="2" charset="0"/>
-                  <a:cs typeface="Ebrima" panose="02000000000000000000" pitchFamily="2" charset="0"/>
-                </a:rPr>
-                <a:t>Quantitative Methods in Finance</a:t>
-              </a:r>
-              <a:r>
                 <a:rPr lang="en-US" altLang="zh-CN" sz="1400" b="1" dirty="0">
                   <a:latin typeface="Ebrima" panose="02000000000000000000" pitchFamily="2" charset="0"/>
                   <a:ea typeface="Ebrima" panose="02000000000000000000" pitchFamily="2" charset="0"/>
                   <a:cs typeface="Ebrima" panose="02000000000000000000" pitchFamily="2" charset="0"/>
                 </a:rPr>
-                <a:t> </a:t>
+                <a:t>Quantitative Methods in Finance </a:t>
               </a:r>
               <a:endParaRPr lang="zh-CN" altLang="en-US" sz="1400" b="1" dirty="0">
                 <a:latin typeface="Ebrima" panose="02000000000000000000" pitchFamily="2" charset="0"/>
@@ -18323,13 +17618,234 @@
   <p:clrMapOvr>
     <a:masterClrMapping/>
   </p:clrMapOvr>
-  <p:timing>
-    <p:tnLst>
-      <p:par>
-        <p:cTn id="1" dur="indefinite" restart="never" nodeType="tmRoot"/>
-      </p:par>
-    </p:tnLst>
-  </p:timing>
+</p:sld>
+</file>
+
+<file path=ppt/slides/slide30.xml><?xml version="1.0" encoding="utf-8"?>
+<p:sld xmlns:a="http://schemas.openxmlformats.org/drawingml/2006/main" xmlns:r="http://schemas.openxmlformats.org/officeDocument/2006/relationships" xmlns:p="http://schemas.openxmlformats.org/presentationml/2006/main">
+  <p:cSld>
+    <p:spTree>
+      <p:nvGrpSpPr>
+        <p:cNvPr id="1" name=""/>
+        <p:cNvGrpSpPr/>
+        <p:nvPr/>
+      </p:nvGrpSpPr>
+      <p:grpSpPr>
+        <a:xfrm>
+          <a:off x="0" y="0"/>
+          <a:ext cx="0" cy="0"/>
+          <a:chOff x="0" y="0"/>
+          <a:chExt cx="0" cy="0"/>
+        </a:xfrm>
+      </p:grpSpPr>
+      <p:pic>
+        <p:nvPicPr>
+          <p:cNvPr id="6" name="图片 5" descr="图片2.png"/>
+          <p:cNvPicPr>
+            <a:picLocks noChangeAspect="1"/>
+          </p:cNvPicPr>
+          <p:nvPr/>
+        </p:nvPicPr>
+        <p:blipFill>
+          <a:blip r:embed="rId2" cstate="email">
+            <a:grayscl/>
+          </a:blip>
+          <a:srcRect/>
+          <a:stretch>
+            <a:fillRect/>
+          </a:stretch>
+        </p:blipFill>
+        <p:spPr>
+          <a:xfrm>
+            <a:off x="0" y="1518633"/>
+            <a:ext cx="9144000" cy="2205245"/>
+          </a:xfrm>
+          <a:prstGeom prst="rect">
+            <a:avLst/>
+          </a:prstGeom>
+        </p:spPr>
+      </p:pic>
+      <p:sp>
+        <p:nvSpPr>
+          <p:cNvPr id="7" name="矩形 6"/>
+          <p:cNvSpPr/>
+          <p:nvPr/>
+        </p:nvSpPr>
+        <p:spPr>
+          <a:xfrm>
+            <a:off x="0" y="1518465"/>
+            <a:ext cx="9144000" cy="2205413"/>
+          </a:xfrm>
+          <a:prstGeom prst="rect">
+            <a:avLst/>
+          </a:prstGeom>
+          <a:solidFill>
+            <a:schemeClr val="tx2">
+              <a:alpha val="70000"/>
+            </a:schemeClr>
+          </a:solidFill>
+          <a:ln>
+            <a:noFill/>
+          </a:ln>
+        </p:spPr>
+        <p:style>
+          <a:lnRef idx="2">
+            <a:schemeClr val="accent1">
+              <a:shade val="50000"/>
+            </a:schemeClr>
+          </a:lnRef>
+          <a:fillRef idx="1">
+            <a:schemeClr val="accent1"/>
+          </a:fillRef>
+          <a:effectRef idx="0">
+            <a:schemeClr val="accent1"/>
+          </a:effectRef>
+          <a:fontRef idx="minor">
+            <a:schemeClr val="lt1"/>
+          </a:fontRef>
+        </p:style>
+        <p:txBody>
+          <a:bodyPr rtlCol="0" anchor="ctr"/>
+          <a:lstStyle/>
+          <a:p>
+            <a:pPr algn="ctr"/>
+            <a:endParaRPr lang="zh-CN" altLang="en-US" sz="2000"/>
+          </a:p>
+        </p:txBody>
+      </p:sp>
+      <p:sp>
+        <p:nvSpPr>
+          <p:cNvPr id="8" name="TextBox 7"/>
+          <p:cNvSpPr txBox="1"/>
+          <p:nvPr/>
+        </p:nvSpPr>
+        <p:spPr>
+          <a:xfrm>
+            <a:off x="683568" y="2267228"/>
+            <a:ext cx="7201494" cy="707886"/>
+          </a:xfrm>
+          <a:prstGeom prst="rect">
+            <a:avLst/>
+          </a:prstGeom>
+          <a:noFill/>
+        </p:spPr>
+        <p:txBody>
+          <a:bodyPr wrap="square" rtlCol="0">
+            <a:spAutoFit/>
+          </a:bodyPr>
+          <a:lstStyle/>
+          <a:p>
+            <a:pPr algn="ctr"/>
+            <a:r>
+              <a:rPr lang="en-US" altLang="zh-CN" sz="4000" b="1" dirty="0">
+                <a:solidFill>
+                  <a:schemeClr val="bg1"/>
+                </a:solidFill>
+                <a:latin typeface="Times New Roman" charset="0"/>
+                <a:ea typeface="Times New Roman" charset="0"/>
+                <a:cs typeface="Times New Roman" charset="0"/>
+              </a:rPr>
+              <a:t>Thank you for listening !</a:t>
+            </a:r>
+          </a:p>
+        </p:txBody>
+      </p:sp>
+      <p:grpSp>
+        <p:nvGrpSpPr>
+          <p:cNvPr id="24" name="组合 14"/>
+          <p:cNvGrpSpPr/>
+          <p:nvPr/>
+        </p:nvGrpSpPr>
+        <p:grpSpPr>
+          <a:xfrm>
+            <a:off x="107504" y="95730"/>
+            <a:ext cx="5041255" cy="307777"/>
+            <a:chOff x="107504" y="150027"/>
+            <a:chExt cx="5041255" cy="307777"/>
+          </a:xfrm>
+        </p:grpSpPr>
+        <p:sp>
+          <p:nvSpPr>
+            <p:cNvPr id="25" name="矩形 24"/>
+            <p:cNvSpPr/>
+            <p:nvPr/>
+          </p:nvSpPr>
+          <p:spPr>
+            <a:xfrm>
+              <a:off x="107504" y="150027"/>
+              <a:ext cx="5041255" cy="307777"/>
+            </a:xfrm>
+            <a:prstGeom prst="rect">
+              <a:avLst/>
+            </a:prstGeom>
+          </p:spPr>
+          <p:txBody>
+            <a:bodyPr wrap="square">
+              <a:spAutoFit/>
+            </a:bodyPr>
+            <a:lstStyle/>
+            <a:p>
+              <a:r>
+                <a:rPr lang="en-US" altLang="zh-CN" sz="1400" b="1" dirty="0">
+                  <a:latin typeface="Ebrima" panose="02000000000000000000" pitchFamily="2" charset="0"/>
+                  <a:ea typeface="Ebrima" panose="02000000000000000000" pitchFamily="2" charset="0"/>
+                  <a:cs typeface="Ebrima" panose="02000000000000000000" pitchFamily="2" charset="0"/>
+                </a:rPr>
+                <a:t>Quantitative Methods in Finance </a:t>
+              </a:r>
+              <a:endParaRPr lang="zh-CN" altLang="en-US" sz="1400" b="1" dirty="0">
+                <a:latin typeface="Ebrima" panose="02000000000000000000" pitchFamily="2" charset="0"/>
+                <a:cs typeface="Ebrima" panose="02000000000000000000" pitchFamily="2" charset="0"/>
+              </a:endParaRPr>
+            </a:p>
+          </p:txBody>
+        </p:sp>
+        <p:cxnSp>
+          <p:nvCxnSpPr>
+            <p:cNvPr id="26" name="直接连接符 16"/>
+            <p:cNvCxnSpPr/>
+            <p:nvPr/>
+          </p:nvCxnSpPr>
+          <p:spPr>
+            <a:xfrm>
+              <a:off x="221804" y="457112"/>
+              <a:ext cx="2406328" cy="692"/>
+            </a:xfrm>
+            <a:prstGeom prst="line">
+              <a:avLst/>
+            </a:prstGeom>
+            <a:ln w="19050">
+              <a:solidFill>
+                <a:schemeClr val="tx1"/>
+              </a:solidFill>
+            </a:ln>
+          </p:spPr>
+          <p:style>
+            <a:lnRef idx="1">
+              <a:schemeClr val="accent1"/>
+            </a:lnRef>
+            <a:fillRef idx="0">
+              <a:schemeClr val="accent1"/>
+            </a:fillRef>
+            <a:effectRef idx="0">
+              <a:schemeClr val="accent1"/>
+            </a:effectRef>
+            <a:fontRef idx="minor">
+              <a:schemeClr val="tx1"/>
+            </a:fontRef>
+          </p:style>
+        </p:cxnSp>
+      </p:grpSp>
+    </p:spTree>
+    <p:extLst>
+      <p:ext uri="{BB962C8B-B14F-4D97-AF65-F5344CB8AC3E}">
+        <p14:creationId xmlns:p14="http://schemas.microsoft.com/office/powerpoint/2010/main" val="324146149"/>
+      </p:ext>
+    </p:extLst>
+  </p:cSld>
+  <p:clrMapOvr>
+    <a:masterClrMapping/>
+  </p:clrMapOvr>
 </p:sld>
 </file>
 
@@ -18386,7 +17902,7 @@
             <a:lstStyle/>
             <a:p>
               <a:r>
-                <a:rPr lang="en-US" altLang="zh-CN" sz="2400" b="1" smtClean="0">
+                <a:rPr lang="en-US" altLang="zh-CN" sz="2400" b="1">
                   <a:latin typeface="Times New Roman" charset="0"/>
                   <a:ea typeface="Times New Roman" charset="0"/>
                   <a:cs typeface="Times New Roman" charset="0"/>
@@ -18394,20 +17910,12 @@
                 <a:t>The L2 </a:t>
               </a:r>
               <a:r>
-                <a:rPr lang="en-US" altLang="zh-CN" sz="2400" b="1" dirty="0" smtClean="0">
-                  <a:latin typeface="Times New Roman" charset="0"/>
-                  <a:ea typeface="Times New Roman" charset="0"/>
-                  <a:cs typeface="Times New Roman" charset="0"/>
-                </a:rPr>
-                <a:t>Filter</a:t>
-              </a:r>
-              <a:r>
                 <a:rPr lang="en-US" altLang="zh-CN" sz="2400" b="1" dirty="0">
                   <a:latin typeface="Times New Roman" charset="0"/>
                   <a:ea typeface="Times New Roman" charset="0"/>
                   <a:cs typeface="Times New Roman" charset="0"/>
                 </a:rPr>
-                <a:t> </a:t>
+                <a:t>Filter </a:t>
               </a:r>
               <a:endParaRPr lang="zh-CN" altLang="en-US" sz="2400" b="1" dirty="0">
                 <a:latin typeface="Times New Roman" charset="0"/>
@@ -18493,7 +18001,7 @@
                                   <a:lumOff val="40000"/>
                                 </a:schemeClr>
                               </a:solidFill>
-                              <a:latin typeface="Cambria Math" charset="0"/>
+                              <a:latin typeface="Cambria Math" panose="02040503050406030204" pitchFamily="18" charset="0"/>
                             </a:rPr>
                           </m:ctrlPr>
                         </m:sSubPr>
@@ -18548,7 +18056,7 @@
                                   <a:lumOff val="40000"/>
                                 </a:schemeClr>
                               </a:solidFill>
-                              <a:latin typeface="Cambria Math" charset="0"/>
+                              <a:latin typeface="Cambria Math" panose="02040503050406030204" pitchFamily="18" charset="0"/>
                             </a:rPr>
                           </m:ctrlPr>
                         </m:sSubPr>
@@ -18603,7 +18111,7 @@
                                   <a:lumOff val="40000"/>
                                 </a:schemeClr>
                               </a:solidFill>
-                              <a:latin typeface="Cambria Math" charset="0"/>
+                              <a:latin typeface="Cambria Math" panose="02040503050406030204" pitchFamily="18" charset="0"/>
                             </a:rPr>
                           </m:ctrlPr>
                         </m:sSubPr>
@@ -18730,7 +18238,7 @@
                                   <a:lumOff val="40000"/>
                                 </a:schemeClr>
                               </a:solidFill>
-                              <a:latin typeface="Cambria Math" charset="0"/>
+                              <a:latin typeface="Cambria Math" panose="02040503050406030204" pitchFamily="18" charset="0"/>
                             </a:rPr>
                           </m:ctrlPr>
                         </m:fPr>
@@ -18775,7 +18283,7 @@
                                   <a:lumOff val="40000"/>
                                 </a:schemeClr>
                               </a:solidFill>
-                              <a:latin typeface="Cambria Math" charset="0"/>
+                              <a:latin typeface="Cambria Math" panose="02040503050406030204" pitchFamily="18" charset="0"/>
                             </a:rPr>
                           </m:ctrlPr>
                         </m:naryPr>
@@ -18842,7 +18350,7 @@
                                       <a:lumOff val="40000"/>
                                     </a:schemeClr>
                                   </a:solidFill>
-                                  <a:latin typeface="Cambria Math" charset="0"/>
+                                  <a:latin typeface="Cambria Math" panose="02040503050406030204" pitchFamily="18" charset="0"/>
                                 </a:rPr>
                               </m:ctrlPr>
                             </m:sSupPr>
@@ -18858,7 +18366,7 @@
                                           <a:lumOff val="40000"/>
                                         </a:schemeClr>
                                       </a:solidFill>
-                                      <a:latin typeface="Cambria Math" charset="0"/>
+                                      <a:latin typeface="Cambria Math" panose="02040503050406030204" pitchFamily="18" charset="0"/>
                                     </a:rPr>
                                   </m:ctrlPr>
                                 </m:dPr>
@@ -18873,7 +18381,7 @@
                                               <a:lumOff val="40000"/>
                                             </a:schemeClr>
                                           </a:solidFill>
-                                          <a:latin typeface="Cambria Math" charset="0"/>
+                                          <a:latin typeface="Cambria Math" panose="02040503050406030204" pitchFamily="18" charset="0"/>
                                         </a:rPr>
                                       </m:ctrlPr>
                                     </m:sSubPr>
@@ -18889,7 +18397,7 @@
                                                   <a:lumOff val="40000"/>
                                                 </a:schemeClr>
                                               </a:solidFill>
-                                              <a:latin typeface="Cambria Math" charset="0"/>
+                                              <a:latin typeface="Cambria Math" panose="02040503050406030204" pitchFamily="18" charset="0"/>
                                             </a:rPr>
                                           </m:ctrlPr>
                                         </m:dPr>
@@ -18946,7 +18454,7 @@
                                               <a:lumOff val="40000"/>
                                             </a:schemeClr>
                                           </a:solidFill>
-                                          <a:latin typeface="Cambria Math" charset="0"/>
+                                          <a:latin typeface="Cambria Math" panose="02040503050406030204" pitchFamily="18" charset="0"/>
                                         </a:rPr>
                                       </m:ctrlPr>
                                     </m:sSubPr>
@@ -19035,7 +18543,7 @@
                                   <a:lumOff val="40000"/>
                                 </a:schemeClr>
                               </a:solidFill>
-                              <a:latin typeface="Cambria Math" charset="0"/>
+                              <a:latin typeface="Cambria Math" panose="02040503050406030204" pitchFamily="18" charset="0"/>
                             </a:rPr>
                           </m:ctrlPr>
                         </m:naryPr>
@@ -19126,7 +18634,7 @@
                                       <a:lumOff val="40000"/>
                                     </a:schemeClr>
                                   </a:solidFill>
-                                  <a:latin typeface="Cambria Math" charset="0"/>
+                                  <a:latin typeface="Cambria Math" panose="02040503050406030204" pitchFamily="18" charset="0"/>
                                 </a:rPr>
                               </m:ctrlPr>
                             </m:sSupPr>
@@ -19141,7 +18649,7 @@
                                           <a:lumOff val="40000"/>
                                         </a:schemeClr>
                                       </a:solidFill>
-                                      <a:latin typeface="Cambria Math" charset="0"/>
+                                      <a:latin typeface="Cambria Math" panose="02040503050406030204" pitchFamily="18" charset="0"/>
                                     </a:rPr>
                                   </m:ctrlPr>
                                 </m:dPr>
@@ -19156,7 +18664,7 @@
                                               <a:lumOff val="40000"/>
                                             </a:schemeClr>
                                           </a:solidFill>
-                                          <a:latin typeface="Cambria Math" charset="0"/>
+                                          <a:latin typeface="Cambria Math" panose="02040503050406030204" pitchFamily="18" charset="0"/>
                                         </a:rPr>
                                       </m:ctrlPr>
                                     </m:sSubPr>
@@ -19247,7 +18755,7 @@
                                               <a:lumOff val="40000"/>
                                             </a:schemeClr>
                                           </a:solidFill>
-                                          <a:latin typeface="Cambria Math" charset="0"/>
+                                          <a:latin typeface="Cambria Math" panose="02040503050406030204" pitchFamily="18" charset="0"/>
                                         </a:rPr>
                                       </m:ctrlPr>
                                     </m:sSubPr>
@@ -19302,7 +18810,7 @@
                                               <a:lumOff val="40000"/>
                                             </a:schemeClr>
                                           </a:solidFill>
-                                          <a:latin typeface="Cambria Math" charset="0"/>
+                                          <a:latin typeface="Cambria Math" panose="02040503050406030204" pitchFamily="18" charset="0"/>
                                         </a:rPr>
                                       </m:ctrlPr>
                                     </m:sSubPr>
@@ -19457,7 +18965,7 @@
               <a:lstStyle/>
               <a:p>
                 <a:r>
-                  <a:rPr lang="en-US" altLang="zh-CN" sz="1600" kern="100" dirty="0" smtClean="0">
+                  <a:rPr lang="en-US" altLang="zh-CN" sz="1600" kern="100" dirty="0">
                     <a:latin typeface="Times New Roman" charset="0"/>
                     <a:ea typeface="Times New Roman" charset="0"/>
                     <a:cs typeface="Times New Roman" charset="0"/>
@@ -19487,7 +18995,7 @@
                         <m:ctrlPr>
                           <a:rPr lang="zh-CN" altLang="zh-CN" sz="1600" i="1" kern="100">
                             <a:effectLst/>
-                            <a:latin typeface="Cambria Math" charset="0"/>
+                            <a:latin typeface="Cambria Math" panose="02040503050406030204" pitchFamily="18" charset="0"/>
                             <a:ea typeface="Times New Roman" charset="0"/>
                             <a:cs typeface="Times New Roman" charset="0"/>
                           </a:rPr>
@@ -19527,7 +19035,7 @@
                         <m:ctrlPr>
                           <a:rPr lang="zh-CN" altLang="zh-CN" sz="1600" i="1" kern="100">
                             <a:effectLst/>
-                            <a:latin typeface="Cambria Math" charset="0"/>
+                            <a:latin typeface="Cambria Math" panose="02040503050406030204" pitchFamily="18" charset="0"/>
                             <a:ea typeface="Times New Roman" charset="0"/>
                             <a:cs typeface="Times New Roman" charset="0"/>
                           </a:rPr>
@@ -19595,7 +19103,7 @@
                         <m:ctrlPr>
                           <a:rPr lang="zh-CN" altLang="zh-CN" sz="1600" i="1" kern="100">
                             <a:effectLst/>
-                            <a:latin typeface="Cambria Math" charset="0"/>
+                            <a:latin typeface="Cambria Math" panose="02040503050406030204" pitchFamily="18" charset="0"/>
                             <a:ea typeface="Times New Roman" charset="0"/>
                             <a:cs typeface="Times New Roman" charset="0"/>
                           </a:rPr>
@@ -19607,7 +19115,7 @@
                             <m:ctrlPr>
                               <a:rPr lang="zh-CN" altLang="zh-CN" sz="1600" i="1" kern="100">
                                 <a:effectLst/>
-                                <a:latin typeface="Cambria Math" charset="0"/>
+                                <a:latin typeface="Cambria Math" panose="02040503050406030204" pitchFamily="18" charset="0"/>
                                 <a:ea typeface="Times New Roman" charset="0"/>
                                 <a:cs typeface="Times New Roman" charset="0"/>
                               </a:rPr>
@@ -19647,7 +19155,7 @@
                             <m:ctrlPr>
                               <a:rPr lang="zh-CN" altLang="zh-CN" sz="1600" i="1" kern="100">
                                 <a:effectLst/>
-                                <a:latin typeface="Cambria Math" charset="0"/>
+                                <a:latin typeface="Cambria Math" panose="02040503050406030204" pitchFamily="18" charset="0"/>
                                 <a:ea typeface="Times New Roman" charset="0"/>
                                 <a:cs typeface="Times New Roman" charset="0"/>
                               </a:rPr>
@@ -19689,7 +19197,7 @@
                         <m:ctrlPr>
                           <a:rPr lang="zh-CN" altLang="zh-CN" sz="1600" i="1" kern="100">
                             <a:effectLst/>
-                            <a:latin typeface="Cambria Math" charset="0"/>
+                            <a:latin typeface="Cambria Math" panose="02040503050406030204" pitchFamily="18" charset="0"/>
                             <a:ea typeface="Times New Roman" charset="0"/>
                             <a:cs typeface="Times New Roman" charset="0"/>
                           </a:rPr>
@@ -19768,15 +19276,7 @@
                     <a:ea typeface="Times New Roman" charset="0"/>
                     <a:cs typeface="Times New Roman" charset="0"/>
                   </a:rPr>
-                  <a:t> matrix</a:t>
-                </a:r>
-                <a:r>
-                  <a:rPr lang="en-US" altLang="zh-CN" sz="1600" kern="100" dirty="0" smtClean="0">
-                    <a:latin typeface="Times New Roman" charset="0"/>
-                    <a:ea typeface="Times New Roman" charset="0"/>
-                    <a:cs typeface="Times New Roman" charset="0"/>
-                  </a:rPr>
-                  <a:t>:</a:t>
+                  <a:t> matrix:</a:t>
                 </a:r>
               </a:p>
               <a:p>
@@ -19825,7 +19325,7 @@
                           <m:ctrlPr>
                             <a:rPr lang="zh-CN" altLang="zh-CN" sz="1600" i="1" kern="100">
                               <a:effectLst/>
-                              <a:latin typeface="Cambria Math" charset="0"/>
+                              <a:latin typeface="Cambria Math" panose="02040503050406030204" pitchFamily="18" charset="0"/>
                               <a:ea typeface="Times New Roman" charset="0"/>
                               <a:cs typeface="Times New Roman" charset="0"/>
                             </a:rPr>
@@ -19837,7 +19337,7 @@
                               <m:ctrlPr>
                                 <a:rPr lang="zh-CN" altLang="zh-CN" sz="1600" i="1" kern="100">
                                   <a:effectLst/>
-                                  <a:latin typeface="Cambria Math" charset="0"/>
+                                  <a:latin typeface="Cambria Math" panose="02040503050406030204" pitchFamily="18" charset="0"/>
                                   <a:ea typeface="Times New Roman" charset="0"/>
                                   <a:cs typeface="Times New Roman" charset="0"/>
                                 </a:rPr>
@@ -20004,7 +19504,7 @@
                       <m:sSubPr>
                         <m:ctrlPr>
                           <a:rPr lang="zh-CN" altLang="zh-CN" sz="1600" i="1">
-                            <a:latin typeface="Cambria Math" charset="0"/>
+                            <a:latin typeface="Cambria Math" panose="02040503050406030204" pitchFamily="18" charset="0"/>
                             <a:ea typeface="Times New Roman" charset="0"/>
                             <a:cs typeface="Times New Roman" charset="0"/>
                           </a:rPr>
@@ -20055,7 +19555,7 @@
                       <m:sSubPr>
                         <m:ctrlPr>
                           <a:rPr lang="zh-CN" altLang="zh-CN" sz="1600" i="1">
-                            <a:latin typeface="Cambria Math" charset="0"/>
+                            <a:latin typeface="Cambria Math" panose="02040503050406030204" pitchFamily="18" charset="0"/>
                             <a:ea typeface="Times New Roman" charset="0"/>
                             <a:cs typeface="Times New Roman" charset="0"/>
                           </a:rPr>
@@ -20098,7 +19598,7 @@
                       <m:sSubPr>
                         <m:ctrlPr>
                           <a:rPr lang="zh-CN" altLang="zh-CN" sz="1600" i="1">
-                            <a:latin typeface="Cambria Math" charset="0"/>
+                            <a:latin typeface="Cambria Math" panose="02040503050406030204" pitchFamily="18" charset="0"/>
                             <a:ea typeface="Times New Roman" charset="0"/>
                             <a:cs typeface="Times New Roman" charset="0"/>
                           </a:rPr>
@@ -20220,15 +19720,7 @@
                     <a:ea typeface="Times New Roman" charset="0"/>
                     <a:cs typeface="Times New Roman" charset="0"/>
                   </a:rPr>
-                  <a:t>L2 </a:t>
-                </a:r>
-                <a:r>
-                  <a:rPr lang="en-US" altLang="zh-CN" sz="1600" kern="100" smtClean="0">
-                    <a:latin typeface="Times New Roman" charset="0"/>
-                    <a:ea typeface="Times New Roman" charset="0"/>
-                    <a:cs typeface="Times New Roman" charset="0"/>
-                  </a:rPr>
-                  <a:t>filter, </a:t>
+                  <a:t>L2 filter, </a:t>
                 </a:r>
                 <a:r>
                   <a:rPr lang="en-US" altLang="zh-CN" sz="1600" kern="100" dirty="0">
@@ -20333,18 +19825,10 @@
                 <a:ea typeface="Times New Roman" charset="0"/>
                 <a:cs typeface="Times New Roman" charset="0"/>
               </a:rPr>
-              <a:t>The exact solution of this estimation is given </a:t>
+              <a:t>The exact solution of this estimation is given by:</a:t>
             </a:r>
             <a:r>
-              <a:rPr lang="en-US" altLang="zh-CN" sz="1600" dirty="0" smtClean="0">
-                <a:latin typeface="Times New Roman" charset="0"/>
-                <a:ea typeface="Times New Roman" charset="0"/>
-                <a:cs typeface="Times New Roman" charset="0"/>
-              </a:rPr>
-              <a:t>by:</a:t>
-            </a:r>
-            <a:r>
-              <a:rPr lang="zh-CN" altLang="zh-CN" sz="1600" dirty="0" smtClean="0">
+              <a:rPr lang="zh-CN" altLang="zh-CN" sz="1600" dirty="0">
                 <a:latin typeface="Times New Roman" charset="0"/>
                 <a:ea typeface="Times New Roman" charset="0"/>
                 <a:cs typeface="Times New Roman" charset="0"/>
@@ -20399,7 +19883,7 @@
                                   <a:lumOff val="40000"/>
                                 </a:schemeClr>
                               </a:solidFill>
-                              <a:latin typeface="Cambria Math" charset="0"/>
+                              <a:latin typeface="Cambria Math" panose="02040503050406030204" pitchFamily="18" charset="0"/>
                             </a:rPr>
                           </m:ctrlPr>
                         </m:sSupPr>
@@ -20454,7 +19938,7 @@
                                   <a:lumOff val="40000"/>
                                 </a:schemeClr>
                               </a:solidFill>
-                              <a:latin typeface="Cambria Math" charset="0"/>
+                              <a:latin typeface="Cambria Math" panose="02040503050406030204" pitchFamily="18" charset="0"/>
                             </a:rPr>
                           </m:ctrlPr>
                         </m:sSupPr>
@@ -20469,7 +19953,7 @@
                                       <a:lumOff val="40000"/>
                                     </a:schemeClr>
                                   </a:solidFill>
-                                  <a:latin typeface="Cambria Math" charset="0"/>
+                                  <a:latin typeface="Cambria Math" panose="02040503050406030204" pitchFamily="18" charset="0"/>
                                 </a:rPr>
                               </m:ctrlPr>
                             </m:dPr>
@@ -20532,7 +20016,7 @@
                                           <a:lumOff val="40000"/>
                                         </a:schemeClr>
                                       </a:solidFill>
-                                      <a:latin typeface="Cambria Math" charset="0"/>
+                                      <a:latin typeface="Cambria Math" panose="02040503050406030204" pitchFamily="18" charset="0"/>
                                     </a:rPr>
                                   </m:ctrlPr>
                                 </m:sSupPr>
@@ -20729,13 +20213,6 @@
   <p:clrMapOvr>
     <a:masterClrMapping/>
   </p:clrMapOvr>
-  <p:timing>
-    <p:tnLst>
-      <p:par>
-        <p:cTn id="1" dur="indefinite" restart="never" nodeType="tmRoot"/>
-      </p:par>
-    </p:tnLst>
-  </p:timing>
 </p:sld>
 </file>
 
@@ -20778,20 +20255,12 @@
           <a:lstStyle/>
           <a:p>
             <a:r>
-              <a:rPr lang="en-US" altLang="zh-CN" sz="2400" b="1" dirty="0" smtClean="0">
-                <a:latin typeface="Times New Roman" charset="0"/>
-                <a:ea typeface="Times New Roman" charset="0"/>
-                <a:cs typeface="Times New Roman" charset="0"/>
-              </a:rPr>
-              <a:t>The L1-T Filter</a:t>
-            </a:r>
-            <a:r>
               <a:rPr lang="en-US" altLang="zh-CN" sz="2400" b="1" dirty="0">
                 <a:latin typeface="Times New Roman" charset="0"/>
                 <a:ea typeface="Times New Roman" charset="0"/>
                 <a:cs typeface="Times New Roman" charset="0"/>
               </a:rPr>
-              <a:t> </a:t>
+              <a:t>The L1-T Filter </a:t>
             </a:r>
             <a:endParaRPr lang="zh-CN" altLang="en-US" sz="2400" b="1" dirty="0">
               <a:latin typeface="Times New Roman" charset="0"/>
@@ -20906,7 +20375,7 @@
               <a:lstStyle/>
               <a:p>
                 <a:r>
-                  <a:rPr lang="en-US" altLang="zh-CN" sz="1600" kern="100" dirty="0" smtClean="0">
+                  <a:rPr lang="en-US" altLang="zh-CN" sz="1600" kern="100" dirty="0">
                     <a:latin typeface="Times New Roman" charset="0"/>
                     <a:ea typeface="Times New Roman" charset="0"/>
                     <a:cs typeface="Times New Roman" charset="0"/>
@@ -20938,7 +20407,7 @@
                                 </a:schemeClr>
                               </a:solidFill>
                               <a:effectLst/>
-                              <a:latin typeface="Cambria Math" charset="0"/>
+                              <a:latin typeface="Cambria Math" panose="02040503050406030204" pitchFamily="18" charset="0"/>
                               <a:ea typeface="Times New Roman" charset="0"/>
                               <a:cs typeface="Times New Roman" charset="0"/>
                             </a:rPr>
@@ -20990,7 +20459,7 @@
                                 </a:schemeClr>
                               </a:solidFill>
                               <a:effectLst/>
-                              <a:latin typeface="Cambria Math" charset="0"/>
+                              <a:latin typeface="Cambria Math" panose="02040503050406030204" pitchFamily="18" charset="0"/>
                               <a:ea typeface="Times New Roman" charset="0"/>
                               <a:cs typeface="Times New Roman" charset="0"/>
                             </a:rPr>
@@ -21068,7 +20537,7 @@
                                     </a:schemeClr>
                                   </a:solidFill>
                                   <a:effectLst/>
-                                  <a:latin typeface="Cambria Math" charset="0"/>
+                                  <a:latin typeface="Cambria Math" panose="02040503050406030204" pitchFamily="18" charset="0"/>
                                   <a:ea typeface="Times New Roman" charset="0"/>
                                   <a:cs typeface="Times New Roman" charset="0"/>
                                 </a:rPr>
@@ -21086,7 +20555,7 @@
                                         </a:schemeClr>
                                       </a:solidFill>
                                       <a:effectLst/>
-                                      <a:latin typeface="Cambria Math" charset="0"/>
+                                      <a:latin typeface="Cambria Math" panose="02040503050406030204" pitchFamily="18" charset="0"/>
                                       <a:ea typeface="Times New Roman" charset="0"/>
                                       <a:cs typeface="Times New Roman" charset="0"/>
                                     </a:rPr>
@@ -21164,7 +20633,7 @@
                                         </a:schemeClr>
                                       </a:solidFill>
                                       <a:effectLst/>
-                                      <a:latin typeface="Cambria Math" charset="0"/>
+                                      <a:latin typeface="Cambria Math" panose="02040503050406030204" pitchFamily="18" charset="0"/>
                                       <a:ea typeface="Times New Roman" charset="0"/>
                                       <a:cs typeface="Times New Roman" charset="0"/>
                                     </a:rPr>
@@ -21278,7 +20747,7 @@
                                 </a:schemeClr>
                               </a:solidFill>
                               <a:effectLst/>
-                              <a:latin typeface="Cambria Math" charset="0"/>
+                              <a:latin typeface="Cambria Math" panose="02040503050406030204" pitchFamily="18" charset="0"/>
                               <a:ea typeface="Times New Roman" charset="0"/>
                               <a:cs typeface="Times New Roman" charset="0"/>
                             </a:rPr>
@@ -21398,7 +20867,7 @@
                                     </a:schemeClr>
                                   </a:solidFill>
                                   <a:effectLst/>
-                                  <a:latin typeface="Cambria Math" charset="0"/>
+                                  <a:latin typeface="Cambria Math" panose="02040503050406030204" pitchFamily="18" charset="0"/>
                                   <a:ea typeface="Times New Roman" charset="0"/>
                                   <a:cs typeface="Times New Roman" charset="0"/>
                                 </a:rPr>
@@ -21504,7 +20973,7 @@
                                     </a:schemeClr>
                                   </a:solidFill>
                                   <a:effectLst/>
-                                  <a:latin typeface="Cambria Math" charset="0"/>
+                                  <a:latin typeface="Cambria Math" panose="02040503050406030204" pitchFamily="18" charset="0"/>
                                   <a:ea typeface="Times New Roman" charset="0"/>
                                   <a:cs typeface="Times New Roman" charset="0"/>
                                 </a:rPr>
@@ -21568,7 +21037,7 @@
                                     </a:schemeClr>
                                   </a:solidFill>
                                   <a:effectLst/>
-                                  <a:latin typeface="Cambria Math" charset="0"/>
+                                  <a:latin typeface="Cambria Math" panose="02040503050406030204" pitchFamily="18" charset="0"/>
                                   <a:ea typeface="Times New Roman" charset="0"/>
                                   <a:cs typeface="Times New Roman" charset="0"/>
                                 </a:rPr>
@@ -21662,7 +21131,7 @@
               </a:p>
               <a:p>
                 <a:r>
-                  <a:rPr lang="en-US" altLang="zh-CN" sz="1600" kern="100" dirty="0" smtClean="0">
+                  <a:rPr lang="en-US" altLang="zh-CN" sz="1600" kern="100" dirty="0">
                     <a:latin typeface="Times New Roman" charset="0"/>
                     <a:ea typeface="Times New Roman" charset="0"/>
                     <a:cs typeface="Times New Roman" charset="0"/>
@@ -21703,15 +21172,7 @@
                     <a:ea typeface="Times New Roman" charset="0"/>
                     <a:cs typeface="Times New Roman" charset="0"/>
                   </a:rPr>
-                  <a:t>, the problem can be rewritten </a:t>
-                </a:r>
-                <a:r>
-                  <a:rPr lang="en-US" altLang="zh-CN" sz="1600" kern="100" dirty="0" smtClean="0">
-                    <a:latin typeface="Times New Roman" charset="0"/>
-                    <a:ea typeface="Times New Roman" charset="0"/>
-                    <a:cs typeface="Times New Roman" charset="0"/>
-                  </a:rPr>
-                  <a:t>as:</a:t>
+                  <a:t>, the problem can be rewritten as:</a:t>
                 </a:r>
               </a:p>
               <a:p>
@@ -21727,7 +21188,7 @@
                           <m:ctrlPr>
                             <a:rPr lang="zh-CN" altLang="zh-CN" sz="1600" i="1" kern="100">
                               <a:effectLst/>
-                              <a:latin typeface="Cambria Math" charset="0"/>
+                              <a:latin typeface="Cambria Math" panose="02040503050406030204" pitchFamily="18" charset="0"/>
                               <a:ea typeface="Times New Roman" charset="0"/>
                               <a:cs typeface="Times New Roman" charset="0"/>
                             </a:rPr>
@@ -21762,7 +21223,7 @@
                           <m:ctrlPr>
                             <a:rPr lang="zh-CN" altLang="zh-CN" sz="1600" i="1" kern="100">
                               <a:effectLst/>
-                              <a:latin typeface="Cambria Math" charset="0"/>
+                              <a:latin typeface="Cambria Math" panose="02040503050406030204" pitchFamily="18" charset="0"/>
                               <a:ea typeface="Times New Roman" charset="0"/>
                               <a:cs typeface="Times New Roman" charset="0"/>
                             </a:rPr>
@@ -21794,7 +21255,7 @@
                           <m:ctrlPr>
                             <a:rPr lang="zh-CN" altLang="zh-CN" sz="1600" i="1" kern="100">
                               <a:effectLst/>
-                              <a:latin typeface="Cambria Math" charset="0"/>
+                              <a:latin typeface="Cambria Math" panose="02040503050406030204" pitchFamily="18" charset="0"/>
                               <a:ea typeface="Times New Roman" charset="0"/>
                               <a:cs typeface="Times New Roman" charset="0"/>
                             </a:rPr>
@@ -21808,7 +21269,7 @@
                               <m:ctrlPr>
                                 <a:rPr lang="zh-CN" altLang="zh-CN" sz="1600" i="1" kern="100">
                                   <a:effectLst/>
-                                  <a:latin typeface="Cambria Math" charset="0"/>
+                                  <a:latin typeface="Cambria Math" panose="02040503050406030204" pitchFamily="18" charset="0"/>
                                   <a:ea typeface="Times New Roman" charset="0"/>
                                   <a:cs typeface="Times New Roman" charset="0"/>
                                 </a:rPr>
@@ -21884,7 +21345,7 @@
                           <m:ctrlPr>
                             <a:rPr lang="zh-CN" altLang="zh-CN" sz="1600" i="1" kern="100">
                               <a:effectLst/>
-                              <a:latin typeface="Cambria Math" charset="0"/>
+                              <a:latin typeface="Cambria Math" panose="02040503050406030204" pitchFamily="18" charset="0"/>
                               <a:ea typeface="Times New Roman" charset="0"/>
                               <a:cs typeface="Times New Roman" charset="0"/>
                             </a:rPr>
@@ -21898,7 +21359,7 @@
                               <m:ctrlPr>
                                 <a:rPr lang="zh-CN" altLang="zh-CN" sz="1600" i="1" kern="100">
                                   <a:effectLst/>
-                                  <a:latin typeface="Cambria Math" charset="0"/>
+                                  <a:latin typeface="Cambria Math" panose="02040503050406030204" pitchFamily="18" charset="0"/>
                                   <a:ea typeface="Times New Roman" charset="0"/>
                                   <a:cs typeface="Times New Roman" charset="0"/>
                                 </a:rPr>
@@ -22002,20 +21463,12 @@
               </a:p>
               <a:p>
                 <a:r>
-                  <a:rPr lang="en-US" altLang="zh-CN" sz="1600" kern="100" dirty="0" smtClean="0">
-                    <a:latin typeface="Times New Roman" charset="0"/>
-                    <a:ea typeface="Times New Roman" charset="0"/>
-                    <a:cs typeface="Times New Roman" charset="0"/>
-                  </a:rPr>
-                  <a:t>We </a:t>
-                </a:r>
-                <a:r>
                   <a:rPr lang="en-US" altLang="zh-CN" sz="1600" kern="100" dirty="0">
                     <a:latin typeface="Times New Roman" charset="0"/>
                     <a:ea typeface="Times New Roman" charset="0"/>
                     <a:cs typeface="Times New Roman" charset="0"/>
                   </a:rPr>
-                  <a:t>construct the </a:t>
+                  <a:t>We construct the </a:t>
                 </a:r>
                 <a:r>
                   <a:rPr lang="en-US" altLang="zh-CN" sz="1600" kern="100" dirty="0" err="1">
@@ -22064,7 +21517,7 @@
                         <m:ctrlPr>
                           <a:rPr lang="zh-CN" altLang="zh-CN" sz="1600" i="1" kern="100">
                             <a:effectLst/>
-                            <a:latin typeface="Cambria Math" charset="0"/>
+                            <a:latin typeface="Cambria Math" panose="02040503050406030204" pitchFamily="18" charset="0"/>
                             <a:ea typeface="Times New Roman" charset="0"/>
                             <a:cs typeface="Times New Roman" charset="0"/>
                           </a:rPr>
@@ -22136,7 +21589,7 @@
                           <m:ctrlPr>
                             <a:rPr lang="zh-CN" altLang="zh-CN" sz="1600" i="1" kern="100">
                               <a:effectLst/>
-                              <a:latin typeface="Cambria Math" charset="0"/>
+                              <a:latin typeface="Cambria Math" panose="02040503050406030204" pitchFamily="18" charset="0"/>
                               <a:ea typeface="Times New Roman" charset="0"/>
                               <a:cs typeface="Times New Roman" charset="0"/>
                             </a:rPr>
@@ -22198,7 +21651,7 @@
                           <m:ctrlPr>
                             <a:rPr lang="zh-CN" altLang="zh-CN" sz="1600" i="1" kern="100">
                               <a:effectLst/>
-                              <a:latin typeface="Cambria Math" charset="0"/>
+                              <a:latin typeface="Cambria Math" panose="02040503050406030204" pitchFamily="18" charset="0"/>
                               <a:ea typeface="Times New Roman" charset="0"/>
                               <a:cs typeface="Times New Roman" charset="0"/>
                             </a:rPr>
@@ -22230,7 +21683,7 @@
                           <m:ctrlPr>
                             <a:rPr lang="zh-CN" altLang="zh-CN" sz="1600" i="1" kern="100">
                               <a:effectLst/>
-                              <a:latin typeface="Cambria Math" charset="0"/>
+                              <a:latin typeface="Cambria Math" panose="02040503050406030204" pitchFamily="18" charset="0"/>
                               <a:ea typeface="Times New Roman" charset="0"/>
                               <a:cs typeface="Times New Roman" charset="0"/>
                             </a:rPr>
@@ -22244,7 +21697,7 @@
                               <m:ctrlPr>
                                 <a:rPr lang="zh-CN" altLang="zh-CN" sz="1600" i="1" kern="100">
                                   <a:effectLst/>
-                                  <a:latin typeface="Cambria Math" charset="0"/>
+                                  <a:latin typeface="Cambria Math" panose="02040503050406030204" pitchFamily="18" charset="0"/>
                                   <a:ea typeface="Times New Roman" charset="0"/>
                                   <a:cs typeface="Times New Roman" charset="0"/>
                                 </a:rPr>
@@ -22320,7 +21773,7 @@
                           <m:ctrlPr>
                             <a:rPr lang="zh-CN" altLang="zh-CN" sz="1600" i="1" kern="100">
                               <a:effectLst/>
-                              <a:latin typeface="Cambria Math" charset="0"/>
+                              <a:latin typeface="Cambria Math" panose="02040503050406030204" pitchFamily="18" charset="0"/>
                               <a:ea typeface="Times New Roman" charset="0"/>
                               <a:cs typeface="Times New Roman" charset="0"/>
                             </a:rPr>
@@ -22334,7 +21787,7 @@
                               <m:ctrlPr>
                                 <a:rPr lang="zh-CN" altLang="zh-CN" sz="1600" i="1" kern="100">
                                   <a:effectLst/>
-                                  <a:latin typeface="Cambria Math" charset="0"/>
+                                  <a:latin typeface="Cambria Math" panose="02040503050406030204" pitchFamily="18" charset="0"/>
                                   <a:ea typeface="Times New Roman" charset="0"/>
                                   <a:cs typeface="Times New Roman" charset="0"/>
                                 </a:rPr>
@@ -22376,7 +21829,7 @@
                           <m:ctrlPr>
                             <a:rPr lang="zh-CN" altLang="zh-CN" sz="1600" i="1" kern="100">
                               <a:effectLst/>
-                              <a:latin typeface="Cambria Math" charset="0"/>
+                              <a:latin typeface="Cambria Math" panose="02040503050406030204" pitchFamily="18" charset="0"/>
                               <a:ea typeface="Times New Roman" charset="0"/>
                               <a:cs typeface="Times New Roman" charset="0"/>
                             </a:rPr>
@@ -22473,7 +21926,7 @@
                           <m:ctrlPr>
                             <a:rPr lang="zh-CN" altLang="zh-CN" sz="1600" i="1" kern="100">
                               <a:effectLst/>
-                              <a:latin typeface="Cambria Math" charset="0"/>
+                              <a:latin typeface="Cambria Math" panose="02040503050406030204" pitchFamily="18" charset="0"/>
                               <a:ea typeface="Times New Roman" charset="0"/>
                               <a:cs typeface="Times New Roman" charset="0"/>
                             </a:rPr>
@@ -22529,7 +21982,7 @@
                           <m:ctrlPr>
                             <a:rPr lang="zh-CN" altLang="zh-CN" sz="1600" i="1" kern="100">
                               <a:effectLst/>
-                              <a:latin typeface="Cambria Math" charset="0"/>
+                              <a:latin typeface="Cambria Math" panose="02040503050406030204" pitchFamily="18" charset="0"/>
                               <a:ea typeface="Times New Roman" charset="0"/>
                               <a:cs typeface="Times New Roman" charset="0"/>
                             </a:rPr>
@@ -22591,7 +22044,7 @@
                           <m:ctrlPr>
                             <a:rPr lang="zh-CN" altLang="zh-CN" sz="1600" i="1" kern="100">
                               <a:effectLst/>
-                              <a:latin typeface="Cambria Math" charset="0"/>
+                              <a:latin typeface="Cambria Math" panose="02040503050406030204" pitchFamily="18" charset="0"/>
                               <a:ea typeface="Times New Roman" charset="0"/>
                               <a:cs typeface="Times New Roman" charset="0"/>
                             </a:rPr>
@@ -22623,7 +22076,7 @@
                           <m:ctrlPr>
                             <a:rPr lang="zh-CN" altLang="zh-CN" sz="1600" i="1" kern="100">
                               <a:effectLst/>
-                              <a:latin typeface="Cambria Math" charset="0"/>
+                              <a:latin typeface="Cambria Math" panose="02040503050406030204" pitchFamily="18" charset="0"/>
                               <a:ea typeface="Times New Roman" charset="0"/>
                               <a:cs typeface="Times New Roman" charset="0"/>
                             </a:rPr>
@@ -22671,7 +22124,7 @@
                           <m:ctrlPr>
                             <a:rPr lang="zh-CN" altLang="zh-CN" sz="1600" i="1" kern="100">
                               <a:effectLst/>
-                              <a:latin typeface="Cambria Math" charset="0"/>
+                              <a:latin typeface="Cambria Math" panose="02040503050406030204" pitchFamily="18" charset="0"/>
                               <a:ea typeface="Times New Roman" charset="0"/>
                               <a:cs typeface="Times New Roman" charset="0"/>
                             </a:rPr>
@@ -22727,7 +22180,7 @@
                           <m:ctrlPr>
                             <a:rPr lang="zh-CN" altLang="zh-CN" sz="1600" i="1" kern="100">
                               <a:effectLst/>
-                              <a:latin typeface="Cambria Math" charset="0"/>
+                              <a:latin typeface="Cambria Math" panose="02040503050406030204" pitchFamily="18" charset="0"/>
                               <a:ea typeface="Times New Roman" charset="0"/>
                               <a:cs typeface="Times New Roman" charset="0"/>
                             </a:rPr>
@@ -22767,7 +22220,7 @@
                           <m:ctrlPr>
                             <a:rPr lang="zh-CN" altLang="zh-CN" sz="1600" i="1" kern="100">
                               <a:effectLst/>
-                              <a:latin typeface="Cambria Math" charset="0"/>
+                              <a:latin typeface="Cambria Math" panose="02040503050406030204" pitchFamily="18" charset="0"/>
                               <a:ea typeface="Times New Roman" charset="0"/>
                               <a:cs typeface="Times New Roman" charset="0"/>
                             </a:rPr>
@@ -22907,17 +22360,9 @@
                     <a:ea typeface="Times New Roman" charset="0"/>
                     <a:cs typeface="Times New Roman" charset="0"/>
                   </a:rPr>
-                  <a:t>. According to the Kuhn-Tucker theorem, the problem is equal to the dual problem</a:t>
+                  <a:t>. According to the Kuhn-Tucker theorem, the problem is equal to the dual problem:</a:t>
                 </a:r>
-                <a:r>
-                  <a:rPr lang="en-US" altLang="zh-CN" sz="1600" kern="100" dirty="0" smtClean="0">
-                    <a:latin typeface="Times New Roman" charset="0"/>
-                    <a:ea typeface="Times New Roman" charset="0"/>
-                    <a:cs typeface="Times New Roman" charset="0"/>
-                  </a:rPr>
-                  <a:t>:</a:t>
-                </a:r>
-                <a:endParaRPr lang="zh-CN" altLang="zh-CN" sz="1600" kern="100" dirty="0" smtClean="0">
+                <a:endParaRPr lang="zh-CN" altLang="zh-CN" sz="1600" kern="100" dirty="0">
                   <a:latin typeface="Times New Roman" charset="0"/>
                   <a:ea typeface="Times New Roman" charset="0"/>
                   <a:cs typeface="Times New Roman" charset="0"/>
@@ -22935,7 +22380,7 @@
                         <m:funcPr>
                           <m:ctrlPr>
                             <a:rPr lang="zh-CN" altLang="zh-CN" sz="1600" i="1">
-                              <a:latin typeface="Cambria Math" charset="0"/>
+                              <a:latin typeface="Cambria Math" panose="02040503050406030204" pitchFamily="18" charset="0"/>
                             </a:rPr>
                           </m:ctrlPr>
                         </m:funcPr>
@@ -22963,7 +22408,7 @@
                         <m:fPr>
                           <m:ctrlPr>
                             <a:rPr lang="zh-CN" altLang="zh-CN" sz="1600" i="1">
-                              <a:latin typeface="Cambria Math" charset="0"/>
+                              <a:latin typeface="Cambria Math" panose="02040503050406030204" pitchFamily="18" charset="0"/>
                             </a:rPr>
                           </m:ctrlPr>
                         </m:fPr>
@@ -22988,7 +22433,7 @@
                         <m:sSupPr>
                           <m:ctrlPr>
                             <a:rPr lang="zh-CN" altLang="zh-CN" sz="1600" i="1">
-                              <a:latin typeface="Cambria Math" charset="0"/>
+                              <a:latin typeface="Cambria Math" panose="02040503050406030204" pitchFamily="18" charset="0"/>
                             </a:rPr>
                           </m:ctrlPr>
                         </m:sSupPr>
@@ -23025,7 +22470,7 @@
                         <m:sSupPr>
                           <m:ctrlPr>
                             <a:rPr lang="zh-CN" altLang="zh-CN" sz="1600" i="1">
-                              <a:latin typeface="Cambria Math" charset="0"/>
+                              <a:latin typeface="Cambria Math" panose="02040503050406030204" pitchFamily="18" charset="0"/>
                             </a:rPr>
                           </m:ctrlPr>
                         </m:sSupPr>
@@ -23068,7 +22513,7 @@
                         <m:sSupPr>
                           <m:ctrlPr>
                             <a:rPr lang="zh-CN" altLang="zh-CN" sz="1600" i="1">
-                              <a:latin typeface="Cambria Math" charset="0"/>
+                              <a:latin typeface="Cambria Math" panose="02040503050406030204" pitchFamily="18" charset="0"/>
                             </a:rPr>
                           </m:ctrlPr>
                         </m:sSupPr>
@@ -23099,7 +22544,7 @@
                         <m:sSupPr>
                           <m:ctrlPr>
                             <a:rPr lang="zh-CN" altLang="zh-CN" sz="1600" i="1">
-                              <a:latin typeface="Cambria Math" charset="0"/>
+                              <a:latin typeface="Cambria Math" panose="02040503050406030204" pitchFamily="18" charset="0"/>
                             </a:rPr>
                           </m:ctrlPr>
                         </m:sSupPr>
@@ -23244,20 +22689,12 @@
               </a:p>
               <a:p>
                 <a:r>
-                  <a:rPr lang="en-US" altLang="zh-CN" sz="1600" kern="100" dirty="0" smtClean="0">
-                    <a:latin typeface="Times New Roman" charset="0"/>
-                    <a:ea typeface="Times New Roman" charset="0"/>
-                    <a:cs typeface="Times New Roman" charset="0"/>
-                  </a:rPr>
-                  <a:t>By Newton algorithm or interior-point methods, the </a:t>
-                </a:r>
-                <a:r>
                   <a:rPr lang="en-US" altLang="zh-CN" sz="1600" kern="100" dirty="0">
                     <a:latin typeface="Times New Roman" charset="0"/>
                     <a:ea typeface="Times New Roman" charset="0"/>
                     <a:cs typeface="Times New Roman" charset="0"/>
                   </a:rPr>
-                  <a:t>solution is:</a:t>
+                  <a:t>By Newton algorithm or interior-point methods, the solution is:</a:t>
                 </a:r>
                 <a:endParaRPr lang="zh-CN" altLang="zh-CN" sz="1600" kern="100" dirty="0">
                   <a:latin typeface="Times New Roman" charset="0"/>
@@ -23297,7 +22734,7 @@
                                 </a:schemeClr>
                               </a:solidFill>
                               <a:effectLst/>
-                              <a:latin typeface="Cambria Math" charset="0"/>
+                              <a:latin typeface="Cambria Math" panose="02040503050406030204" pitchFamily="18" charset="0"/>
                               <a:ea typeface="Times New Roman" charset="0"/>
                               <a:cs typeface="Times New Roman" charset="0"/>
                             </a:rPr>
@@ -23389,7 +22826,7 @@
                                 </a:schemeClr>
                               </a:solidFill>
                               <a:effectLst/>
-                              <a:latin typeface="Cambria Math" charset="0"/>
+                              <a:latin typeface="Cambria Math" panose="02040503050406030204" pitchFamily="18" charset="0"/>
                               <a:ea typeface="Times New Roman" charset="0"/>
                               <a:cs typeface="Times New Roman" charset="0"/>
                             </a:rPr>
@@ -23523,13 +22960,6 @@
   <p:clrMapOvr>
     <a:masterClrMapping/>
   </p:clrMapOvr>
-  <p:timing>
-    <p:tnLst>
-      <p:par>
-        <p:cTn id="1" dur="indefinite" restart="never" nodeType="tmRoot"/>
-      </p:par>
-    </p:tnLst>
-  </p:timing>
 </p:sld>
 </file>
 
@@ -23572,20 +23002,12 @@
           <a:lstStyle/>
           <a:p>
             <a:r>
-              <a:rPr lang="en-US" altLang="zh-CN" sz="2400" b="1" dirty="0" smtClean="0">
-                <a:latin typeface="Times New Roman" charset="0"/>
-                <a:ea typeface="Times New Roman" charset="0"/>
-                <a:cs typeface="Times New Roman" charset="0"/>
-              </a:rPr>
-              <a:t>The L1-C Filter</a:t>
-            </a:r>
-            <a:r>
               <a:rPr lang="en-US" altLang="zh-CN" sz="2400" b="1" dirty="0">
                 <a:latin typeface="Times New Roman" charset="0"/>
                 <a:ea typeface="Times New Roman" charset="0"/>
                 <a:cs typeface="Times New Roman" charset="0"/>
               </a:rPr>
-              <a:t> </a:t>
+              <a:t>The L1-C Filter </a:t>
             </a:r>
             <a:endParaRPr lang="zh-CN" altLang="en-US" sz="2400" b="1" dirty="0">
               <a:latin typeface="Times New Roman" charset="0"/>
@@ -23732,7 +23154,7 @@
                                 </a:schemeClr>
                               </a:solidFill>
                               <a:effectLst/>
-                              <a:latin typeface="Cambria Math" charset="0"/>
+                              <a:latin typeface="Cambria Math" panose="02040503050406030204" pitchFamily="18" charset="0"/>
                               <a:ea typeface="Times New Roman" charset="0"/>
                               <a:cs typeface="Times New Roman" charset="0"/>
                             </a:rPr>
@@ -23784,7 +23206,7 @@
                                 </a:schemeClr>
                               </a:solidFill>
                               <a:effectLst/>
-                              <a:latin typeface="Cambria Math" charset="0"/>
+                              <a:latin typeface="Cambria Math" panose="02040503050406030204" pitchFamily="18" charset="0"/>
                               <a:ea typeface="Times New Roman" charset="0"/>
                               <a:cs typeface="Times New Roman" charset="0"/>
                             </a:rPr>
@@ -23862,7 +23284,7 @@
                                     </a:schemeClr>
                                   </a:solidFill>
                                   <a:effectLst/>
-                                  <a:latin typeface="Cambria Math" charset="0"/>
+                                  <a:latin typeface="Cambria Math" panose="02040503050406030204" pitchFamily="18" charset="0"/>
                                   <a:ea typeface="Times New Roman" charset="0"/>
                                   <a:cs typeface="Times New Roman" charset="0"/>
                                 </a:rPr>
@@ -23880,7 +23302,7 @@
                                         </a:schemeClr>
                                       </a:solidFill>
                                       <a:effectLst/>
-                                      <a:latin typeface="Cambria Math" charset="0"/>
+                                      <a:latin typeface="Cambria Math" panose="02040503050406030204" pitchFamily="18" charset="0"/>
                                       <a:ea typeface="Times New Roman" charset="0"/>
                                       <a:cs typeface="Times New Roman" charset="0"/>
                                     </a:rPr>
@@ -23958,7 +23380,7 @@
                                         </a:schemeClr>
                                       </a:solidFill>
                                       <a:effectLst/>
-                                      <a:latin typeface="Cambria Math" charset="0"/>
+                                      <a:latin typeface="Cambria Math" panose="02040503050406030204" pitchFamily="18" charset="0"/>
                                       <a:ea typeface="Times New Roman" charset="0"/>
                                       <a:cs typeface="Times New Roman" charset="0"/>
                                     </a:rPr>
@@ -24072,7 +23494,7 @@
                                 </a:schemeClr>
                               </a:solidFill>
                               <a:effectLst/>
-                              <a:latin typeface="Cambria Math" charset="0"/>
+                              <a:latin typeface="Cambria Math" panose="02040503050406030204" pitchFamily="18" charset="0"/>
                               <a:ea typeface="Times New Roman" charset="0"/>
                               <a:cs typeface="Times New Roman" charset="0"/>
                             </a:rPr>
@@ -24164,7 +23586,7 @@
                                     </a:schemeClr>
                                   </a:solidFill>
                                   <a:effectLst/>
-                                  <a:latin typeface="Cambria Math" charset="0"/>
+                                  <a:latin typeface="Cambria Math" panose="02040503050406030204" pitchFamily="18" charset="0"/>
                                   <a:ea typeface="Times New Roman" charset="0"/>
                                   <a:cs typeface="Times New Roman" charset="0"/>
                                 </a:rPr>
@@ -24228,7 +23650,7 @@
                                     </a:schemeClr>
                                   </a:solidFill>
                                   <a:effectLst/>
-                                  <a:latin typeface="Cambria Math" charset="0"/>
+                                  <a:latin typeface="Cambria Math" panose="02040503050406030204" pitchFamily="18" charset="0"/>
                                   <a:ea typeface="Times New Roman" charset="0"/>
                                   <a:cs typeface="Times New Roman" charset="0"/>
                                 </a:rPr>
@@ -24364,7 +23786,7 @@
                           <m:ctrlPr>
                             <a:rPr lang="zh-CN" altLang="zh-CN" sz="1600" i="1" kern="100">
                               <a:effectLst/>
-                              <a:latin typeface="Cambria Math" charset="0"/>
+                              <a:latin typeface="Cambria Math" panose="02040503050406030204" pitchFamily="18" charset="0"/>
                               <a:ea typeface="Times New Roman" charset="0"/>
                               <a:cs typeface="Times New Roman" charset="0"/>
                             </a:rPr>
@@ -24396,7 +23818,7 @@
                           <m:ctrlPr>
                             <a:rPr lang="zh-CN" altLang="zh-CN" sz="1600" i="1" kern="100">
                               <a:effectLst/>
-                              <a:latin typeface="Cambria Math" charset="0"/>
+                              <a:latin typeface="Cambria Math" panose="02040503050406030204" pitchFamily="18" charset="0"/>
                               <a:ea typeface="Times New Roman" charset="0"/>
                               <a:cs typeface="Times New Roman" charset="0"/>
                             </a:rPr>
@@ -24410,7 +23832,7 @@
                               <m:ctrlPr>
                                 <a:rPr lang="zh-CN" altLang="zh-CN" sz="1600" i="1" kern="100">
                                   <a:effectLst/>
-                                  <a:latin typeface="Cambria Math" charset="0"/>
+                                  <a:latin typeface="Cambria Math" panose="02040503050406030204" pitchFamily="18" charset="0"/>
                                   <a:ea typeface="Times New Roman" charset="0"/>
                                   <a:cs typeface="Times New Roman" charset="0"/>
                                 </a:rPr>
@@ -24486,7 +23908,7 @@
                           <m:ctrlPr>
                             <a:rPr lang="zh-CN" altLang="zh-CN" sz="1600" i="1" kern="100">
                               <a:effectLst/>
-                              <a:latin typeface="Cambria Math" charset="0"/>
+                              <a:latin typeface="Cambria Math" panose="02040503050406030204" pitchFamily="18" charset="0"/>
                               <a:ea typeface="Times New Roman" charset="0"/>
                               <a:cs typeface="Times New Roman" charset="0"/>
                             </a:rPr>
@@ -24500,7 +23922,7 @@
                               <m:ctrlPr>
                                 <a:rPr lang="zh-CN" altLang="zh-CN" sz="1600" i="1" kern="100">
                                   <a:effectLst/>
-                                  <a:latin typeface="Cambria Math" charset="0"/>
+                                  <a:latin typeface="Cambria Math" panose="02040503050406030204" pitchFamily="18" charset="0"/>
                                   <a:ea typeface="Times New Roman" charset="0"/>
                                   <a:cs typeface="Times New Roman" charset="0"/>
                                 </a:rPr>
@@ -24658,7 +24080,7 @@
                           <m:ctrlPr>
                             <a:rPr lang="zh-CN" altLang="zh-CN" sz="1600" i="1" kern="100">
                               <a:effectLst/>
-                              <a:latin typeface="Cambria Math" charset="0"/>
+                              <a:latin typeface="Cambria Math" panose="02040503050406030204" pitchFamily="18" charset="0"/>
                               <a:ea typeface="Times New Roman" charset="0"/>
                               <a:cs typeface="Times New Roman" charset="0"/>
                             </a:rPr>
@@ -24670,7 +24092,7 @@
                               <m:ctrlPr>
                                 <a:rPr lang="zh-CN" altLang="zh-CN" sz="1600" i="1" kern="100">
                                   <a:effectLst/>
-                                  <a:latin typeface="Cambria Math" charset="0"/>
+                                  <a:latin typeface="Cambria Math" panose="02040503050406030204" pitchFamily="18" charset="0"/>
                                   <a:ea typeface="Times New Roman" charset="0"/>
                                   <a:cs typeface="Times New Roman" charset="0"/>
                                 </a:rPr>
@@ -24806,7 +24228,7 @@
                                 </a:schemeClr>
                               </a:solidFill>
                               <a:effectLst/>
-                              <a:latin typeface="Cambria Math" charset="0"/>
+                              <a:latin typeface="Cambria Math" panose="02040503050406030204" pitchFamily="18" charset="0"/>
                               <a:ea typeface="Times New Roman" charset="0"/>
                               <a:cs typeface="Times New Roman" charset="0"/>
                             </a:rPr>
@@ -24898,7 +24320,7 @@
                                 </a:schemeClr>
                               </a:solidFill>
                               <a:effectLst/>
-                              <a:latin typeface="Cambria Math" charset="0"/>
+                              <a:latin typeface="Cambria Math" panose="02040503050406030204" pitchFamily="18" charset="0"/>
                               <a:ea typeface="Times New Roman" charset="0"/>
                               <a:cs typeface="Times New Roman" charset="0"/>
                             </a:rPr>
@@ -25032,13 +24454,6 @@
   <p:clrMapOvr>
     <a:masterClrMapping/>
   </p:clrMapOvr>
-  <p:timing>
-    <p:tnLst>
-      <p:par>
-        <p:cTn id="1" dur="indefinite" restart="never" nodeType="tmRoot"/>
-      </p:par>
-    </p:tnLst>
-  </p:timing>
 </p:sld>
 </file>
 
@@ -25095,20 +24510,12 @@
             <a:lstStyle/>
             <a:p>
               <a:r>
-                <a:rPr lang="en-US" altLang="zh-CN" sz="2400" b="1" dirty="0" smtClean="0">
-                  <a:latin typeface="Times New Roman" charset="0"/>
-                  <a:ea typeface="Times New Roman" charset="0"/>
-                  <a:cs typeface="Times New Roman" charset="0"/>
-                </a:rPr>
-                <a:t>The L1-TC Filter</a:t>
-              </a:r>
-              <a:r>
                 <a:rPr lang="en-US" altLang="zh-CN" sz="2400" b="1" dirty="0">
                   <a:latin typeface="Times New Roman" charset="0"/>
                   <a:ea typeface="Times New Roman" charset="0"/>
                   <a:cs typeface="Times New Roman" charset="0"/>
                 </a:rPr>
-                <a:t> </a:t>
+                <a:t>The L1-TC Filter </a:t>
               </a:r>
               <a:endParaRPr lang="zh-CN" altLang="en-US" sz="2400" b="1" dirty="0">
                 <a:latin typeface="Times New Roman" charset="0"/>
@@ -25178,7 +24585,7 @@
               <a:lstStyle/>
               <a:p>
                 <a:r>
-                  <a:rPr lang="en-US" altLang="zh-CN" sz="1600" kern="100" dirty="0" smtClean="0">
+                  <a:rPr lang="en-US" altLang="zh-CN" sz="1600" kern="100" dirty="0">
                     <a:latin typeface="Times New Roman" charset="0"/>
                     <a:ea typeface="Times New Roman" charset="0"/>
                     <a:cs typeface="Times New Roman" charset="0"/>
@@ -25212,7 +24619,7 @@
                                 </a:schemeClr>
                               </a:solidFill>
                               <a:effectLst/>
-                              <a:latin typeface="Cambria Math" charset="0"/>
+                              <a:latin typeface="Cambria Math" panose="02040503050406030204" pitchFamily="18" charset="0"/>
                               <a:ea typeface="Times New Roman" charset="0"/>
                               <a:cs typeface="Times New Roman" charset="0"/>
                             </a:rPr>
@@ -25264,7 +24671,7 @@
                                 </a:schemeClr>
                               </a:solidFill>
                               <a:effectLst/>
-                              <a:latin typeface="Cambria Math" charset="0"/>
+                              <a:latin typeface="Cambria Math" panose="02040503050406030204" pitchFamily="18" charset="0"/>
                               <a:ea typeface="Times New Roman" charset="0"/>
                               <a:cs typeface="Times New Roman" charset="0"/>
                             </a:rPr>
@@ -25342,7 +24749,7 @@
                                     </a:schemeClr>
                                   </a:solidFill>
                                   <a:effectLst/>
-                                  <a:latin typeface="Cambria Math" charset="0"/>
+                                  <a:latin typeface="Cambria Math" panose="02040503050406030204" pitchFamily="18" charset="0"/>
                                   <a:ea typeface="Times New Roman" charset="0"/>
                                   <a:cs typeface="Times New Roman" charset="0"/>
                                 </a:rPr>
@@ -25360,7 +24767,7 @@
                                         </a:schemeClr>
                                       </a:solidFill>
                                       <a:effectLst/>
-                                      <a:latin typeface="Cambria Math" charset="0"/>
+                                      <a:latin typeface="Cambria Math" panose="02040503050406030204" pitchFamily="18" charset="0"/>
                                       <a:ea typeface="Times New Roman" charset="0"/>
                                       <a:cs typeface="Times New Roman" charset="0"/>
                                     </a:rPr>
@@ -25438,7 +24845,7 @@
                                         </a:schemeClr>
                                       </a:solidFill>
                                       <a:effectLst/>
-                                      <a:latin typeface="Cambria Math" charset="0"/>
+                                      <a:latin typeface="Cambria Math" panose="02040503050406030204" pitchFamily="18" charset="0"/>
                                       <a:ea typeface="Times New Roman" charset="0"/>
                                       <a:cs typeface="Times New Roman" charset="0"/>
                                     </a:rPr>
@@ -25536,7 +24943,7 @@
                                 </a:schemeClr>
                               </a:solidFill>
                               <a:effectLst/>
-                              <a:latin typeface="Cambria Math" charset="0"/>
+                              <a:latin typeface="Cambria Math" panose="02040503050406030204" pitchFamily="18" charset="0"/>
                               <a:ea typeface="Times New Roman" charset="0"/>
                               <a:cs typeface="Times New Roman" charset="0"/>
                             </a:rPr>
@@ -25588,7 +24995,7 @@
                                 </a:schemeClr>
                               </a:solidFill>
                               <a:effectLst/>
-                              <a:latin typeface="Cambria Math" charset="0"/>
+                              <a:latin typeface="Cambria Math" panose="02040503050406030204" pitchFamily="18" charset="0"/>
                               <a:ea typeface="Times New Roman" charset="0"/>
                               <a:cs typeface="Times New Roman" charset="0"/>
                             </a:rPr>
@@ -25696,7 +25103,7 @@
                                     </a:schemeClr>
                                   </a:solidFill>
                                   <a:effectLst/>
-                                  <a:latin typeface="Cambria Math" charset="0"/>
+                                  <a:latin typeface="Cambria Math" panose="02040503050406030204" pitchFamily="18" charset="0"/>
                                   <a:ea typeface="Times New Roman" charset="0"/>
                                   <a:cs typeface="Times New Roman" charset="0"/>
                                 </a:rPr>
@@ -25714,7 +25121,7 @@
                                         </a:schemeClr>
                                       </a:solidFill>
                                       <a:effectLst/>
-                                      <a:latin typeface="Cambria Math" charset="0"/>
+                                      <a:latin typeface="Cambria Math" panose="02040503050406030204" pitchFamily="18" charset="0"/>
                                       <a:ea typeface="Times New Roman" charset="0"/>
                                       <a:cs typeface="Times New Roman" charset="0"/>
                                     </a:rPr>
@@ -25778,7 +25185,7 @@
                                         </a:schemeClr>
                                       </a:solidFill>
                                       <a:effectLst/>
-                                      <a:latin typeface="Cambria Math" charset="0"/>
+                                      <a:latin typeface="Cambria Math" panose="02040503050406030204" pitchFamily="18" charset="0"/>
                                       <a:ea typeface="Times New Roman" charset="0"/>
                                       <a:cs typeface="Times New Roman" charset="0"/>
                                     </a:rPr>
@@ -25888,7 +25295,7 @@
                                 </a:schemeClr>
                               </a:solidFill>
                               <a:effectLst/>
-                              <a:latin typeface="Cambria Math" charset="0"/>
+                              <a:latin typeface="Cambria Math" panose="02040503050406030204" pitchFamily="18" charset="0"/>
                               <a:ea typeface="Times New Roman" charset="0"/>
                               <a:cs typeface="Times New Roman" charset="0"/>
                             </a:rPr>
@@ -25940,7 +25347,7 @@
                                 </a:schemeClr>
                               </a:solidFill>
                               <a:effectLst/>
-                              <a:latin typeface="Cambria Math" charset="0"/>
+                              <a:latin typeface="Cambria Math" panose="02040503050406030204" pitchFamily="18" charset="0"/>
                               <a:ea typeface="Times New Roman" charset="0"/>
                               <a:cs typeface="Times New Roman" charset="0"/>
                             </a:rPr>
@@ -26060,7 +25467,7 @@
                                     </a:schemeClr>
                                   </a:solidFill>
                                   <a:effectLst/>
-                                  <a:latin typeface="Cambria Math" charset="0"/>
+                                  <a:latin typeface="Cambria Math" panose="02040503050406030204" pitchFamily="18" charset="0"/>
                                   <a:ea typeface="Times New Roman" charset="0"/>
                                   <a:cs typeface="Times New Roman" charset="0"/>
                                 </a:rPr>
@@ -26166,7 +25573,7 @@
                                     </a:schemeClr>
                                   </a:solidFill>
                                   <a:effectLst/>
-                                  <a:latin typeface="Cambria Math" charset="0"/>
+                                  <a:latin typeface="Cambria Math" panose="02040503050406030204" pitchFamily="18" charset="0"/>
                                   <a:ea typeface="Times New Roman" charset="0"/>
                                   <a:cs typeface="Times New Roman" charset="0"/>
                                 </a:rPr>
@@ -26230,7 +25637,7 @@
                                     </a:schemeClr>
                                   </a:solidFill>
                                   <a:effectLst/>
-                                  <a:latin typeface="Cambria Math" charset="0"/>
+                                  <a:latin typeface="Cambria Math" panose="02040503050406030204" pitchFamily="18" charset="0"/>
                                   <a:ea typeface="Times New Roman" charset="0"/>
                                   <a:cs typeface="Times New Roman" charset="0"/>
                                 </a:rPr>
@@ -26381,7 +25788,7 @@
                           <m:ctrlPr>
                             <a:rPr lang="zh-CN" altLang="zh-CN" sz="1600" i="1" kern="100">
                               <a:effectLst/>
-                              <a:latin typeface="Cambria Math" charset="0"/>
+                              <a:latin typeface="Cambria Math" panose="02040503050406030204" pitchFamily="18" charset="0"/>
                               <a:ea typeface="Times New Roman" charset="0"/>
                               <a:cs typeface="Times New Roman" charset="0"/>
                             </a:rPr>
@@ -26413,7 +25820,7 @@
                           <m:ctrlPr>
                             <a:rPr lang="zh-CN" altLang="zh-CN" sz="1600" i="1" kern="100">
                               <a:effectLst/>
-                              <a:latin typeface="Cambria Math" charset="0"/>
+                              <a:latin typeface="Cambria Math" panose="02040503050406030204" pitchFamily="18" charset="0"/>
                               <a:ea typeface="Times New Roman" charset="0"/>
                               <a:cs typeface="Times New Roman" charset="0"/>
                             </a:rPr>
@@ -26427,7 +25834,7 @@
                               <m:ctrlPr>
                                 <a:rPr lang="zh-CN" altLang="zh-CN" sz="1600" i="1" kern="100">
                                   <a:effectLst/>
-                                  <a:latin typeface="Cambria Math" charset="0"/>
+                                  <a:latin typeface="Cambria Math" panose="02040503050406030204" pitchFamily="18" charset="0"/>
                                   <a:ea typeface="Times New Roman" charset="0"/>
                                   <a:cs typeface="Times New Roman" charset="0"/>
                                 </a:rPr>
@@ -26495,7 +25902,7 @@
                           <m:ctrlPr>
                             <a:rPr lang="zh-CN" altLang="zh-CN" sz="1600" i="1" kern="100">
                               <a:effectLst/>
-                              <a:latin typeface="Cambria Math" charset="0"/>
+                              <a:latin typeface="Cambria Math" panose="02040503050406030204" pitchFamily="18" charset="0"/>
                               <a:ea typeface="Times New Roman" charset="0"/>
                               <a:cs typeface="Times New Roman" charset="0"/>
                             </a:rPr>
@@ -26527,7 +25934,7 @@
                           <m:ctrlPr>
                             <a:rPr lang="zh-CN" altLang="zh-CN" sz="1600" i="1" kern="100">
                               <a:effectLst/>
-                              <a:latin typeface="Cambria Math" charset="0"/>
+                              <a:latin typeface="Cambria Math" panose="02040503050406030204" pitchFamily="18" charset="0"/>
                               <a:ea typeface="Times New Roman" charset="0"/>
                               <a:cs typeface="Times New Roman" charset="0"/>
                             </a:rPr>
@@ -26541,7 +25948,7 @@
                               <m:ctrlPr>
                                 <a:rPr lang="zh-CN" altLang="zh-CN" sz="1600" i="1" kern="100">
                                   <a:effectLst/>
-                                  <a:latin typeface="Cambria Math" charset="0"/>
+                                  <a:latin typeface="Cambria Math" panose="02040503050406030204" pitchFamily="18" charset="0"/>
                                   <a:ea typeface="Times New Roman" charset="0"/>
                                   <a:cs typeface="Times New Roman" charset="0"/>
                                 </a:rPr>
@@ -26553,7 +25960,7 @@
                                   <m:ctrlPr>
                                     <a:rPr lang="zh-CN" altLang="zh-CN" sz="1600" i="1" kern="100">
                                       <a:effectLst/>
-                                      <a:latin typeface="Cambria Math" charset="0"/>
+                                      <a:latin typeface="Cambria Math" panose="02040503050406030204" pitchFamily="18" charset="0"/>
                                       <a:ea typeface="Times New Roman" charset="0"/>
                                       <a:cs typeface="Times New Roman" charset="0"/>
                                     </a:rPr>
@@ -26615,7 +26022,7 @@
                           <m:ctrlPr>
                             <a:rPr lang="zh-CN" altLang="zh-CN" sz="1600" i="1" kern="100">
                               <a:effectLst/>
-                              <a:latin typeface="Cambria Math" charset="0"/>
+                              <a:latin typeface="Cambria Math" panose="02040503050406030204" pitchFamily="18" charset="0"/>
                               <a:ea typeface="Times New Roman" charset="0"/>
                               <a:cs typeface="Times New Roman" charset="0"/>
                             </a:rPr>
@@ -26647,7 +26054,7 @@
                           <m:ctrlPr>
                             <a:rPr lang="zh-CN" altLang="zh-CN" sz="1600" i="1" kern="100">
                               <a:effectLst/>
-                              <a:latin typeface="Cambria Math" charset="0"/>
+                              <a:latin typeface="Cambria Math" panose="02040503050406030204" pitchFamily="18" charset="0"/>
                               <a:ea typeface="Times New Roman" charset="0"/>
                               <a:cs typeface="Times New Roman" charset="0"/>
                             </a:rPr>
@@ -26661,7 +26068,7 @@
                               <m:ctrlPr>
                                 <a:rPr lang="zh-CN" altLang="zh-CN" sz="1600" i="1" kern="100">
                                   <a:effectLst/>
-                                  <a:latin typeface="Cambria Math" charset="0"/>
+                                  <a:latin typeface="Cambria Math" panose="02040503050406030204" pitchFamily="18" charset="0"/>
                                   <a:ea typeface="Times New Roman" charset="0"/>
                                   <a:cs typeface="Times New Roman" charset="0"/>
                                 </a:rPr>
@@ -26673,7 +26080,7 @@
                                   <m:ctrlPr>
                                     <a:rPr lang="zh-CN" altLang="zh-CN" sz="1600" i="1" kern="100">
                                       <a:effectLst/>
-                                      <a:latin typeface="Cambria Math" charset="0"/>
+                                      <a:latin typeface="Cambria Math" panose="02040503050406030204" pitchFamily="18" charset="0"/>
                                       <a:ea typeface="Times New Roman" charset="0"/>
                                       <a:cs typeface="Times New Roman" charset="0"/>
                                     </a:rPr>
@@ -26725,7 +26132,7 @@
                     </m:oMath>
                   </m:oMathPara>
                 </a14:m>
-                <a:endParaRPr lang="en-US" altLang="zh-CN" sz="1600" kern="100" dirty="0" smtClean="0">
+                <a:endParaRPr lang="en-US" altLang="zh-CN" sz="1600" kern="100" dirty="0">
                   <a:latin typeface="Times New Roman" charset="0"/>
                   <a:ea typeface="Times New Roman" charset="0"/>
                   <a:cs typeface="Times New Roman" charset="0"/>
@@ -26754,7 +26161,7 @@
                         <m:ctrlPr>
                           <a:rPr lang="zh-CN" altLang="zh-CN" sz="1600" i="1" kern="100">
                             <a:effectLst/>
-                            <a:latin typeface="Cambria Math" charset="0"/>
+                            <a:latin typeface="Cambria Math" panose="02040503050406030204" pitchFamily="18" charset="0"/>
                             <a:ea typeface="Times New Roman" charset="0"/>
                             <a:cs typeface="Times New Roman" charset="0"/>
                           </a:rPr>
@@ -26826,7 +26233,7 @@
                         <m:ctrlPr>
                           <a:rPr lang="zh-CN" altLang="zh-CN" sz="1600" i="1" kern="100">
                             <a:effectLst/>
-                            <a:latin typeface="Cambria Math" charset="0"/>
+                            <a:latin typeface="Cambria Math" panose="02040503050406030204" pitchFamily="18" charset="0"/>
                             <a:ea typeface="Times New Roman" charset="0"/>
                             <a:cs typeface="Times New Roman" charset="0"/>
                           </a:rPr>
@@ -26898,7 +26305,7 @@
                         <m:ctrlPr>
                           <a:rPr lang="zh-CN" altLang="zh-CN" sz="1600" i="1" kern="100">
                             <a:effectLst/>
-                            <a:latin typeface="Cambria Math" charset="0"/>
+                            <a:latin typeface="Cambria Math" panose="02040503050406030204" pitchFamily="18" charset="0"/>
                             <a:ea typeface="Times New Roman" charset="0"/>
                             <a:cs typeface="Times New Roman" charset="0"/>
                           </a:rPr>
@@ -26938,7 +26345,7 @@
                         <m:ctrlPr>
                           <a:rPr lang="zh-CN" altLang="zh-CN" sz="1600" i="1" kern="100">
                             <a:effectLst/>
-                            <a:latin typeface="Cambria Math" charset="0"/>
+                            <a:latin typeface="Cambria Math" panose="02040503050406030204" pitchFamily="18" charset="0"/>
                             <a:ea typeface="Times New Roman" charset="0"/>
                             <a:cs typeface="Times New Roman" charset="0"/>
                           </a:rPr>
@@ -26990,7 +26397,7 @@
                         <m:ctrlPr>
                           <a:rPr lang="zh-CN" altLang="zh-CN" sz="1600" i="1" kern="100">
                             <a:effectLst/>
-                            <a:latin typeface="Cambria Math" charset="0"/>
+                            <a:latin typeface="Cambria Math" panose="02040503050406030204" pitchFamily="18" charset="0"/>
                             <a:ea typeface="Times New Roman" charset="0"/>
                             <a:cs typeface="Times New Roman" charset="0"/>
                           </a:rPr>
@@ -27030,7 +26437,7 @@
                         <m:ctrlPr>
                           <a:rPr lang="zh-CN" altLang="zh-CN" sz="1600" i="1" kern="100">
                             <a:effectLst/>
-                            <a:latin typeface="Cambria Math" charset="0"/>
+                            <a:latin typeface="Cambria Math" panose="02040503050406030204" pitchFamily="18" charset="0"/>
                             <a:ea typeface="Times New Roman" charset="0"/>
                             <a:cs typeface="Times New Roman" charset="0"/>
                           </a:rPr>
@@ -27109,7 +26516,7 @@
                           <m:ctrlPr>
                             <a:rPr lang="zh-CN" altLang="zh-CN" sz="1600" i="1" kern="100">
                               <a:effectLst/>
-                              <a:latin typeface="Cambria Math" charset="0"/>
+                              <a:latin typeface="Cambria Math" panose="02040503050406030204" pitchFamily="18" charset="0"/>
                               <a:ea typeface="Times New Roman" charset="0"/>
                               <a:cs typeface="Times New Roman" charset="0"/>
                             </a:rPr>
@@ -27144,7 +26551,7 @@
                           <m:ctrlPr>
                             <a:rPr lang="zh-CN" altLang="zh-CN" sz="1600" i="1" kern="100">
                               <a:effectLst/>
-                              <a:latin typeface="Cambria Math" charset="0"/>
+                              <a:latin typeface="Cambria Math" panose="02040503050406030204" pitchFamily="18" charset="0"/>
                               <a:ea typeface="Times New Roman" charset="0"/>
                               <a:cs typeface="Times New Roman" charset="0"/>
                             </a:rPr>
@@ -27176,7 +26583,7 @@
                           <m:ctrlPr>
                             <a:rPr lang="zh-CN" altLang="zh-CN" sz="1600" i="1" kern="100">
                               <a:effectLst/>
-                              <a:latin typeface="Cambria Math" charset="0"/>
+                              <a:latin typeface="Cambria Math" panose="02040503050406030204" pitchFamily="18" charset="0"/>
                               <a:ea typeface="Times New Roman" charset="0"/>
                               <a:cs typeface="Times New Roman" charset="0"/>
                             </a:rPr>
@@ -27190,7 +26597,7 @@
                               <m:ctrlPr>
                                 <a:rPr lang="zh-CN" altLang="zh-CN" sz="1600" i="1" kern="100">
                                   <a:effectLst/>
-                                  <a:latin typeface="Cambria Math" charset="0"/>
+                                  <a:latin typeface="Cambria Math" panose="02040503050406030204" pitchFamily="18" charset="0"/>
                                   <a:ea typeface="Times New Roman" charset="0"/>
                                   <a:cs typeface="Times New Roman" charset="0"/>
                                 </a:rPr>
@@ -27258,7 +26665,7 @@
                           <m:ctrlPr>
                             <a:rPr lang="zh-CN" altLang="zh-CN" sz="1600" i="1" kern="100">
                               <a:effectLst/>
-                              <a:latin typeface="Cambria Math" charset="0"/>
+                              <a:latin typeface="Cambria Math" panose="02040503050406030204" pitchFamily="18" charset="0"/>
                               <a:ea typeface="Times New Roman" charset="0"/>
                               <a:cs typeface="Times New Roman" charset="0"/>
                             </a:rPr>
@@ -27290,7 +26697,7 @@
                           <m:ctrlPr>
                             <a:rPr lang="zh-CN" altLang="zh-CN" sz="1600" i="1" kern="100">
                               <a:effectLst/>
-                              <a:latin typeface="Cambria Math" charset="0"/>
+                              <a:latin typeface="Cambria Math" panose="02040503050406030204" pitchFamily="18" charset="0"/>
                               <a:ea typeface="Times New Roman" charset="0"/>
                               <a:cs typeface="Times New Roman" charset="0"/>
                             </a:rPr>
@@ -27304,7 +26711,7 @@
                               <m:ctrlPr>
                                 <a:rPr lang="zh-CN" altLang="zh-CN" sz="1600" i="1" kern="100">
                                   <a:effectLst/>
-                                  <a:latin typeface="Cambria Math" charset="0"/>
+                                  <a:latin typeface="Cambria Math" panose="02040503050406030204" pitchFamily="18" charset="0"/>
                                   <a:ea typeface="Times New Roman" charset="0"/>
                                   <a:cs typeface="Times New Roman" charset="0"/>
                                 </a:rPr>
@@ -27316,7 +26723,7 @@
                                   <m:ctrlPr>
                                     <a:rPr lang="zh-CN" altLang="zh-CN" sz="1600" i="1" kern="100">
                                       <a:effectLst/>
-                                      <a:latin typeface="Cambria Math" charset="0"/>
+                                      <a:latin typeface="Cambria Math" panose="02040503050406030204" pitchFamily="18" charset="0"/>
                                       <a:ea typeface="Times New Roman" charset="0"/>
                                       <a:cs typeface="Times New Roman" charset="0"/>
                                     </a:rPr>
@@ -27370,7 +26777,7 @@
                           <m:ctrlPr>
                             <a:rPr lang="zh-CN" altLang="zh-CN" sz="1600" i="1" kern="100">
                               <a:effectLst/>
-                              <a:latin typeface="Cambria Math" charset="0"/>
+                              <a:latin typeface="Cambria Math" panose="02040503050406030204" pitchFamily="18" charset="0"/>
                               <a:ea typeface="Times New Roman" charset="0"/>
                               <a:cs typeface="Times New Roman" charset="0"/>
                             </a:rPr>
@@ -27402,7 +26809,7 @@
                           <m:ctrlPr>
                             <a:rPr lang="zh-CN" altLang="zh-CN" sz="1600" i="1" kern="100">
                               <a:effectLst/>
-                              <a:latin typeface="Cambria Math" charset="0"/>
+                              <a:latin typeface="Cambria Math" panose="02040503050406030204" pitchFamily="18" charset="0"/>
                               <a:ea typeface="Times New Roman" charset="0"/>
                               <a:cs typeface="Times New Roman" charset="0"/>
                             </a:rPr>
@@ -27416,7 +26823,7 @@
                               <m:ctrlPr>
                                 <a:rPr lang="zh-CN" altLang="zh-CN" sz="1600" i="1" kern="100">
                                   <a:effectLst/>
-                                  <a:latin typeface="Cambria Math" charset="0"/>
+                                  <a:latin typeface="Cambria Math" panose="02040503050406030204" pitchFamily="18" charset="0"/>
                                   <a:ea typeface="Times New Roman" charset="0"/>
                                   <a:cs typeface="Times New Roman" charset="0"/>
                                 </a:rPr>
@@ -27428,7 +26835,7 @@
                                   <m:ctrlPr>
                                     <a:rPr lang="zh-CN" altLang="zh-CN" sz="1600" i="1" kern="100">
                                       <a:effectLst/>
-                                      <a:latin typeface="Cambria Math" charset="0"/>
+                                      <a:latin typeface="Cambria Math" panose="02040503050406030204" pitchFamily="18" charset="0"/>
                                       <a:ea typeface="Times New Roman" charset="0"/>
                                       <a:cs typeface="Times New Roman" charset="0"/>
                                     </a:rPr>
@@ -27525,7 +26932,7 @@
                           <m:ctrlPr>
                             <a:rPr lang="zh-CN" altLang="zh-CN" sz="1600" i="1" kern="100">
                               <a:effectLst/>
-                              <a:latin typeface="Cambria Math" charset="0"/>
+                              <a:latin typeface="Cambria Math" panose="02040503050406030204" pitchFamily="18" charset="0"/>
                               <a:ea typeface="Times New Roman" charset="0"/>
                               <a:cs typeface="Times New Roman" charset="0"/>
                             </a:rPr>
@@ -27537,7 +26944,7 @@
                               <m:ctrlPr>
                                 <a:rPr lang="zh-CN" altLang="zh-CN" sz="1600" i="1" kern="100">
                                   <a:effectLst/>
-                                  <a:latin typeface="Cambria Math" charset="0"/>
+                                  <a:latin typeface="Cambria Math" panose="02040503050406030204" pitchFamily="18" charset="0"/>
                                   <a:ea typeface="Times New Roman" charset="0"/>
                                   <a:cs typeface="Times New Roman" charset="0"/>
                                 </a:rPr>
@@ -27549,7 +26956,7 @@
                                   <m:ctrlPr>
                                     <a:rPr lang="zh-CN" altLang="zh-CN" sz="1600" i="1" kern="100">
                                       <a:effectLst/>
-                                      <a:latin typeface="Cambria Math" charset="0"/>
+                                      <a:latin typeface="Cambria Math" panose="02040503050406030204" pitchFamily="18" charset="0"/>
                                       <a:ea typeface="Times New Roman" charset="0"/>
                                       <a:cs typeface="Times New Roman" charset="0"/>
                                     </a:rPr>
@@ -27589,7 +26996,7 @@
                                   <m:ctrlPr>
                                     <a:rPr lang="zh-CN" altLang="zh-CN" sz="1600" i="1" kern="100">
                                       <a:effectLst/>
-                                      <a:latin typeface="Cambria Math" charset="0"/>
+                                      <a:latin typeface="Cambria Math" panose="02040503050406030204" pitchFamily="18" charset="0"/>
                                       <a:ea typeface="Times New Roman" charset="0"/>
                                       <a:cs typeface="Times New Roman" charset="0"/>
                                     </a:rPr>
@@ -27631,7 +27038,7 @@
                                   <m:ctrlPr>
                                     <a:rPr lang="zh-CN" altLang="zh-CN" sz="1600" i="1" kern="100">
                                       <a:effectLst/>
-                                      <a:latin typeface="Cambria Math" charset="0"/>
+                                      <a:latin typeface="Cambria Math" panose="02040503050406030204" pitchFamily="18" charset="0"/>
                                       <a:ea typeface="Times New Roman" charset="0"/>
                                       <a:cs typeface="Times New Roman" charset="0"/>
                                     </a:rPr>
@@ -27671,7 +27078,7 @@
                                   <m:ctrlPr>
                                     <a:rPr lang="zh-CN" altLang="zh-CN" sz="1600" i="1" kern="100">
                                       <a:effectLst/>
-                                      <a:latin typeface="Cambria Math" charset="0"/>
+                                      <a:latin typeface="Cambria Math" panose="02040503050406030204" pitchFamily="18" charset="0"/>
                                       <a:ea typeface="Times New Roman" charset="0"/>
                                       <a:cs typeface="Times New Roman" charset="0"/>
                                     </a:rPr>
@@ -27779,13 +27186,6 @@
   <p:clrMapOvr>
     <a:masterClrMapping/>
   </p:clrMapOvr>
-  <p:timing>
-    <p:tnLst>
-      <p:par>
-        <p:cTn id="1" dur="indefinite" restart="never" nodeType="tmRoot"/>
-      </p:par>
-    </p:tnLst>
-  </p:timing>
 </p:sld>
 </file>
 
@@ -27828,20 +27228,12 @@
           <a:lstStyle/>
           <a:p>
             <a:r>
-              <a:rPr lang="en-US" altLang="zh-CN" sz="2400" b="1" dirty="0" smtClean="0">
-                <a:latin typeface="Times New Roman" charset="0"/>
-                <a:ea typeface="Times New Roman" charset="0"/>
-                <a:cs typeface="Times New Roman" charset="0"/>
-              </a:rPr>
-              <a:t>The L1-TC Filter</a:t>
-            </a:r>
-            <a:r>
               <a:rPr lang="en-US" altLang="zh-CN" sz="2400" b="1" dirty="0">
                 <a:latin typeface="Times New Roman" charset="0"/>
                 <a:ea typeface="Times New Roman" charset="0"/>
                 <a:cs typeface="Times New Roman" charset="0"/>
               </a:rPr>
-              <a:t> </a:t>
+              <a:t>The L1-TC Filter </a:t>
             </a:r>
             <a:endParaRPr lang="zh-CN" altLang="en-US" sz="2400" b="1" dirty="0">
               <a:latin typeface="Times New Roman" charset="0"/>
@@ -27940,7 +27332,7 @@
                         <m:ctrlPr>
                           <a:rPr lang="zh-CN" altLang="zh-CN" sz="1600" i="1" kern="100">
                             <a:effectLst/>
-                            <a:latin typeface="Cambria Math" charset="0"/>
+                            <a:latin typeface="Cambria Math" panose="02040503050406030204" pitchFamily="18" charset="0"/>
                             <a:ea typeface="Times New Roman" charset="0"/>
                             <a:cs typeface="Times New Roman" charset="0"/>
                           </a:rPr>
@@ -27988,7 +27380,7 @@
                         <m:ctrlPr>
                           <a:rPr lang="zh-CN" altLang="zh-CN" sz="1600" i="1" kern="100">
                             <a:effectLst/>
-                            <a:latin typeface="Cambria Math" charset="0"/>
+                            <a:latin typeface="Cambria Math" panose="02040503050406030204" pitchFamily="18" charset="0"/>
                             <a:ea typeface="Times New Roman" charset="0"/>
                             <a:cs typeface="Times New Roman" charset="0"/>
                           </a:rPr>
@@ -28044,7 +27436,7 @@
                         <m:ctrlPr>
                           <a:rPr lang="zh-CN" altLang="zh-CN" sz="1600" i="1" kern="100">
                             <a:effectLst/>
-                            <a:latin typeface="Cambria Math" charset="0"/>
+                            <a:latin typeface="Cambria Math" panose="02040503050406030204" pitchFamily="18" charset="0"/>
                             <a:ea typeface="Times New Roman" charset="0"/>
                             <a:cs typeface="Times New Roman" charset="0"/>
                           </a:rPr>
@@ -28092,7 +27484,7 @@
                         <m:ctrlPr>
                           <a:rPr lang="zh-CN" altLang="zh-CN" sz="1600" i="1" kern="100">
                             <a:effectLst/>
-                            <a:latin typeface="Cambria Math" charset="0"/>
+                            <a:latin typeface="Cambria Math" panose="02040503050406030204" pitchFamily="18" charset="0"/>
                             <a:ea typeface="Times New Roman" charset="0"/>
                             <a:cs typeface="Times New Roman" charset="0"/>
                           </a:rPr>
@@ -28130,7 +27522,7 @@
                   </m:oMath>
                 </a14:m>
                 <a:r>
-                  <a:rPr lang="en-US" altLang="zh-CN" sz="1600" kern="100" dirty="0" smtClean="0">
+                  <a:rPr lang="en-US" altLang="zh-CN" sz="1600" kern="100" dirty="0">
                     <a:latin typeface="Times New Roman" charset="0"/>
                     <a:ea typeface="Times New Roman" charset="0"/>
                     <a:cs typeface="Times New Roman" charset="0"/>
@@ -28166,7 +27558,7 @@
                           <m:ctrlPr>
                             <a:rPr lang="zh-CN" altLang="zh-CN" sz="1600" i="1" kern="100">
                               <a:effectLst/>
-                              <a:latin typeface="Cambria Math" charset="0"/>
+                              <a:latin typeface="Cambria Math" panose="02040503050406030204" pitchFamily="18" charset="0"/>
                               <a:ea typeface="Times New Roman" charset="0"/>
                               <a:cs typeface="Times New Roman" charset="0"/>
                             </a:rPr>
@@ -28194,7 +27586,7 @@
                               <m:ctrlPr>
                                 <a:rPr lang="zh-CN" altLang="zh-CN" sz="1600" i="1" kern="100">
                                   <a:effectLst/>
-                                  <a:latin typeface="Cambria Math" charset="0"/>
+                                  <a:latin typeface="Cambria Math" panose="02040503050406030204" pitchFamily="18" charset="0"/>
                                   <a:ea typeface="Times New Roman" charset="0"/>
                                   <a:cs typeface="Times New Roman" charset="0"/>
                                 </a:rPr>
@@ -28234,7 +27626,7 @@
                               <m:ctrlPr>
                                 <a:rPr lang="zh-CN" altLang="zh-CN" sz="1600" i="1" kern="100">
                                   <a:effectLst/>
-                                  <a:latin typeface="Cambria Math" charset="0"/>
+                                  <a:latin typeface="Cambria Math" panose="02040503050406030204" pitchFamily="18" charset="0"/>
                                   <a:ea typeface="Times New Roman" charset="0"/>
                                   <a:cs typeface="Times New Roman" charset="0"/>
                                 </a:rPr>
@@ -28274,7 +27666,7 @@
                               <m:ctrlPr>
                                 <a:rPr lang="zh-CN" altLang="zh-CN" sz="1600" i="1" kern="100">
                                   <a:effectLst/>
-                                  <a:latin typeface="Cambria Math" charset="0"/>
+                                  <a:latin typeface="Cambria Math" panose="02040503050406030204" pitchFamily="18" charset="0"/>
                                   <a:ea typeface="Times New Roman" charset="0"/>
                                   <a:cs typeface="Times New Roman" charset="0"/>
                                 </a:rPr>
@@ -28314,7 +27706,7 @@
                               <m:ctrlPr>
                                 <a:rPr lang="zh-CN" altLang="zh-CN" sz="1600" i="1" kern="100">
                                   <a:effectLst/>
-                                  <a:latin typeface="Cambria Math" charset="0"/>
+                                  <a:latin typeface="Cambria Math" panose="02040503050406030204" pitchFamily="18" charset="0"/>
                                   <a:ea typeface="Times New Roman" charset="0"/>
                                   <a:cs typeface="Times New Roman" charset="0"/>
                                 </a:rPr>
@@ -28356,7 +27748,7 @@
                           <m:ctrlPr>
                             <a:rPr lang="zh-CN" altLang="zh-CN" sz="1600" i="1" kern="100">
                               <a:effectLst/>
-                              <a:latin typeface="Cambria Math" charset="0"/>
+                              <a:latin typeface="Cambria Math" panose="02040503050406030204" pitchFamily="18" charset="0"/>
                               <a:ea typeface="Times New Roman" charset="0"/>
                               <a:cs typeface="Times New Roman" charset="0"/>
                             </a:rPr>
@@ -28388,7 +27780,7 @@
                           <m:ctrlPr>
                             <a:rPr lang="zh-CN" altLang="zh-CN" sz="1600" i="1" kern="100">
                               <a:effectLst/>
-                              <a:latin typeface="Cambria Math" charset="0"/>
+                              <a:latin typeface="Cambria Math" panose="02040503050406030204" pitchFamily="18" charset="0"/>
                               <a:ea typeface="Times New Roman" charset="0"/>
                               <a:cs typeface="Times New Roman" charset="0"/>
                             </a:rPr>
@@ -28402,7 +27794,7 @@
                               <m:ctrlPr>
                                 <a:rPr lang="zh-CN" altLang="zh-CN" sz="1600" i="1" kern="100">
                                   <a:effectLst/>
-                                  <a:latin typeface="Cambria Math" charset="0"/>
+                                  <a:latin typeface="Cambria Math" panose="02040503050406030204" pitchFamily="18" charset="0"/>
                                   <a:ea typeface="Times New Roman" charset="0"/>
                                   <a:cs typeface="Times New Roman" charset="0"/>
                                 </a:rPr>
@@ -28470,7 +27862,7 @@
                           <m:ctrlPr>
                             <a:rPr lang="zh-CN" altLang="zh-CN" sz="1600" i="1" kern="100">
                               <a:effectLst/>
-                              <a:latin typeface="Cambria Math" charset="0"/>
+                              <a:latin typeface="Cambria Math" panose="02040503050406030204" pitchFamily="18" charset="0"/>
                               <a:ea typeface="Times New Roman" charset="0"/>
                               <a:cs typeface="Times New Roman" charset="0"/>
                             </a:rPr>
@@ -28502,7 +27894,7 @@
                           <m:ctrlPr>
                             <a:rPr lang="zh-CN" altLang="zh-CN" sz="1600" i="1" kern="100">
                               <a:effectLst/>
-                              <a:latin typeface="Cambria Math" charset="0"/>
+                              <a:latin typeface="Cambria Math" panose="02040503050406030204" pitchFamily="18" charset="0"/>
                               <a:ea typeface="Times New Roman" charset="0"/>
                               <a:cs typeface="Times New Roman" charset="0"/>
                             </a:rPr>
@@ -28516,7 +27908,7 @@
                               <m:ctrlPr>
                                 <a:rPr lang="zh-CN" altLang="zh-CN" sz="1600" i="1" kern="100">
                                   <a:effectLst/>
-                                  <a:latin typeface="Cambria Math" charset="0"/>
+                                  <a:latin typeface="Cambria Math" panose="02040503050406030204" pitchFamily="18" charset="0"/>
                                   <a:ea typeface="Times New Roman" charset="0"/>
                                   <a:cs typeface="Times New Roman" charset="0"/>
                                 </a:rPr>
@@ -28528,7 +27920,7 @@
                                   <m:ctrlPr>
                                     <a:rPr lang="zh-CN" altLang="zh-CN" sz="1600" i="1" kern="100">
                                       <a:effectLst/>
-                                      <a:latin typeface="Cambria Math" charset="0"/>
+                                      <a:latin typeface="Cambria Math" panose="02040503050406030204" pitchFamily="18" charset="0"/>
                                       <a:ea typeface="Times New Roman" charset="0"/>
                                       <a:cs typeface="Times New Roman" charset="0"/>
                                     </a:rPr>
@@ -28582,7 +27974,7 @@
                           <m:ctrlPr>
                             <a:rPr lang="zh-CN" altLang="zh-CN" sz="1600" i="1" kern="100">
                               <a:effectLst/>
-                              <a:latin typeface="Cambria Math" charset="0"/>
+                              <a:latin typeface="Cambria Math" panose="02040503050406030204" pitchFamily="18" charset="0"/>
                               <a:ea typeface="Times New Roman" charset="0"/>
                               <a:cs typeface="Times New Roman" charset="0"/>
                             </a:rPr>
@@ -28614,7 +28006,7 @@
                           <m:ctrlPr>
                             <a:rPr lang="zh-CN" altLang="zh-CN" sz="1600" i="1" kern="100">
                               <a:effectLst/>
-                              <a:latin typeface="Cambria Math" charset="0"/>
+                              <a:latin typeface="Cambria Math" panose="02040503050406030204" pitchFamily="18" charset="0"/>
                               <a:ea typeface="Times New Roman" charset="0"/>
                               <a:cs typeface="Times New Roman" charset="0"/>
                             </a:rPr>
@@ -28628,7 +28020,7 @@
                               <m:ctrlPr>
                                 <a:rPr lang="zh-CN" altLang="zh-CN" sz="1600" i="1" kern="100">
                                   <a:effectLst/>
-                                  <a:latin typeface="Cambria Math" charset="0"/>
+                                  <a:latin typeface="Cambria Math" panose="02040503050406030204" pitchFamily="18" charset="0"/>
                                   <a:ea typeface="Times New Roman" charset="0"/>
                                   <a:cs typeface="Times New Roman" charset="0"/>
                                 </a:rPr>
@@ -28640,7 +28032,7 @@
                                   <m:ctrlPr>
                                     <a:rPr lang="zh-CN" altLang="zh-CN" sz="1600" i="1" kern="100">
                                       <a:effectLst/>
-                                      <a:latin typeface="Cambria Math" charset="0"/>
+                                      <a:latin typeface="Cambria Math" panose="02040503050406030204" pitchFamily="18" charset="0"/>
                                       <a:ea typeface="Times New Roman" charset="0"/>
                                       <a:cs typeface="Times New Roman" charset="0"/>
                                     </a:rPr>
@@ -28694,7 +28086,7 @@
                           <m:ctrlPr>
                             <a:rPr lang="zh-CN" altLang="zh-CN" sz="1600" i="1" kern="100">
                               <a:effectLst/>
-                              <a:latin typeface="Cambria Math" charset="0"/>
+                              <a:latin typeface="Cambria Math" panose="02040503050406030204" pitchFamily="18" charset="0"/>
                               <a:ea typeface="Times New Roman" charset="0"/>
                               <a:cs typeface="Times New Roman" charset="0"/>
                             </a:rPr>
@@ -28706,7 +28098,7 @@
                               <m:ctrlPr>
                                 <a:rPr lang="zh-CN" altLang="zh-CN" sz="1600" i="1" kern="100">
                                   <a:effectLst/>
-                                  <a:latin typeface="Cambria Math" charset="0"/>
+                                  <a:latin typeface="Cambria Math" panose="02040503050406030204" pitchFamily="18" charset="0"/>
                                   <a:ea typeface="Times New Roman" charset="0"/>
                                   <a:cs typeface="Times New Roman" charset="0"/>
                                 </a:rPr>
@@ -28750,7 +28142,7 @@
                           <m:ctrlPr>
                             <a:rPr lang="zh-CN" altLang="zh-CN" sz="1600" i="1" kern="100">
                               <a:effectLst/>
-                              <a:latin typeface="Cambria Math" charset="0"/>
+                              <a:latin typeface="Cambria Math" panose="02040503050406030204" pitchFamily="18" charset="0"/>
                               <a:ea typeface="Times New Roman" charset="0"/>
                               <a:cs typeface="Times New Roman" charset="0"/>
                             </a:rPr>
@@ -28762,7 +28154,7 @@
                               <m:ctrlPr>
                                 <a:rPr lang="zh-CN" altLang="zh-CN" sz="1600" i="1" kern="100">
                                   <a:effectLst/>
-                                  <a:latin typeface="Cambria Math" charset="0"/>
+                                  <a:latin typeface="Cambria Math" panose="02040503050406030204" pitchFamily="18" charset="0"/>
                                   <a:ea typeface="Times New Roman" charset="0"/>
                                   <a:cs typeface="Times New Roman" charset="0"/>
                                 </a:rPr>
@@ -28810,7 +28202,7 @@
                               <m:ctrlPr>
                                 <a:rPr lang="zh-CN" altLang="zh-CN" sz="1600" i="1" kern="100">
                                   <a:effectLst/>
-                                  <a:latin typeface="Cambria Math" charset="0"/>
+                                  <a:latin typeface="Cambria Math" panose="02040503050406030204" pitchFamily="18" charset="0"/>
                                   <a:ea typeface="Times New Roman" charset="0"/>
                                   <a:cs typeface="Times New Roman" charset="0"/>
                                 </a:rPr>
@@ -28852,7 +28244,7 @@
                           <m:ctrlPr>
                             <a:rPr lang="zh-CN" altLang="zh-CN" sz="1600" i="1" kern="100">
                               <a:effectLst/>
-                              <a:latin typeface="Cambria Math" charset="0"/>
+                              <a:latin typeface="Cambria Math" panose="02040503050406030204" pitchFamily="18" charset="0"/>
                               <a:ea typeface="Times New Roman" charset="0"/>
                               <a:cs typeface="Times New Roman" charset="0"/>
                             </a:rPr>
@@ -28864,7 +28256,7 @@
                               <m:ctrlPr>
                                 <a:rPr lang="zh-CN" altLang="zh-CN" sz="1600" i="1" kern="100">
                                   <a:effectLst/>
-                                  <a:latin typeface="Cambria Math" charset="0"/>
+                                  <a:latin typeface="Cambria Math" panose="02040503050406030204" pitchFamily="18" charset="0"/>
                                   <a:ea typeface="Times New Roman" charset="0"/>
                                   <a:cs typeface="Times New Roman" charset="0"/>
                                 </a:rPr>
@@ -28908,7 +28300,7 @@
                           <m:ctrlPr>
                             <a:rPr lang="zh-CN" altLang="zh-CN" sz="1600" i="1" kern="100">
                               <a:effectLst/>
-                              <a:latin typeface="Cambria Math" charset="0"/>
+                              <a:latin typeface="Cambria Math" panose="02040503050406030204" pitchFamily="18" charset="0"/>
                               <a:ea typeface="Times New Roman" charset="0"/>
                               <a:cs typeface="Times New Roman" charset="0"/>
                             </a:rPr>
@@ -28920,7 +28312,7 @@
                               <m:ctrlPr>
                                 <a:rPr lang="zh-CN" altLang="zh-CN" sz="1600" i="1" kern="100">
                                   <a:effectLst/>
-                                  <a:latin typeface="Cambria Math" charset="0"/>
+                                  <a:latin typeface="Cambria Math" panose="02040503050406030204" pitchFamily="18" charset="0"/>
                                   <a:ea typeface="Times New Roman" charset="0"/>
                                   <a:cs typeface="Times New Roman" charset="0"/>
                                 </a:rPr>
@@ -28968,7 +28360,7 @@
                               <m:ctrlPr>
                                 <a:rPr lang="zh-CN" altLang="zh-CN" sz="1600" i="1" kern="100">
                                   <a:effectLst/>
-                                  <a:latin typeface="Cambria Math" charset="0"/>
+                                  <a:latin typeface="Cambria Math" panose="02040503050406030204" pitchFamily="18" charset="0"/>
                                   <a:ea typeface="Times New Roman" charset="0"/>
                                   <a:cs typeface="Times New Roman" charset="0"/>
                                 </a:rPr>
@@ -29019,7 +28411,7 @@
                           <m:ctrlPr>
                             <a:rPr lang="zh-CN" altLang="zh-CN" sz="1600" i="1" kern="100">
                               <a:effectLst/>
-                              <a:latin typeface="Cambria Math" charset="0"/>
+                              <a:latin typeface="Cambria Math" panose="02040503050406030204" pitchFamily="18" charset="0"/>
                               <a:ea typeface="Times New Roman" charset="0"/>
                               <a:cs typeface="Times New Roman" charset="0"/>
                             </a:rPr>
@@ -29057,7 +28449,7 @@
                               <m:ctrlPr>
                                 <a:rPr lang="zh-CN" altLang="zh-CN" sz="1600" i="1" kern="100">
                                   <a:effectLst/>
-                                  <a:latin typeface="Cambria Math" charset="0"/>
+                                  <a:latin typeface="Cambria Math" panose="02040503050406030204" pitchFamily="18" charset="0"/>
                                   <a:ea typeface="Times New Roman" charset="0"/>
                                   <a:cs typeface="Times New Roman" charset="0"/>
                                 </a:rPr>
@@ -29097,7 +28489,7 @@
                               <m:ctrlPr>
                                 <a:rPr lang="zh-CN" altLang="zh-CN" sz="1600" i="1" kern="100">
                                   <a:effectLst/>
-                                  <a:latin typeface="Cambria Math" charset="0"/>
+                                  <a:latin typeface="Cambria Math" panose="02040503050406030204" pitchFamily="18" charset="0"/>
                                   <a:ea typeface="Times New Roman" charset="0"/>
                                   <a:cs typeface="Times New Roman" charset="0"/>
                                 </a:rPr>
@@ -29139,7 +28531,7 @@
                           <m:ctrlPr>
                             <a:rPr lang="zh-CN" altLang="zh-CN" sz="1600" i="1" kern="100">
                               <a:effectLst/>
-                              <a:latin typeface="Cambria Math" charset="0"/>
+                              <a:latin typeface="Cambria Math" panose="02040503050406030204" pitchFamily="18" charset="0"/>
                               <a:ea typeface="Times New Roman" charset="0"/>
                               <a:cs typeface="Times New Roman" charset="0"/>
                             </a:rPr>
@@ -29167,7 +28559,7 @@
                               <m:ctrlPr>
                                 <a:rPr lang="zh-CN" altLang="zh-CN" sz="1600" i="1" kern="100">
                                   <a:effectLst/>
-                                  <a:latin typeface="Cambria Math" charset="0"/>
+                                  <a:latin typeface="Cambria Math" panose="02040503050406030204" pitchFamily="18" charset="0"/>
                                   <a:ea typeface="Times New Roman" charset="0"/>
                                   <a:cs typeface="Times New Roman" charset="0"/>
                                 </a:rPr>
@@ -29207,7 +28599,7 @@
                               <m:ctrlPr>
                                 <a:rPr lang="zh-CN" altLang="zh-CN" sz="1600" i="1" kern="100">
                                   <a:effectLst/>
-                                  <a:latin typeface="Cambria Math" charset="0"/>
+                                  <a:latin typeface="Cambria Math" panose="02040503050406030204" pitchFamily="18" charset="0"/>
                                   <a:ea typeface="Times New Roman" charset="0"/>
                                   <a:cs typeface="Times New Roman" charset="0"/>
                                 </a:rPr>
@@ -29247,7 +28639,7 @@
                               <m:ctrlPr>
                                 <a:rPr lang="zh-CN" altLang="zh-CN" sz="1600" i="1" kern="100">
                                   <a:effectLst/>
-                                  <a:latin typeface="Cambria Math" charset="0"/>
+                                  <a:latin typeface="Cambria Math" panose="02040503050406030204" pitchFamily="18" charset="0"/>
                                   <a:ea typeface="Times New Roman" charset="0"/>
                                   <a:cs typeface="Times New Roman" charset="0"/>
                                 </a:rPr>
@@ -29287,7 +28679,7 @@
                               <m:ctrlPr>
                                 <a:rPr lang="zh-CN" altLang="zh-CN" sz="1600" i="1" kern="100">
                                   <a:effectLst/>
-                                  <a:latin typeface="Cambria Math" charset="0"/>
+                                  <a:latin typeface="Cambria Math" panose="02040503050406030204" pitchFamily="18" charset="0"/>
                                   <a:ea typeface="Times New Roman" charset="0"/>
                                   <a:cs typeface="Times New Roman" charset="0"/>
                                 </a:rPr>
@@ -29329,7 +28721,7 @@
                           <m:ctrlPr>
                             <a:rPr lang="zh-CN" altLang="zh-CN" sz="1600" i="1" kern="100">
                               <a:effectLst/>
-                              <a:latin typeface="Cambria Math" charset="0"/>
+                              <a:latin typeface="Cambria Math" panose="02040503050406030204" pitchFamily="18" charset="0"/>
                               <a:ea typeface="Times New Roman" charset="0"/>
                               <a:cs typeface="Times New Roman" charset="0"/>
                             </a:rPr>
@@ -29361,7 +28753,7 @@
                           <m:ctrlPr>
                             <a:rPr lang="zh-CN" altLang="zh-CN" sz="1600" i="1" kern="100">
                               <a:effectLst/>
-                              <a:latin typeface="Cambria Math" charset="0"/>
+                              <a:latin typeface="Cambria Math" panose="02040503050406030204" pitchFamily="18" charset="0"/>
                               <a:ea typeface="Times New Roman" charset="0"/>
                               <a:cs typeface="Times New Roman" charset="0"/>
                             </a:rPr>
@@ -29375,7 +28767,7 @@
                               <m:ctrlPr>
                                 <a:rPr lang="zh-CN" altLang="zh-CN" sz="1600" i="1" kern="100">
                                   <a:effectLst/>
-                                  <a:latin typeface="Cambria Math" charset="0"/>
+                                  <a:latin typeface="Cambria Math" panose="02040503050406030204" pitchFamily="18" charset="0"/>
                                   <a:ea typeface="Times New Roman" charset="0"/>
                                   <a:cs typeface="Times New Roman" charset="0"/>
                                 </a:rPr>
@@ -29387,7 +28779,7 @@
                                   <m:ctrlPr>
                                     <a:rPr lang="zh-CN" altLang="zh-CN" sz="1600" i="1" kern="100">
                                       <a:effectLst/>
-                                      <a:latin typeface="Cambria Math" charset="0"/>
+                                      <a:latin typeface="Cambria Math" panose="02040503050406030204" pitchFamily="18" charset="0"/>
                                       <a:ea typeface="Times New Roman" charset="0"/>
                                       <a:cs typeface="Times New Roman" charset="0"/>
                                     </a:rPr>
@@ -29399,7 +28791,7 @@
                                       <m:ctrlPr>
                                         <a:rPr lang="zh-CN" altLang="zh-CN" sz="1600" i="1" kern="100">
                                           <a:effectLst/>
-                                          <a:latin typeface="Cambria Math" charset="0"/>
+                                          <a:latin typeface="Cambria Math" panose="02040503050406030204" pitchFamily="18" charset="0"/>
                                           <a:ea typeface="Times New Roman" charset="0"/>
                                           <a:cs typeface="Times New Roman" charset="0"/>
                                         </a:rPr>
@@ -29443,7 +28835,7 @@
                                   <m:ctrlPr>
                                     <a:rPr lang="zh-CN" altLang="zh-CN" sz="1600" i="1" kern="100">
                                       <a:effectLst/>
-                                      <a:latin typeface="Cambria Math" charset="0"/>
+                                      <a:latin typeface="Cambria Math" panose="02040503050406030204" pitchFamily="18" charset="0"/>
                                       <a:ea typeface="Times New Roman" charset="0"/>
                                       <a:cs typeface="Times New Roman" charset="0"/>
                                     </a:rPr>
@@ -29483,7 +28875,7 @@
                                   <m:ctrlPr>
                                     <a:rPr lang="zh-CN" altLang="zh-CN" sz="1600" i="1" kern="100">
                                       <a:effectLst/>
-                                      <a:latin typeface="Cambria Math" charset="0"/>
+                                      <a:latin typeface="Cambria Math" panose="02040503050406030204" pitchFamily="18" charset="0"/>
                                       <a:ea typeface="Times New Roman" charset="0"/>
                                       <a:cs typeface="Times New Roman" charset="0"/>
                                     </a:rPr>
@@ -29495,7 +28887,7 @@
                                       <m:ctrlPr>
                                         <a:rPr lang="zh-CN" altLang="zh-CN" sz="1600" i="1" kern="100">
                                           <a:effectLst/>
-                                          <a:latin typeface="Cambria Math" charset="0"/>
+                                          <a:latin typeface="Cambria Math" panose="02040503050406030204" pitchFamily="18" charset="0"/>
                                           <a:ea typeface="Times New Roman" charset="0"/>
                                           <a:cs typeface="Times New Roman" charset="0"/>
                                         </a:rPr>
@@ -29539,7 +28931,7 @@
                                   <m:ctrlPr>
                                     <a:rPr lang="zh-CN" altLang="zh-CN" sz="1600" i="1" kern="100">
                                       <a:effectLst/>
-                                      <a:latin typeface="Cambria Math" charset="0"/>
+                                      <a:latin typeface="Cambria Math" panose="02040503050406030204" pitchFamily="18" charset="0"/>
                                       <a:ea typeface="Times New Roman" charset="0"/>
                                       <a:cs typeface="Times New Roman" charset="0"/>
                                     </a:rPr>
@@ -29603,7 +28995,7 @@
                           <m:ctrlPr>
                             <a:rPr lang="zh-CN" altLang="zh-CN" sz="1600" i="1" kern="100">
                               <a:effectLst/>
-                              <a:latin typeface="Cambria Math" charset="0"/>
+                              <a:latin typeface="Cambria Math" panose="02040503050406030204" pitchFamily="18" charset="0"/>
                               <a:ea typeface="Times New Roman" charset="0"/>
                               <a:cs typeface="Times New Roman" charset="0"/>
                             </a:rPr>
@@ -29643,7 +29035,7 @@
                           <m:ctrlPr>
                             <a:rPr lang="zh-CN" altLang="zh-CN" sz="1600" i="1" kern="100">
                               <a:effectLst/>
-                              <a:latin typeface="Cambria Math" charset="0"/>
+                              <a:latin typeface="Cambria Math" panose="02040503050406030204" pitchFamily="18" charset="0"/>
                               <a:ea typeface="Times New Roman" charset="0"/>
                               <a:cs typeface="Times New Roman" charset="0"/>
                             </a:rPr>
@@ -29655,7 +29047,7 @@
                               <m:ctrlPr>
                                 <a:rPr lang="zh-CN" altLang="zh-CN" sz="1600" i="1" kern="100">
                                   <a:effectLst/>
-                                  <a:latin typeface="Cambria Math" charset="0"/>
+                                  <a:latin typeface="Cambria Math" panose="02040503050406030204" pitchFamily="18" charset="0"/>
                                   <a:ea typeface="Times New Roman" charset="0"/>
                                   <a:cs typeface="Times New Roman" charset="0"/>
                                 </a:rPr>
@@ -29699,7 +29091,7 @@
                           <m:ctrlPr>
                             <a:rPr lang="zh-CN" altLang="zh-CN" sz="1600" i="1" kern="100">
                               <a:effectLst/>
-                              <a:latin typeface="Cambria Math" charset="0"/>
+                              <a:latin typeface="Cambria Math" panose="02040503050406030204" pitchFamily="18" charset="0"/>
                               <a:ea typeface="Times New Roman" charset="0"/>
                               <a:cs typeface="Times New Roman" charset="0"/>
                             </a:rPr>
@@ -29739,7 +29131,7 @@
                           <m:ctrlPr>
                             <a:rPr lang="zh-CN" altLang="zh-CN" sz="1600" i="1" kern="100">
                               <a:effectLst/>
-                              <a:latin typeface="Cambria Math" charset="0"/>
+                              <a:latin typeface="Cambria Math" panose="02040503050406030204" pitchFamily="18" charset="0"/>
                               <a:ea typeface="Times New Roman" charset="0"/>
                               <a:cs typeface="Times New Roman" charset="0"/>
                             </a:rPr>
@@ -29751,7 +29143,7 @@
                               <m:ctrlPr>
                                 <a:rPr lang="zh-CN" altLang="zh-CN" sz="1600" i="1" kern="100">
                                   <a:effectLst/>
-                                  <a:latin typeface="Cambria Math" charset="0"/>
+                                  <a:latin typeface="Cambria Math" panose="02040503050406030204" pitchFamily="18" charset="0"/>
                                   <a:ea typeface="Times New Roman" charset="0"/>
                                   <a:cs typeface="Times New Roman" charset="0"/>
                                 </a:rPr>
@@ -29795,7 +29187,7 @@
                           <m:ctrlPr>
                             <a:rPr lang="zh-CN" altLang="zh-CN" sz="1600" i="1" kern="100">
                               <a:effectLst/>
-                              <a:latin typeface="Cambria Math" charset="0"/>
+                              <a:latin typeface="Cambria Math" panose="02040503050406030204" pitchFamily="18" charset="0"/>
                               <a:ea typeface="Times New Roman" charset="0"/>
                               <a:cs typeface="Times New Roman" charset="0"/>
                             </a:rPr>
@@ -29870,7 +29262,7 @@
                         <m:ctrlPr>
                           <a:rPr lang="zh-CN" altLang="zh-CN" sz="1600" i="1" kern="100">
                             <a:effectLst/>
-                            <a:latin typeface="Cambria Math" charset="0"/>
+                            <a:latin typeface="Cambria Math" panose="02040503050406030204" pitchFamily="18" charset="0"/>
                             <a:ea typeface="Times New Roman" charset="0"/>
                             <a:cs typeface="Times New Roman" charset="0"/>
                           </a:rPr>
@@ -29918,7 +29310,7 @@
                         <m:ctrlPr>
                           <a:rPr lang="zh-CN" altLang="zh-CN" sz="1600" i="1" kern="100">
                             <a:effectLst/>
-                            <a:latin typeface="Cambria Math" charset="0"/>
+                            <a:latin typeface="Cambria Math" panose="02040503050406030204" pitchFamily="18" charset="0"/>
                             <a:ea typeface="Times New Roman" charset="0"/>
                             <a:cs typeface="Times New Roman" charset="0"/>
                           </a:rPr>
@@ -29958,7 +29350,7 @@
                         <m:ctrlPr>
                           <a:rPr lang="zh-CN" altLang="zh-CN" sz="1600" i="1" kern="100">
                             <a:effectLst/>
-                            <a:latin typeface="Cambria Math" charset="0"/>
+                            <a:latin typeface="Cambria Math" panose="02040503050406030204" pitchFamily="18" charset="0"/>
                             <a:ea typeface="Times New Roman" charset="0"/>
                             <a:cs typeface="Times New Roman" charset="0"/>
                           </a:rPr>
@@ -30050,7 +29442,7 @@
                         <m:ctrlPr>
                           <a:rPr lang="zh-CN" altLang="zh-CN" sz="1600" i="1" kern="100">
                             <a:effectLst/>
-                            <a:latin typeface="Cambria Math" charset="0"/>
+                            <a:latin typeface="Cambria Math" panose="02040503050406030204" pitchFamily="18" charset="0"/>
                             <a:ea typeface="Times New Roman" charset="0"/>
                             <a:cs typeface="Times New Roman" charset="0"/>
                           </a:rPr>
@@ -30090,7 +29482,7 @@
                         <m:ctrlPr>
                           <a:rPr lang="zh-CN" altLang="zh-CN" sz="1600" i="1" kern="100">
                             <a:effectLst/>
-                            <a:latin typeface="Cambria Math" charset="0"/>
+                            <a:latin typeface="Cambria Math" panose="02040503050406030204" pitchFamily="18" charset="0"/>
                             <a:ea typeface="Times New Roman" charset="0"/>
                             <a:cs typeface="Times New Roman" charset="0"/>
                           </a:rPr>
@@ -30158,7 +29550,7 @@
                         <m:ctrlPr>
                           <a:rPr lang="zh-CN" altLang="zh-CN" sz="1600" i="1" kern="100">
                             <a:effectLst/>
-                            <a:latin typeface="Cambria Math" charset="0"/>
+                            <a:latin typeface="Cambria Math" panose="02040503050406030204" pitchFamily="18" charset="0"/>
                             <a:ea typeface="Times New Roman" charset="0"/>
                             <a:cs typeface="Times New Roman" charset="0"/>
                           </a:rPr>
@@ -30198,7 +29590,7 @@
                         <m:ctrlPr>
                           <a:rPr lang="zh-CN" altLang="zh-CN" sz="1600" i="1" kern="100">
                             <a:effectLst/>
-                            <a:latin typeface="Cambria Math" charset="0"/>
+                            <a:latin typeface="Cambria Math" panose="02040503050406030204" pitchFamily="18" charset="0"/>
                             <a:ea typeface="Times New Roman" charset="0"/>
                             <a:cs typeface="Times New Roman" charset="0"/>
                           </a:rPr>
@@ -30277,7 +29669,7 @@
                           <m:ctrlPr>
                             <a:rPr lang="zh-CN" altLang="zh-CN" sz="1600" i="1" kern="100">
                               <a:effectLst/>
-                              <a:latin typeface="Cambria Math" charset="0"/>
+                              <a:latin typeface="Cambria Math" panose="02040503050406030204" pitchFamily="18" charset="0"/>
                               <a:ea typeface="Times New Roman" charset="0"/>
                               <a:cs typeface="Times New Roman" charset="0"/>
                             </a:rPr>
@@ -30312,7 +29704,7 @@
                           <m:ctrlPr>
                             <a:rPr lang="zh-CN" altLang="zh-CN" sz="1600" i="1" kern="100">
                               <a:effectLst/>
-                              <a:latin typeface="Cambria Math" charset="0"/>
+                              <a:latin typeface="Cambria Math" panose="02040503050406030204" pitchFamily="18" charset="0"/>
                               <a:ea typeface="Times New Roman" charset="0"/>
                               <a:cs typeface="Times New Roman" charset="0"/>
                             </a:rPr>
@@ -30344,7 +29736,7 @@
                           <m:ctrlPr>
                             <a:rPr lang="zh-CN" altLang="zh-CN" sz="1600" i="1" kern="100">
                               <a:effectLst/>
-                              <a:latin typeface="Cambria Math" charset="0"/>
+                              <a:latin typeface="Cambria Math" panose="02040503050406030204" pitchFamily="18" charset="0"/>
                               <a:ea typeface="Times New Roman" charset="0"/>
                               <a:cs typeface="Times New Roman" charset="0"/>
                             </a:rPr>
@@ -30408,7 +29800,7 @@
                           <m:ctrlPr>
                             <a:rPr lang="zh-CN" altLang="zh-CN" sz="1600" i="1" kern="100">
                               <a:effectLst/>
-                              <a:latin typeface="Cambria Math" charset="0"/>
+                              <a:latin typeface="Cambria Math" panose="02040503050406030204" pitchFamily="18" charset="0"/>
                               <a:ea typeface="Times New Roman" charset="0"/>
                               <a:cs typeface="Times New Roman" charset="0"/>
                             </a:rPr>
@@ -30505,7 +29897,7 @@
                           <m:ctrlPr>
                             <a:rPr lang="zh-CN" altLang="zh-CN" sz="1600" i="1" kern="100">
                               <a:effectLst/>
-                              <a:latin typeface="Cambria Math" charset="0"/>
+                              <a:latin typeface="Cambria Math" panose="02040503050406030204" pitchFamily="18" charset="0"/>
                               <a:ea typeface="Times New Roman" charset="0"/>
                               <a:cs typeface="Times New Roman" charset="0"/>
                             </a:rPr>
@@ -30561,7 +29953,7 @@
                           <m:ctrlPr>
                             <a:rPr lang="zh-CN" altLang="zh-CN" sz="1600" i="1" kern="100">
                               <a:effectLst/>
-                              <a:latin typeface="Cambria Math" charset="0"/>
+                              <a:latin typeface="Cambria Math" panose="02040503050406030204" pitchFamily="18" charset="0"/>
                               <a:ea typeface="Times New Roman" charset="0"/>
                               <a:cs typeface="Times New Roman" charset="0"/>
                             </a:rPr>
@@ -30591,7 +29983,7 @@
                     </m:oMath>
                   </m:oMathPara>
                 </a14:m>
-                <a:endParaRPr lang="en-US" altLang="zh-CN" sz="1600" kern="100" dirty="0" smtClean="0">
+                <a:endParaRPr lang="en-US" altLang="zh-CN" sz="1600" kern="100" dirty="0">
                   <a:latin typeface="Times New Roman" charset="0"/>
                   <a:ea typeface="Times New Roman" charset="0"/>
                   <a:cs typeface="Times New Roman" charset="0"/>
@@ -30620,7 +30012,7 @@
                         <m:ctrlPr>
                           <a:rPr lang="zh-CN" altLang="zh-CN" sz="1600" i="1" kern="100">
                             <a:effectLst/>
-                            <a:latin typeface="Cambria Math" charset="0"/>
+                            <a:latin typeface="Cambria Math" panose="02040503050406030204" pitchFamily="18" charset="0"/>
                             <a:ea typeface="Times New Roman" charset="0"/>
                             <a:cs typeface="Times New Roman" charset="0"/>
                           </a:rPr>
@@ -30632,7 +30024,7 @@
                             <m:ctrlPr>
                               <a:rPr lang="zh-CN" altLang="zh-CN" sz="1600" i="1" kern="100">
                                 <a:effectLst/>
-                                <a:latin typeface="Cambria Math" charset="0"/>
+                                <a:latin typeface="Cambria Math" panose="02040503050406030204" pitchFamily="18" charset="0"/>
                                 <a:ea typeface="Times New Roman" charset="0"/>
                                 <a:cs typeface="Times New Roman" charset="0"/>
                               </a:rPr>
@@ -30644,7 +30036,7 @@
                                 <m:ctrlPr>
                                   <a:rPr lang="zh-CN" altLang="zh-CN" sz="1600" i="1" kern="100">
                                     <a:effectLst/>
-                                    <a:latin typeface="Cambria Math" charset="0"/>
+                                    <a:latin typeface="Cambria Math" panose="02040503050406030204" pitchFamily="18" charset="0"/>
                                     <a:ea typeface="Times New Roman" charset="0"/>
                                     <a:cs typeface="Times New Roman" charset="0"/>
                                   </a:rPr>
@@ -30678,7 +30070,7 @@
                                 <m:ctrlPr>
                                   <a:rPr lang="zh-CN" altLang="zh-CN" sz="1600" i="1" kern="100">
                                     <a:effectLst/>
-                                    <a:latin typeface="Cambria Math" charset="0"/>
+                                    <a:latin typeface="Cambria Math" panose="02040503050406030204" pitchFamily="18" charset="0"/>
                                     <a:ea typeface="Times New Roman" charset="0"/>
                                     <a:cs typeface="Times New Roman" charset="0"/>
                                   </a:rPr>
@@ -30750,7 +30142,7 @@
                         <m:ctrlPr>
                           <a:rPr lang="zh-CN" altLang="zh-CN" sz="1600" i="1" kern="100">
                             <a:effectLst/>
-                            <a:latin typeface="Cambria Math" charset="0"/>
+                            <a:latin typeface="Cambria Math" panose="02040503050406030204" pitchFamily="18" charset="0"/>
                             <a:ea typeface="Times New Roman" charset="0"/>
                             <a:cs typeface="Times New Roman" charset="0"/>
                           </a:rPr>
@@ -30830,7 +30222,7 @@
                         <m:ctrlPr>
                           <a:rPr lang="zh-CN" altLang="zh-CN" sz="1600" i="1" kern="100">
                             <a:effectLst/>
-                            <a:latin typeface="Cambria Math" charset="0"/>
+                            <a:latin typeface="Cambria Math" panose="02040503050406030204" pitchFamily="18" charset="0"/>
                             <a:ea typeface="Times New Roman" charset="0"/>
                             <a:cs typeface="Times New Roman" charset="0"/>
                           </a:rPr>
@@ -30874,7 +30266,7 @@
                         <m:ctrlPr>
                           <a:rPr lang="zh-CN" altLang="zh-CN" sz="1600" i="1" kern="100">
                             <a:effectLst/>
-                            <a:latin typeface="Cambria Math" charset="0"/>
+                            <a:latin typeface="Cambria Math" panose="02040503050406030204" pitchFamily="18" charset="0"/>
                             <a:ea typeface="Times New Roman" charset="0"/>
                             <a:cs typeface="Times New Roman" charset="0"/>
                           </a:rPr>
@@ -30886,7 +30278,7 @@
                             <m:ctrlPr>
                               <a:rPr lang="zh-CN" altLang="zh-CN" sz="1600" i="1" kern="100">
                                 <a:effectLst/>
-                                <a:latin typeface="Cambria Math" charset="0"/>
+                                <a:latin typeface="Cambria Math" panose="02040503050406030204" pitchFamily="18" charset="0"/>
                                 <a:ea typeface="Times New Roman" charset="0"/>
                                 <a:cs typeface="Times New Roman" charset="0"/>
                               </a:rPr>
@@ -30898,7 +30290,7 @@
                                 <m:ctrlPr>
                                   <a:rPr lang="zh-CN" altLang="zh-CN" sz="1600" i="1" kern="100">
                                     <a:effectLst/>
-                                    <a:latin typeface="Cambria Math" charset="0"/>
+                                    <a:latin typeface="Cambria Math" panose="02040503050406030204" pitchFamily="18" charset="0"/>
                                     <a:ea typeface="Times New Roman" charset="0"/>
                                     <a:cs typeface="Times New Roman" charset="0"/>
                                   </a:rPr>
@@ -30932,7 +30324,7 @@
                                 <m:ctrlPr>
                                   <a:rPr lang="zh-CN" altLang="zh-CN" sz="1600" i="1" kern="100">
                                     <a:effectLst/>
-                                    <a:latin typeface="Cambria Math" charset="0"/>
+                                    <a:latin typeface="Cambria Math" panose="02040503050406030204" pitchFamily="18" charset="0"/>
                                     <a:ea typeface="Times New Roman" charset="0"/>
                                     <a:cs typeface="Times New Roman" charset="0"/>
                                   </a:rPr>
@@ -31021,7 +30413,7 @@
                                 </a:schemeClr>
                               </a:solidFill>
                               <a:effectLst/>
-                              <a:latin typeface="Cambria Math" charset="0"/>
+                              <a:latin typeface="Cambria Math" panose="02040503050406030204" pitchFamily="18" charset="0"/>
                               <a:ea typeface="Times New Roman" charset="0"/>
                               <a:cs typeface="Times New Roman" charset="0"/>
                             </a:rPr>
@@ -31113,7 +30505,7 @@
                                 </a:schemeClr>
                               </a:solidFill>
                               <a:effectLst/>
-                              <a:latin typeface="Cambria Math" charset="0"/>
+                              <a:latin typeface="Cambria Math" panose="02040503050406030204" pitchFamily="18" charset="0"/>
                               <a:ea typeface="Times New Roman" charset="0"/>
                               <a:cs typeface="Times New Roman" charset="0"/>
                             </a:rPr>
@@ -31293,13 +30685,6 @@
   <p:clrMapOvr>
     <a:masterClrMapping/>
   </p:clrMapOvr>
-  <p:timing>
-    <p:tnLst>
-      <p:par>
-        <p:cTn id="1" dur="indefinite" restart="never" nodeType="tmRoot"/>
-      </p:par>
-    </p:tnLst>
-  </p:timing>
 </p:sld>
 </file>
 
@@ -31427,29 +30812,7 @@
                 <a:ea typeface="Times New Roman" charset="0"/>
                 <a:cs typeface="Times New Roman" charset="0"/>
               </a:rPr>
-              <a:t>2</a:t>
-            </a:r>
-            <a:r>
-              <a:rPr lang="en-US" altLang="zh-CN" sz="4000" b="1" dirty="0" smtClean="0">
-                <a:solidFill>
-                  <a:schemeClr val="bg1"/>
-                </a:solidFill>
-                <a:latin typeface="Times New Roman" charset="0"/>
-                <a:ea typeface="Times New Roman" charset="0"/>
-                <a:cs typeface="Times New Roman" charset="0"/>
-              </a:rPr>
-              <a:t>. </a:t>
-            </a:r>
-            <a:r>
-              <a:rPr lang="en-US" altLang="zh-CN" sz="4000" b="1" dirty="0">
-                <a:solidFill>
-                  <a:schemeClr val="bg1"/>
-                </a:solidFill>
-                <a:latin typeface="Times New Roman" charset="0"/>
-                <a:ea typeface="Times New Roman" charset="0"/>
-                <a:cs typeface="Times New Roman" charset="0"/>
-              </a:rPr>
-              <a:t>Simulation and Filter Comparation</a:t>
+              <a:t>2. Simulation and Filter Comparation</a:t>
             </a:r>
           </a:p>
         </p:txBody>
@@ -31490,20 +30853,12 @@
             <a:lstStyle/>
             <a:p>
               <a:r>
-                <a:rPr lang="en-US" altLang="zh-CN" sz="1400" b="1" dirty="0" smtClean="0">
-                  <a:latin typeface="Ebrima" panose="02000000000000000000" pitchFamily="2" charset="0"/>
-                  <a:ea typeface="Ebrima" panose="02000000000000000000" pitchFamily="2" charset="0"/>
-                  <a:cs typeface="Ebrima" panose="02000000000000000000" pitchFamily="2" charset="0"/>
-                </a:rPr>
-                <a:t>Quantitative Methods in Finance</a:t>
-              </a:r>
-              <a:r>
                 <a:rPr lang="en-US" altLang="zh-CN" sz="1400" b="1" dirty="0">
                   <a:latin typeface="Ebrima" panose="02000000000000000000" pitchFamily="2" charset="0"/>
                   <a:ea typeface="Ebrima" panose="02000000000000000000" pitchFamily="2" charset="0"/>
                   <a:cs typeface="Ebrima" panose="02000000000000000000" pitchFamily="2" charset="0"/>
                 </a:rPr>
-                <a:t> </a:t>
+                <a:t>Quantitative Methods in Finance </a:t>
               </a:r>
               <a:endParaRPr lang="zh-CN" altLang="en-US" sz="1400" b="1" dirty="0">
                 <a:latin typeface="Ebrima" panose="02000000000000000000" pitchFamily="2" charset="0"/>
@@ -31590,7 +30945,7 @@
           <a:lstStyle/>
           <a:p>
             <a:r>
-              <a:rPr lang="en-US" altLang="zh-CN" b="1" dirty="0" smtClean="0">
+              <a:rPr lang="en-US" altLang="zh-CN" b="1" dirty="0">
                 <a:solidFill>
                   <a:schemeClr val="tx1"/>
                 </a:solidFill>
@@ -31603,7 +30958,7 @@
           </a:p>
           <a:p>
             <a:r>
-              <a:rPr lang="en-US" altLang="zh-CN" b="1" dirty="0" smtClean="0">
+              <a:rPr lang="en-US" altLang="zh-CN" b="1" dirty="0">
                 <a:solidFill>
                   <a:schemeClr val="tx1"/>
                 </a:solidFill>
@@ -31690,27 +31045,8 @@
                   <a:ea typeface="Times New Roman" charset="0"/>
                   <a:cs typeface="Times New Roman" charset="0"/>
                 </a:rPr>
-                <a:t>Model </a:t>
+                <a:t>Model 2:</a:t>
               </a:r>
-              <a:r>
-                <a:rPr lang="en-US" altLang="zh-CN" b="1" dirty="0" smtClean="0">
-                  <a:solidFill>
-                    <a:schemeClr val="tx1"/>
-                  </a:solidFill>
-                  <a:latin typeface="Times New Roman" charset="0"/>
-                  <a:ea typeface="Times New Roman" charset="0"/>
-                  <a:cs typeface="Times New Roman" charset="0"/>
-                </a:rPr>
-                <a:t>2:</a:t>
-              </a:r>
-              <a:endParaRPr lang="en-US" altLang="zh-CN" b="1" dirty="0">
-                <a:solidFill>
-                  <a:schemeClr val="tx1"/>
-                </a:solidFill>
-                <a:latin typeface="Times New Roman" charset="0"/>
-                <a:ea typeface="Times New Roman" charset="0"/>
-                <a:cs typeface="Times New Roman" charset="0"/>
-              </a:endParaRPr>
             </a:p>
             <a:p>
               <a:r>
@@ -31722,29 +31058,7 @@
                   <a:ea typeface="Times New Roman" charset="0"/>
                   <a:cs typeface="Times New Roman" charset="0"/>
                 </a:rPr>
-                <a:t>Based on </a:t>
-              </a:r>
-              <a:r>
-                <a:rPr lang="en-US" altLang="zh-CN" b="1" dirty="0" smtClean="0">
-                  <a:solidFill>
-                    <a:schemeClr val="tx1"/>
-                  </a:solidFill>
-                  <a:latin typeface="Times New Roman" charset="0"/>
-                  <a:ea typeface="Times New Roman" charset="0"/>
-                  <a:cs typeface="Times New Roman" charset="0"/>
-                </a:rPr>
-                <a:t>Step Trend </a:t>
-              </a:r>
-              <a:r>
-                <a:rPr lang="en-US" altLang="zh-CN" b="1" dirty="0">
-                  <a:solidFill>
-                    <a:schemeClr val="tx1"/>
-                  </a:solidFill>
-                  <a:latin typeface="Times New Roman" charset="0"/>
-                  <a:ea typeface="Times New Roman" charset="0"/>
-                  <a:cs typeface="Times New Roman" charset="0"/>
-                </a:rPr>
-                <a:t>Lines</a:t>
+                <a:t>Based on Step Trend Lines</a:t>
               </a:r>
               <a:endParaRPr lang="zh-CN" altLang="en-US" b="1" dirty="0">
                 <a:solidFill>
@@ -31801,7 +31115,7 @@
             <a:lstStyle/>
             <a:p>
               <a:r>
-                <a:rPr lang="en-US" altLang="zh-CN" b="1" dirty="0" smtClean="0">
+                <a:rPr lang="en-US" altLang="zh-CN" b="1" dirty="0">
                   <a:solidFill>
                     <a:schemeClr val="tx1"/>
                   </a:solidFill>
@@ -31833,13 +31147,6 @@
   <p:clrMapOvr>
     <a:masterClrMapping/>
   </p:clrMapOvr>
-  <p:timing>
-    <p:tnLst>
-      <p:par>
-        <p:cTn id="1" dur="indefinite" restart="never" nodeType="tmRoot"/>
-      </p:par>
-    </p:tnLst>
-  </p:timing>
 </p:sld>
 </file>
 

--- a/6083 Project Presentation.pptx
+++ b/6083 Project Presentation.pptx
@@ -5,7 +5,7 @@
     <p:sldMasterId id="2147483648" r:id="rId1"/>
   </p:sldMasterIdLst>
   <p:notesMasterIdLst>
-    <p:notesMasterId r:id="rId32"/>
+    <p:notesMasterId r:id="rId33"/>
   </p:notesMasterIdLst>
   <p:sldIdLst>
     <p:sldId id="272" r:id="rId2"/>
@@ -33,11 +33,12 @@
     <p:sldId id="306" r:id="rId24"/>
     <p:sldId id="304" r:id="rId25"/>
     <p:sldId id="303" r:id="rId26"/>
-    <p:sldId id="305" r:id="rId27"/>
-    <p:sldId id="298" r:id="rId28"/>
-    <p:sldId id="299" r:id="rId29"/>
-    <p:sldId id="296" r:id="rId30"/>
-    <p:sldId id="297" r:id="rId31"/>
+    <p:sldId id="307" r:id="rId27"/>
+    <p:sldId id="305" r:id="rId28"/>
+    <p:sldId id="298" r:id="rId29"/>
+    <p:sldId id="299" r:id="rId30"/>
+    <p:sldId id="296" r:id="rId31"/>
+    <p:sldId id="297" r:id="rId32"/>
   </p:sldIdLst>
   <p:sldSz cx="9144000" cy="5143500" type="screen16x9"/>
   <p:notesSz cx="6858000" cy="9144000"/>
@@ -15278,6 +15279,153 @@
           <a:chExt cx="0" cy="0"/>
         </a:xfrm>
       </p:grpSpPr>
+      <p:pic>
+        <p:nvPicPr>
+          <p:cNvPr id="2" name="图片 1">
+            <a:extLst>
+              <a:ext uri="{FF2B5EF4-FFF2-40B4-BE49-F238E27FC236}">
+                <a16:creationId xmlns:a16="http://schemas.microsoft.com/office/drawing/2014/main" id="{CD2E5CAF-5526-EB46-8311-8A6686610FBA}"/>
+              </a:ext>
+            </a:extLst>
+          </p:cNvPr>
+          <p:cNvPicPr>
+            <a:picLocks noChangeAspect="1"/>
+          </p:cNvPicPr>
+          <p:nvPr/>
+        </p:nvPicPr>
+        <p:blipFill>
+          <a:blip r:embed="rId2"/>
+          <a:stretch>
+            <a:fillRect/>
+          </a:stretch>
+        </p:blipFill>
+        <p:spPr>
+          <a:xfrm>
+            <a:off x="1816100" y="501650"/>
+            <a:ext cx="5511800" cy="4140200"/>
+          </a:xfrm>
+          <a:prstGeom prst="rect">
+            <a:avLst/>
+          </a:prstGeom>
+        </p:spPr>
+      </p:pic>
+      <p:sp>
+        <p:nvSpPr>
+          <p:cNvPr id="3" name="矩形 2">
+            <a:extLst>
+              <a:ext uri="{FF2B5EF4-FFF2-40B4-BE49-F238E27FC236}">
+                <a16:creationId xmlns:a16="http://schemas.microsoft.com/office/drawing/2014/main" id="{D026906B-CF71-E744-BB4F-6E2AEB2CF61D}"/>
+              </a:ext>
+            </a:extLst>
+          </p:cNvPr>
+          <p:cNvSpPr/>
+          <p:nvPr/>
+        </p:nvSpPr>
+        <p:spPr>
+          <a:xfrm>
+            <a:off x="104506" y="0"/>
+            <a:ext cx="2739302" cy="369332"/>
+          </a:xfrm>
+          <a:prstGeom prst="rect">
+            <a:avLst/>
+          </a:prstGeom>
+        </p:spPr>
+        <p:txBody>
+          <a:bodyPr wrap="square">
+            <a:spAutoFit/>
+          </a:bodyPr>
+          <a:lstStyle/>
+          <a:p>
+            <a:pPr lvl="0"/>
+            <a:r>
+              <a:rPr lang="en-US" altLang="zh-CN" b="1" dirty="0">
+                <a:latin typeface="Times New Roman" charset="0"/>
+                <a:ea typeface="Times New Roman" charset="0"/>
+                <a:cs typeface="Times New Roman" charset="0"/>
+              </a:rPr>
+              <a:t>Revenue on Commodity</a:t>
+            </a:r>
+            <a:endParaRPr lang="zh-CN" altLang="zh-CN" b="1" dirty="0">
+              <a:latin typeface="Times New Roman" charset="0"/>
+              <a:ea typeface="Times New Roman" charset="0"/>
+              <a:cs typeface="Times New Roman" charset="0"/>
+            </a:endParaRPr>
+          </a:p>
+        </p:txBody>
+      </p:sp>
+      <p:cxnSp>
+        <p:nvCxnSpPr>
+          <p:cNvPr id="4" name="直接连接符 3">
+            <a:extLst>
+              <a:ext uri="{FF2B5EF4-FFF2-40B4-BE49-F238E27FC236}">
+                <a16:creationId xmlns:a16="http://schemas.microsoft.com/office/drawing/2014/main" id="{CF007C32-5036-5744-A725-3FE0DE3A18CD}"/>
+              </a:ext>
+            </a:extLst>
+          </p:cNvPr>
+          <p:cNvCxnSpPr>
+            <a:cxnSpLocks/>
+          </p:cNvCxnSpPr>
+          <p:nvPr/>
+        </p:nvCxnSpPr>
+        <p:spPr>
+          <a:xfrm>
+            <a:off x="179512" y="333125"/>
+            <a:ext cx="2448272" cy="0"/>
+          </a:xfrm>
+          <a:prstGeom prst="line">
+            <a:avLst/>
+          </a:prstGeom>
+          <a:ln w="19050">
+            <a:solidFill>
+              <a:schemeClr val="tx1"/>
+            </a:solidFill>
+          </a:ln>
+        </p:spPr>
+        <p:style>
+          <a:lnRef idx="1">
+            <a:schemeClr val="accent1"/>
+          </a:lnRef>
+          <a:fillRef idx="0">
+            <a:schemeClr val="accent1"/>
+          </a:fillRef>
+          <a:effectRef idx="0">
+            <a:schemeClr val="accent1"/>
+          </a:effectRef>
+          <a:fontRef idx="minor">
+            <a:schemeClr val="tx1"/>
+          </a:fontRef>
+        </p:style>
+      </p:cxnSp>
+    </p:spTree>
+    <p:extLst>
+      <p:ext uri="{BB962C8B-B14F-4D97-AF65-F5344CB8AC3E}">
+        <p14:creationId xmlns:p14="http://schemas.microsoft.com/office/powerpoint/2010/main" val="294034036"/>
+      </p:ext>
+    </p:extLst>
+  </p:cSld>
+  <p:clrMapOvr>
+    <a:masterClrMapping/>
+  </p:clrMapOvr>
+</p:sld>
+</file>
+
+<file path=ppt/slides/slide27.xml><?xml version="1.0" encoding="utf-8"?>
+<p:sld xmlns:a="http://schemas.openxmlformats.org/drawingml/2006/main" xmlns:r="http://schemas.openxmlformats.org/officeDocument/2006/relationships" xmlns:p="http://schemas.openxmlformats.org/presentationml/2006/main">
+  <p:cSld>
+    <p:spTree>
+      <p:nvGrpSpPr>
+        <p:cNvPr id="1" name=""/>
+        <p:cNvGrpSpPr/>
+        <p:nvPr/>
+      </p:nvGrpSpPr>
+      <p:grpSpPr>
+        <a:xfrm>
+          <a:off x="0" y="0"/>
+          <a:ext cx="0" cy="0"/>
+          <a:chOff x="0" y="0"/>
+          <a:chExt cx="0" cy="0"/>
+        </a:xfrm>
+      </p:grpSpPr>
       <p:sp>
         <p:nvSpPr>
           <p:cNvPr id="2" name="矩形 1">
@@ -15436,7 +15584,7 @@
 </p:sld>
 </file>
 
-<file path=ppt/slides/slide27.xml><?xml version="1.0" encoding="utf-8"?>
+<file path=ppt/slides/slide28.xml><?xml version="1.0" encoding="utf-8"?>
 <p:sld xmlns:a="http://schemas.openxmlformats.org/drawingml/2006/main" xmlns:r="http://schemas.openxmlformats.org/officeDocument/2006/relationships" xmlns:p="http://schemas.openxmlformats.org/presentationml/2006/main">
   <p:cSld>
     <p:spTree>
@@ -15953,7 +16101,7 @@
 </p:sld>
 </file>
 
-<file path=ppt/slides/slide28.xml><?xml version="1.0" encoding="utf-8"?>
+<file path=ppt/slides/slide29.xml><?xml version="1.0" encoding="utf-8"?>
 <p:sld xmlns:a="http://schemas.openxmlformats.org/drawingml/2006/main" xmlns:r="http://schemas.openxmlformats.org/officeDocument/2006/relationships" xmlns:p="http://schemas.openxmlformats.org/presentationml/2006/main">
   <p:cSld>
     <p:spTree>
@@ -16407,7 +16555,512 @@
 </p:sld>
 </file>
 
-<file path=ppt/slides/slide29.xml><?xml version="1.0" encoding="utf-8"?>
+<file path=ppt/slides/slide3.xml><?xml version="1.0" encoding="utf-8"?>
+<p:sld xmlns:a="http://schemas.openxmlformats.org/drawingml/2006/main" xmlns:r="http://schemas.openxmlformats.org/officeDocument/2006/relationships" xmlns:p="http://schemas.openxmlformats.org/presentationml/2006/main">
+  <p:cSld>
+    <p:spTree>
+      <p:nvGrpSpPr>
+        <p:cNvPr id="1" name=""/>
+        <p:cNvGrpSpPr/>
+        <p:nvPr/>
+      </p:nvGrpSpPr>
+      <p:grpSpPr>
+        <a:xfrm>
+          <a:off x="0" y="0"/>
+          <a:ext cx="0" cy="0"/>
+          <a:chOff x="0" y="0"/>
+          <a:chExt cx="0" cy="0"/>
+        </a:xfrm>
+      </p:grpSpPr>
+      <p:pic>
+        <p:nvPicPr>
+          <p:cNvPr id="6" name="图片 5" descr="图片2.png"/>
+          <p:cNvPicPr>
+            <a:picLocks noChangeAspect="1"/>
+          </p:cNvPicPr>
+          <p:nvPr/>
+        </p:nvPicPr>
+        <p:blipFill>
+          <a:blip r:embed="rId2" cstate="email">
+            <a:grayscl/>
+          </a:blip>
+          <a:srcRect/>
+          <a:stretch>
+            <a:fillRect/>
+          </a:stretch>
+        </p:blipFill>
+        <p:spPr>
+          <a:xfrm>
+            <a:off x="0" y="996743"/>
+            <a:ext cx="9144000" cy="2205245"/>
+          </a:xfrm>
+          <a:prstGeom prst="rect">
+            <a:avLst/>
+          </a:prstGeom>
+        </p:spPr>
+      </p:pic>
+      <p:sp>
+        <p:nvSpPr>
+          <p:cNvPr id="7" name="矩形 6"/>
+          <p:cNvSpPr/>
+          <p:nvPr/>
+        </p:nvSpPr>
+        <p:spPr>
+          <a:xfrm>
+            <a:off x="0" y="996575"/>
+            <a:ext cx="9144000" cy="2205413"/>
+          </a:xfrm>
+          <a:prstGeom prst="rect">
+            <a:avLst/>
+          </a:prstGeom>
+          <a:solidFill>
+            <a:schemeClr val="tx2">
+              <a:alpha val="70000"/>
+            </a:schemeClr>
+          </a:solidFill>
+          <a:ln>
+            <a:noFill/>
+          </a:ln>
+        </p:spPr>
+        <p:style>
+          <a:lnRef idx="2">
+            <a:schemeClr val="accent1">
+              <a:shade val="50000"/>
+            </a:schemeClr>
+          </a:lnRef>
+          <a:fillRef idx="1">
+            <a:schemeClr val="accent1"/>
+          </a:fillRef>
+          <a:effectRef idx="0">
+            <a:schemeClr val="accent1"/>
+          </a:effectRef>
+          <a:fontRef idx="minor">
+            <a:schemeClr val="lt1"/>
+          </a:fontRef>
+        </p:style>
+        <p:txBody>
+          <a:bodyPr rtlCol="0" anchor="ctr"/>
+          <a:lstStyle/>
+          <a:p>
+            <a:pPr algn="ctr"/>
+            <a:endParaRPr lang="zh-CN" altLang="en-US" sz="2000"/>
+          </a:p>
+        </p:txBody>
+      </p:sp>
+      <p:sp>
+        <p:nvSpPr>
+          <p:cNvPr id="8" name="TextBox 7"/>
+          <p:cNvSpPr txBox="1"/>
+          <p:nvPr/>
+        </p:nvSpPr>
+        <p:spPr>
+          <a:xfrm>
+            <a:off x="683568" y="1707654"/>
+            <a:ext cx="7201494" cy="707886"/>
+          </a:xfrm>
+          <a:prstGeom prst="rect">
+            <a:avLst/>
+          </a:prstGeom>
+          <a:noFill/>
+        </p:spPr>
+        <p:txBody>
+          <a:bodyPr wrap="square" rtlCol="0">
+            <a:spAutoFit/>
+          </a:bodyPr>
+          <a:lstStyle/>
+          <a:p>
+            <a:pPr algn="ctr"/>
+            <a:r>
+              <a:rPr lang="en-US" altLang="zh-CN" sz="4000" b="1" dirty="0">
+                <a:solidFill>
+                  <a:schemeClr val="bg1"/>
+                </a:solidFill>
+                <a:latin typeface="Times New Roman" charset="0"/>
+                <a:ea typeface="Times New Roman" charset="0"/>
+                <a:cs typeface="Times New Roman" charset="0"/>
+              </a:rPr>
+              <a:t>1. Trend Filtering Approaches</a:t>
+            </a:r>
+          </a:p>
+        </p:txBody>
+      </p:sp>
+      <p:grpSp>
+        <p:nvGrpSpPr>
+          <p:cNvPr id="2" name="组 1"/>
+          <p:cNvGrpSpPr/>
+          <p:nvPr/>
+        </p:nvGrpSpPr>
+        <p:grpSpPr>
+          <a:xfrm>
+            <a:off x="0" y="3574864"/>
+            <a:ext cx="9144000" cy="797086"/>
+            <a:chOff x="382886" y="3574864"/>
+            <a:chExt cx="8414756" cy="797086"/>
+          </a:xfrm>
+        </p:grpSpPr>
+        <p:sp>
+          <p:nvSpPr>
+            <p:cNvPr id="10" name="矩形 9"/>
+            <p:cNvSpPr/>
+            <p:nvPr/>
+          </p:nvSpPr>
+          <p:spPr>
+            <a:xfrm>
+              <a:off x="382886" y="3574864"/>
+              <a:ext cx="2112110" cy="797086"/>
+            </a:xfrm>
+            <a:prstGeom prst="rect">
+              <a:avLst/>
+            </a:prstGeom>
+            <a:solidFill>
+              <a:schemeClr val="bg1"/>
+            </a:solidFill>
+            <a:ln>
+              <a:noFill/>
+            </a:ln>
+          </p:spPr>
+          <p:style>
+            <a:lnRef idx="2">
+              <a:schemeClr val="accent1">
+                <a:shade val="50000"/>
+              </a:schemeClr>
+            </a:lnRef>
+            <a:fillRef idx="1">
+              <a:schemeClr val="accent1"/>
+            </a:fillRef>
+            <a:effectRef idx="0">
+              <a:schemeClr val="accent1"/>
+            </a:effectRef>
+            <a:fontRef idx="minor">
+              <a:schemeClr val="lt1"/>
+            </a:fontRef>
+          </p:style>
+          <p:txBody>
+            <a:bodyPr rtlCol="0" anchor="ctr"/>
+            <a:lstStyle/>
+            <a:p>
+              <a:pPr algn="ctr"/>
+              <a:r>
+                <a:rPr lang="en-US" altLang="zh-CN" b="1" dirty="0">
+                  <a:solidFill>
+                    <a:schemeClr val="tx1"/>
+                  </a:solidFill>
+                  <a:latin typeface="Times New Roman" charset="0"/>
+                  <a:ea typeface="Times New Roman" charset="0"/>
+                  <a:cs typeface="Times New Roman" charset="0"/>
+                </a:rPr>
+                <a:t>L2 Filter</a:t>
+              </a:r>
+              <a:endParaRPr lang="zh-CN" altLang="en-US" b="1" dirty="0">
+                <a:solidFill>
+                  <a:schemeClr val="tx1"/>
+                </a:solidFill>
+                <a:latin typeface="Times New Roman" charset="0"/>
+                <a:ea typeface="Times New Roman" charset="0"/>
+                <a:cs typeface="Times New Roman" charset="0"/>
+              </a:endParaRPr>
+            </a:p>
+          </p:txBody>
+        </p:sp>
+        <p:sp>
+          <p:nvSpPr>
+            <p:cNvPr id="21" name="矩形 20"/>
+            <p:cNvSpPr/>
+            <p:nvPr/>
+          </p:nvSpPr>
+          <p:spPr>
+            <a:xfrm>
+              <a:off x="2483768" y="3574864"/>
+              <a:ext cx="2112110" cy="797086"/>
+            </a:xfrm>
+            <a:prstGeom prst="rect">
+              <a:avLst/>
+            </a:prstGeom>
+            <a:solidFill>
+              <a:schemeClr val="bg1">
+                <a:lumMod val="85000"/>
+              </a:schemeClr>
+            </a:solidFill>
+            <a:ln>
+              <a:noFill/>
+            </a:ln>
+          </p:spPr>
+          <p:style>
+            <a:lnRef idx="2">
+              <a:schemeClr val="accent1">
+                <a:shade val="50000"/>
+              </a:schemeClr>
+            </a:lnRef>
+            <a:fillRef idx="1">
+              <a:schemeClr val="accent1"/>
+            </a:fillRef>
+            <a:effectRef idx="0">
+              <a:schemeClr val="accent1"/>
+            </a:effectRef>
+            <a:fontRef idx="minor">
+              <a:schemeClr val="lt1"/>
+            </a:fontRef>
+          </p:style>
+          <p:txBody>
+            <a:bodyPr rtlCol="0" anchor="ctr"/>
+            <a:lstStyle/>
+            <a:p>
+              <a:pPr algn="ctr"/>
+              <a:r>
+                <a:rPr lang="en-US" altLang="zh-CN" b="1" dirty="0">
+                  <a:solidFill>
+                    <a:schemeClr val="tx1"/>
+                  </a:solidFill>
+                  <a:latin typeface="Times New Roman" charset="0"/>
+                  <a:ea typeface="Times New Roman" charset="0"/>
+                  <a:cs typeface="Times New Roman" charset="0"/>
+                </a:rPr>
+                <a:t>L1-T Filter</a:t>
+              </a:r>
+              <a:endParaRPr lang="zh-CN" altLang="en-US" b="1" dirty="0">
+                <a:solidFill>
+                  <a:schemeClr val="tx1"/>
+                </a:solidFill>
+                <a:latin typeface="Times New Roman" charset="0"/>
+                <a:ea typeface="Times New Roman" charset="0"/>
+                <a:cs typeface="Times New Roman" charset="0"/>
+              </a:endParaRPr>
+            </a:p>
+          </p:txBody>
+        </p:sp>
+        <p:sp>
+          <p:nvSpPr>
+            <p:cNvPr id="22" name="矩形 21"/>
+            <p:cNvSpPr/>
+            <p:nvPr/>
+          </p:nvSpPr>
+          <p:spPr>
+            <a:xfrm>
+              <a:off x="4584650" y="3574864"/>
+              <a:ext cx="2112110" cy="797086"/>
+            </a:xfrm>
+            <a:prstGeom prst="rect">
+              <a:avLst/>
+            </a:prstGeom>
+            <a:solidFill>
+              <a:schemeClr val="bg1">
+                <a:lumMod val="75000"/>
+              </a:schemeClr>
+            </a:solidFill>
+            <a:ln>
+              <a:noFill/>
+            </a:ln>
+          </p:spPr>
+          <p:style>
+            <a:lnRef idx="2">
+              <a:schemeClr val="accent1">
+                <a:shade val="50000"/>
+              </a:schemeClr>
+            </a:lnRef>
+            <a:fillRef idx="1">
+              <a:schemeClr val="accent1"/>
+            </a:fillRef>
+            <a:effectRef idx="0">
+              <a:schemeClr val="accent1"/>
+            </a:effectRef>
+            <a:fontRef idx="minor">
+              <a:schemeClr val="lt1"/>
+            </a:fontRef>
+          </p:style>
+          <p:txBody>
+            <a:bodyPr rtlCol="0" anchor="ctr"/>
+            <a:lstStyle/>
+            <a:p>
+              <a:pPr algn="ctr"/>
+              <a:r>
+                <a:rPr lang="en-US" altLang="zh-CN" b="1" dirty="0">
+                  <a:solidFill>
+                    <a:schemeClr val="tx1"/>
+                  </a:solidFill>
+                  <a:latin typeface="Times New Roman" charset="0"/>
+                  <a:ea typeface="Times New Roman" charset="0"/>
+                  <a:cs typeface="Times New Roman" charset="0"/>
+                </a:rPr>
+                <a:t>L1-C Filter</a:t>
+              </a:r>
+              <a:endParaRPr lang="zh-CN" altLang="en-US" b="1" dirty="0">
+                <a:solidFill>
+                  <a:schemeClr val="tx1"/>
+                </a:solidFill>
+                <a:latin typeface="Times New Roman" charset="0"/>
+                <a:ea typeface="Times New Roman" charset="0"/>
+                <a:cs typeface="Times New Roman" charset="0"/>
+              </a:endParaRPr>
+            </a:p>
+          </p:txBody>
+        </p:sp>
+        <p:sp>
+          <p:nvSpPr>
+            <p:cNvPr id="23" name="矩形 22"/>
+            <p:cNvSpPr/>
+            <p:nvPr/>
+          </p:nvSpPr>
+          <p:spPr>
+            <a:xfrm>
+              <a:off x="6685532" y="3574864"/>
+              <a:ext cx="2112110" cy="797086"/>
+            </a:xfrm>
+            <a:prstGeom prst="rect">
+              <a:avLst/>
+            </a:prstGeom>
+            <a:solidFill>
+              <a:schemeClr val="bg1">
+                <a:lumMod val="50000"/>
+              </a:schemeClr>
+            </a:solidFill>
+            <a:ln>
+              <a:noFill/>
+            </a:ln>
+          </p:spPr>
+          <p:style>
+            <a:lnRef idx="2">
+              <a:schemeClr val="accent1">
+                <a:shade val="50000"/>
+              </a:schemeClr>
+            </a:lnRef>
+            <a:fillRef idx="1">
+              <a:schemeClr val="accent1"/>
+            </a:fillRef>
+            <a:effectRef idx="0">
+              <a:schemeClr val="accent1"/>
+            </a:effectRef>
+            <a:fontRef idx="minor">
+              <a:schemeClr val="lt1"/>
+            </a:fontRef>
+          </p:style>
+          <p:txBody>
+            <a:bodyPr rtlCol="0" anchor="ctr"/>
+            <a:lstStyle/>
+            <a:p>
+              <a:pPr algn="ctr"/>
+              <a:r>
+                <a:rPr lang="en-US" altLang="zh-CN" b="1" dirty="0">
+                  <a:solidFill>
+                    <a:schemeClr val="tx1"/>
+                  </a:solidFill>
+                  <a:latin typeface="Times New Roman" charset="0"/>
+                  <a:ea typeface="Times New Roman" charset="0"/>
+                  <a:cs typeface="Times New Roman" charset="0"/>
+                </a:rPr>
+                <a:t>L1-TC Filter</a:t>
+              </a:r>
+              <a:endParaRPr lang="zh-CN" altLang="en-US" b="1" dirty="0">
+                <a:solidFill>
+                  <a:schemeClr val="tx1"/>
+                </a:solidFill>
+                <a:latin typeface="Times New Roman" charset="0"/>
+                <a:ea typeface="Times New Roman" charset="0"/>
+                <a:cs typeface="Times New Roman" charset="0"/>
+              </a:endParaRPr>
+            </a:p>
+          </p:txBody>
+        </p:sp>
+      </p:grpSp>
+      <p:grpSp>
+        <p:nvGrpSpPr>
+          <p:cNvPr id="24" name="组合 14"/>
+          <p:cNvGrpSpPr/>
+          <p:nvPr/>
+        </p:nvGrpSpPr>
+        <p:grpSpPr>
+          <a:xfrm>
+            <a:off x="107504" y="95730"/>
+            <a:ext cx="5041255" cy="307777"/>
+            <a:chOff x="107504" y="150027"/>
+            <a:chExt cx="5041255" cy="307777"/>
+          </a:xfrm>
+        </p:grpSpPr>
+        <p:sp>
+          <p:nvSpPr>
+            <p:cNvPr id="25" name="矩形 24"/>
+            <p:cNvSpPr/>
+            <p:nvPr/>
+          </p:nvSpPr>
+          <p:spPr>
+            <a:xfrm>
+              <a:off x="107504" y="150027"/>
+              <a:ext cx="5041255" cy="307777"/>
+            </a:xfrm>
+            <a:prstGeom prst="rect">
+              <a:avLst/>
+            </a:prstGeom>
+          </p:spPr>
+          <p:txBody>
+            <a:bodyPr wrap="square">
+              <a:spAutoFit/>
+            </a:bodyPr>
+            <a:lstStyle/>
+            <a:p>
+              <a:r>
+                <a:rPr lang="en-US" altLang="zh-CN" sz="1400" b="1" dirty="0">
+                  <a:latin typeface="Ebrima" panose="02000000000000000000" pitchFamily="2" charset="0"/>
+                  <a:ea typeface="Ebrima" panose="02000000000000000000" pitchFamily="2" charset="0"/>
+                  <a:cs typeface="Ebrima" panose="02000000000000000000" pitchFamily="2" charset="0"/>
+                </a:rPr>
+                <a:t>Quantitative Methods in Finance </a:t>
+              </a:r>
+              <a:endParaRPr lang="zh-CN" altLang="en-US" sz="1400" b="1" dirty="0">
+                <a:latin typeface="Ebrima" panose="02000000000000000000" pitchFamily="2" charset="0"/>
+                <a:cs typeface="Ebrima" panose="02000000000000000000" pitchFamily="2" charset="0"/>
+              </a:endParaRPr>
+            </a:p>
+          </p:txBody>
+        </p:sp>
+        <p:cxnSp>
+          <p:nvCxnSpPr>
+            <p:cNvPr id="26" name="直接连接符 16"/>
+            <p:cNvCxnSpPr/>
+            <p:nvPr/>
+          </p:nvCxnSpPr>
+          <p:spPr>
+            <a:xfrm>
+              <a:off x="221804" y="457112"/>
+              <a:ext cx="2406328" cy="692"/>
+            </a:xfrm>
+            <a:prstGeom prst="line">
+              <a:avLst/>
+            </a:prstGeom>
+            <a:ln w="19050">
+              <a:solidFill>
+                <a:schemeClr val="tx1"/>
+              </a:solidFill>
+            </a:ln>
+          </p:spPr>
+          <p:style>
+            <a:lnRef idx="1">
+              <a:schemeClr val="accent1"/>
+            </a:lnRef>
+            <a:fillRef idx="0">
+              <a:schemeClr val="accent1"/>
+            </a:fillRef>
+            <a:effectRef idx="0">
+              <a:schemeClr val="accent1"/>
+            </a:effectRef>
+            <a:fontRef idx="minor">
+              <a:schemeClr val="tx1"/>
+            </a:fontRef>
+          </p:style>
+        </p:cxnSp>
+      </p:grpSp>
+    </p:spTree>
+    <p:extLst>
+      <p:ext uri="{BB962C8B-B14F-4D97-AF65-F5344CB8AC3E}">
+        <p14:creationId xmlns:p14="http://schemas.microsoft.com/office/powerpoint/2010/main" val="1825140025"/>
+      </p:ext>
+    </p:extLst>
+  </p:cSld>
+  <p:clrMapOvr>
+    <a:masterClrMapping/>
+  </p:clrMapOvr>
+</p:sld>
+</file>
+
+<file path=ppt/slides/slide30.xml><?xml version="1.0" encoding="utf-8"?>
 <p:sld xmlns:a="http://schemas.openxmlformats.org/drawingml/2006/main" xmlns:r="http://schemas.openxmlformats.org/officeDocument/2006/relationships" xmlns:p="http://schemas.openxmlformats.org/presentationml/2006/main">
   <p:cSld>
     <p:spTree>
@@ -17116,512 +17769,7 @@
 </p:sld>
 </file>
 
-<file path=ppt/slides/slide3.xml><?xml version="1.0" encoding="utf-8"?>
-<p:sld xmlns:a="http://schemas.openxmlformats.org/drawingml/2006/main" xmlns:r="http://schemas.openxmlformats.org/officeDocument/2006/relationships" xmlns:p="http://schemas.openxmlformats.org/presentationml/2006/main">
-  <p:cSld>
-    <p:spTree>
-      <p:nvGrpSpPr>
-        <p:cNvPr id="1" name=""/>
-        <p:cNvGrpSpPr/>
-        <p:nvPr/>
-      </p:nvGrpSpPr>
-      <p:grpSpPr>
-        <a:xfrm>
-          <a:off x="0" y="0"/>
-          <a:ext cx="0" cy="0"/>
-          <a:chOff x="0" y="0"/>
-          <a:chExt cx="0" cy="0"/>
-        </a:xfrm>
-      </p:grpSpPr>
-      <p:pic>
-        <p:nvPicPr>
-          <p:cNvPr id="6" name="图片 5" descr="图片2.png"/>
-          <p:cNvPicPr>
-            <a:picLocks noChangeAspect="1"/>
-          </p:cNvPicPr>
-          <p:nvPr/>
-        </p:nvPicPr>
-        <p:blipFill>
-          <a:blip r:embed="rId2" cstate="email">
-            <a:grayscl/>
-          </a:blip>
-          <a:srcRect/>
-          <a:stretch>
-            <a:fillRect/>
-          </a:stretch>
-        </p:blipFill>
-        <p:spPr>
-          <a:xfrm>
-            <a:off x="0" y="996743"/>
-            <a:ext cx="9144000" cy="2205245"/>
-          </a:xfrm>
-          <a:prstGeom prst="rect">
-            <a:avLst/>
-          </a:prstGeom>
-        </p:spPr>
-      </p:pic>
-      <p:sp>
-        <p:nvSpPr>
-          <p:cNvPr id="7" name="矩形 6"/>
-          <p:cNvSpPr/>
-          <p:nvPr/>
-        </p:nvSpPr>
-        <p:spPr>
-          <a:xfrm>
-            <a:off x="0" y="996575"/>
-            <a:ext cx="9144000" cy="2205413"/>
-          </a:xfrm>
-          <a:prstGeom prst="rect">
-            <a:avLst/>
-          </a:prstGeom>
-          <a:solidFill>
-            <a:schemeClr val="tx2">
-              <a:alpha val="70000"/>
-            </a:schemeClr>
-          </a:solidFill>
-          <a:ln>
-            <a:noFill/>
-          </a:ln>
-        </p:spPr>
-        <p:style>
-          <a:lnRef idx="2">
-            <a:schemeClr val="accent1">
-              <a:shade val="50000"/>
-            </a:schemeClr>
-          </a:lnRef>
-          <a:fillRef idx="1">
-            <a:schemeClr val="accent1"/>
-          </a:fillRef>
-          <a:effectRef idx="0">
-            <a:schemeClr val="accent1"/>
-          </a:effectRef>
-          <a:fontRef idx="minor">
-            <a:schemeClr val="lt1"/>
-          </a:fontRef>
-        </p:style>
-        <p:txBody>
-          <a:bodyPr rtlCol="0" anchor="ctr"/>
-          <a:lstStyle/>
-          <a:p>
-            <a:pPr algn="ctr"/>
-            <a:endParaRPr lang="zh-CN" altLang="en-US" sz="2000"/>
-          </a:p>
-        </p:txBody>
-      </p:sp>
-      <p:sp>
-        <p:nvSpPr>
-          <p:cNvPr id="8" name="TextBox 7"/>
-          <p:cNvSpPr txBox="1"/>
-          <p:nvPr/>
-        </p:nvSpPr>
-        <p:spPr>
-          <a:xfrm>
-            <a:off x="683568" y="1707654"/>
-            <a:ext cx="7201494" cy="707886"/>
-          </a:xfrm>
-          <a:prstGeom prst="rect">
-            <a:avLst/>
-          </a:prstGeom>
-          <a:noFill/>
-        </p:spPr>
-        <p:txBody>
-          <a:bodyPr wrap="square" rtlCol="0">
-            <a:spAutoFit/>
-          </a:bodyPr>
-          <a:lstStyle/>
-          <a:p>
-            <a:pPr algn="ctr"/>
-            <a:r>
-              <a:rPr lang="en-US" altLang="zh-CN" sz="4000" b="1" dirty="0">
-                <a:solidFill>
-                  <a:schemeClr val="bg1"/>
-                </a:solidFill>
-                <a:latin typeface="Times New Roman" charset="0"/>
-                <a:ea typeface="Times New Roman" charset="0"/>
-                <a:cs typeface="Times New Roman" charset="0"/>
-              </a:rPr>
-              <a:t>1. Trend Filtering Approaches</a:t>
-            </a:r>
-          </a:p>
-        </p:txBody>
-      </p:sp>
-      <p:grpSp>
-        <p:nvGrpSpPr>
-          <p:cNvPr id="2" name="组 1"/>
-          <p:cNvGrpSpPr/>
-          <p:nvPr/>
-        </p:nvGrpSpPr>
-        <p:grpSpPr>
-          <a:xfrm>
-            <a:off x="0" y="3574864"/>
-            <a:ext cx="9144000" cy="797086"/>
-            <a:chOff x="382886" y="3574864"/>
-            <a:chExt cx="8414756" cy="797086"/>
-          </a:xfrm>
-        </p:grpSpPr>
-        <p:sp>
-          <p:nvSpPr>
-            <p:cNvPr id="10" name="矩形 9"/>
-            <p:cNvSpPr/>
-            <p:nvPr/>
-          </p:nvSpPr>
-          <p:spPr>
-            <a:xfrm>
-              <a:off x="382886" y="3574864"/>
-              <a:ext cx="2112110" cy="797086"/>
-            </a:xfrm>
-            <a:prstGeom prst="rect">
-              <a:avLst/>
-            </a:prstGeom>
-            <a:solidFill>
-              <a:schemeClr val="bg1"/>
-            </a:solidFill>
-            <a:ln>
-              <a:noFill/>
-            </a:ln>
-          </p:spPr>
-          <p:style>
-            <a:lnRef idx="2">
-              <a:schemeClr val="accent1">
-                <a:shade val="50000"/>
-              </a:schemeClr>
-            </a:lnRef>
-            <a:fillRef idx="1">
-              <a:schemeClr val="accent1"/>
-            </a:fillRef>
-            <a:effectRef idx="0">
-              <a:schemeClr val="accent1"/>
-            </a:effectRef>
-            <a:fontRef idx="minor">
-              <a:schemeClr val="lt1"/>
-            </a:fontRef>
-          </p:style>
-          <p:txBody>
-            <a:bodyPr rtlCol="0" anchor="ctr"/>
-            <a:lstStyle/>
-            <a:p>
-              <a:pPr algn="ctr"/>
-              <a:r>
-                <a:rPr lang="en-US" altLang="zh-CN" b="1" dirty="0">
-                  <a:solidFill>
-                    <a:schemeClr val="tx1"/>
-                  </a:solidFill>
-                  <a:latin typeface="Times New Roman" charset="0"/>
-                  <a:ea typeface="Times New Roman" charset="0"/>
-                  <a:cs typeface="Times New Roman" charset="0"/>
-                </a:rPr>
-                <a:t>L2 Filter</a:t>
-              </a:r>
-              <a:endParaRPr lang="zh-CN" altLang="en-US" b="1" dirty="0">
-                <a:solidFill>
-                  <a:schemeClr val="tx1"/>
-                </a:solidFill>
-                <a:latin typeface="Times New Roman" charset="0"/>
-                <a:ea typeface="Times New Roman" charset="0"/>
-                <a:cs typeface="Times New Roman" charset="0"/>
-              </a:endParaRPr>
-            </a:p>
-          </p:txBody>
-        </p:sp>
-        <p:sp>
-          <p:nvSpPr>
-            <p:cNvPr id="21" name="矩形 20"/>
-            <p:cNvSpPr/>
-            <p:nvPr/>
-          </p:nvSpPr>
-          <p:spPr>
-            <a:xfrm>
-              <a:off x="2483768" y="3574864"/>
-              <a:ext cx="2112110" cy="797086"/>
-            </a:xfrm>
-            <a:prstGeom prst="rect">
-              <a:avLst/>
-            </a:prstGeom>
-            <a:solidFill>
-              <a:schemeClr val="bg1">
-                <a:lumMod val="85000"/>
-              </a:schemeClr>
-            </a:solidFill>
-            <a:ln>
-              <a:noFill/>
-            </a:ln>
-          </p:spPr>
-          <p:style>
-            <a:lnRef idx="2">
-              <a:schemeClr val="accent1">
-                <a:shade val="50000"/>
-              </a:schemeClr>
-            </a:lnRef>
-            <a:fillRef idx="1">
-              <a:schemeClr val="accent1"/>
-            </a:fillRef>
-            <a:effectRef idx="0">
-              <a:schemeClr val="accent1"/>
-            </a:effectRef>
-            <a:fontRef idx="minor">
-              <a:schemeClr val="lt1"/>
-            </a:fontRef>
-          </p:style>
-          <p:txBody>
-            <a:bodyPr rtlCol="0" anchor="ctr"/>
-            <a:lstStyle/>
-            <a:p>
-              <a:pPr algn="ctr"/>
-              <a:r>
-                <a:rPr lang="en-US" altLang="zh-CN" b="1" dirty="0">
-                  <a:solidFill>
-                    <a:schemeClr val="tx1"/>
-                  </a:solidFill>
-                  <a:latin typeface="Times New Roman" charset="0"/>
-                  <a:ea typeface="Times New Roman" charset="0"/>
-                  <a:cs typeface="Times New Roman" charset="0"/>
-                </a:rPr>
-                <a:t>L1-T Filter</a:t>
-              </a:r>
-              <a:endParaRPr lang="zh-CN" altLang="en-US" b="1" dirty="0">
-                <a:solidFill>
-                  <a:schemeClr val="tx1"/>
-                </a:solidFill>
-                <a:latin typeface="Times New Roman" charset="0"/>
-                <a:ea typeface="Times New Roman" charset="0"/>
-                <a:cs typeface="Times New Roman" charset="0"/>
-              </a:endParaRPr>
-            </a:p>
-          </p:txBody>
-        </p:sp>
-        <p:sp>
-          <p:nvSpPr>
-            <p:cNvPr id="22" name="矩形 21"/>
-            <p:cNvSpPr/>
-            <p:nvPr/>
-          </p:nvSpPr>
-          <p:spPr>
-            <a:xfrm>
-              <a:off x="4584650" y="3574864"/>
-              <a:ext cx="2112110" cy="797086"/>
-            </a:xfrm>
-            <a:prstGeom prst="rect">
-              <a:avLst/>
-            </a:prstGeom>
-            <a:solidFill>
-              <a:schemeClr val="bg1">
-                <a:lumMod val="75000"/>
-              </a:schemeClr>
-            </a:solidFill>
-            <a:ln>
-              <a:noFill/>
-            </a:ln>
-          </p:spPr>
-          <p:style>
-            <a:lnRef idx="2">
-              <a:schemeClr val="accent1">
-                <a:shade val="50000"/>
-              </a:schemeClr>
-            </a:lnRef>
-            <a:fillRef idx="1">
-              <a:schemeClr val="accent1"/>
-            </a:fillRef>
-            <a:effectRef idx="0">
-              <a:schemeClr val="accent1"/>
-            </a:effectRef>
-            <a:fontRef idx="minor">
-              <a:schemeClr val="lt1"/>
-            </a:fontRef>
-          </p:style>
-          <p:txBody>
-            <a:bodyPr rtlCol="0" anchor="ctr"/>
-            <a:lstStyle/>
-            <a:p>
-              <a:pPr algn="ctr"/>
-              <a:r>
-                <a:rPr lang="en-US" altLang="zh-CN" b="1" dirty="0">
-                  <a:solidFill>
-                    <a:schemeClr val="tx1"/>
-                  </a:solidFill>
-                  <a:latin typeface="Times New Roman" charset="0"/>
-                  <a:ea typeface="Times New Roman" charset="0"/>
-                  <a:cs typeface="Times New Roman" charset="0"/>
-                </a:rPr>
-                <a:t>L1-C Filter</a:t>
-              </a:r>
-              <a:endParaRPr lang="zh-CN" altLang="en-US" b="1" dirty="0">
-                <a:solidFill>
-                  <a:schemeClr val="tx1"/>
-                </a:solidFill>
-                <a:latin typeface="Times New Roman" charset="0"/>
-                <a:ea typeface="Times New Roman" charset="0"/>
-                <a:cs typeface="Times New Roman" charset="0"/>
-              </a:endParaRPr>
-            </a:p>
-          </p:txBody>
-        </p:sp>
-        <p:sp>
-          <p:nvSpPr>
-            <p:cNvPr id="23" name="矩形 22"/>
-            <p:cNvSpPr/>
-            <p:nvPr/>
-          </p:nvSpPr>
-          <p:spPr>
-            <a:xfrm>
-              <a:off x="6685532" y="3574864"/>
-              <a:ext cx="2112110" cy="797086"/>
-            </a:xfrm>
-            <a:prstGeom prst="rect">
-              <a:avLst/>
-            </a:prstGeom>
-            <a:solidFill>
-              <a:schemeClr val="bg1">
-                <a:lumMod val="50000"/>
-              </a:schemeClr>
-            </a:solidFill>
-            <a:ln>
-              <a:noFill/>
-            </a:ln>
-          </p:spPr>
-          <p:style>
-            <a:lnRef idx="2">
-              <a:schemeClr val="accent1">
-                <a:shade val="50000"/>
-              </a:schemeClr>
-            </a:lnRef>
-            <a:fillRef idx="1">
-              <a:schemeClr val="accent1"/>
-            </a:fillRef>
-            <a:effectRef idx="0">
-              <a:schemeClr val="accent1"/>
-            </a:effectRef>
-            <a:fontRef idx="minor">
-              <a:schemeClr val="lt1"/>
-            </a:fontRef>
-          </p:style>
-          <p:txBody>
-            <a:bodyPr rtlCol="0" anchor="ctr"/>
-            <a:lstStyle/>
-            <a:p>
-              <a:pPr algn="ctr"/>
-              <a:r>
-                <a:rPr lang="en-US" altLang="zh-CN" b="1" dirty="0">
-                  <a:solidFill>
-                    <a:schemeClr val="tx1"/>
-                  </a:solidFill>
-                  <a:latin typeface="Times New Roman" charset="0"/>
-                  <a:ea typeface="Times New Roman" charset="0"/>
-                  <a:cs typeface="Times New Roman" charset="0"/>
-                </a:rPr>
-                <a:t>L1-TC Filter</a:t>
-              </a:r>
-              <a:endParaRPr lang="zh-CN" altLang="en-US" b="1" dirty="0">
-                <a:solidFill>
-                  <a:schemeClr val="tx1"/>
-                </a:solidFill>
-                <a:latin typeface="Times New Roman" charset="0"/>
-                <a:ea typeface="Times New Roman" charset="0"/>
-                <a:cs typeface="Times New Roman" charset="0"/>
-              </a:endParaRPr>
-            </a:p>
-          </p:txBody>
-        </p:sp>
-      </p:grpSp>
-      <p:grpSp>
-        <p:nvGrpSpPr>
-          <p:cNvPr id="24" name="组合 14"/>
-          <p:cNvGrpSpPr/>
-          <p:nvPr/>
-        </p:nvGrpSpPr>
-        <p:grpSpPr>
-          <a:xfrm>
-            <a:off x="107504" y="95730"/>
-            <a:ext cx="5041255" cy="307777"/>
-            <a:chOff x="107504" y="150027"/>
-            <a:chExt cx="5041255" cy="307777"/>
-          </a:xfrm>
-        </p:grpSpPr>
-        <p:sp>
-          <p:nvSpPr>
-            <p:cNvPr id="25" name="矩形 24"/>
-            <p:cNvSpPr/>
-            <p:nvPr/>
-          </p:nvSpPr>
-          <p:spPr>
-            <a:xfrm>
-              <a:off x="107504" y="150027"/>
-              <a:ext cx="5041255" cy="307777"/>
-            </a:xfrm>
-            <a:prstGeom prst="rect">
-              <a:avLst/>
-            </a:prstGeom>
-          </p:spPr>
-          <p:txBody>
-            <a:bodyPr wrap="square">
-              <a:spAutoFit/>
-            </a:bodyPr>
-            <a:lstStyle/>
-            <a:p>
-              <a:r>
-                <a:rPr lang="en-US" altLang="zh-CN" sz="1400" b="1" dirty="0">
-                  <a:latin typeface="Ebrima" panose="02000000000000000000" pitchFamily="2" charset="0"/>
-                  <a:ea typeface="Ebrima" panose="02000000000000000000" pitchFamily="2" charset="0"/>
-                  <a:cs typeface="Ebrima" panose="02000000000000000000" pitchFamily="2" charset="0"/>
-                </a:rPr>
-                <a:t>Quantitative Methods in Finance </a:t>
-              </a:r>
-              <a:endParaRPr lang="zh-CN" altLang="en-US" sz="1400" b="1" dirty="0">
-                <a:latin typeface="Ebrima" panose="02000000000000000000" pitchFamily="2" charset="0"/>
-                <a:cs typeface="Ebrima" panose="02000000000000000000" pitchFamily="2" charset="0"/>
-              </a:endParaRPr>
-            </a:p>
-          </p:txBody>
-        </p:sp>
-        <p:cxnSp>
-          <p:nvCxnSpPr>
-            <p:cNvPr id="26" name="直接连接符 16"/>
-            <p:cNvCxnSpPr/>
-            <p:nvPr/>
-          </p:nvCxnSpPr>
-          <p:spPr>
-            <a:xfrm>
-              <a:off x="221804" y="457112"/>
-              <a:ext cx="2406328" cy="692"/>
-            </a:xfrm>
-            <a:prstGeom prst="line">
-              <a:avLst/>
-            </a:prstGeom>
-            <a:ln w="19050">
-              <a:solidFill>
-                <a:schemeClr val="tx1"/>
-              </a:solidFill>
-            </a:ln>
-          </p:spPr>
-          <p:style>
-            <a:lnRef idx="1">
-              <a:schemeClr val="accent1"/>
-            </a:lnRef>
-            <a:fillRef idx="0">
-              <a:schemeClr val="accent1"/>
-            </a:fillRef>
-            <a:effectRef idx="0">
-              <a:schemeClr val="accent1"/>
-            </a:effectRef>
-            <a:fontRef idx="minor">
-              <a:schemeClr val="tx1"/>
-            </a:fontRef>
-          </p:style>
-        </p:cxnSp>
-      </p:grpSp>
-    </p:spTree>
-    <p:extLst>
-      <p:ext uri="{BB962C8B-B14F-4D97-AF65-F5344CB8AC3E}">
-        <p14:creationId xmlns:p14="http://schemas.microsoft.com/office/powerpoint/2010/main" val="1825140025"/>
-      </p:ext>
-    </p:extLst>
-  </p:cSld>
-  <p:clrMapOvr>
-    <a:masterClrMapping/>
-  </p:clrMapOvr>
-</p:sld>
-</file>
-
-<file path=ppt/slides/slide30.xml><?xml version="1.0" encoding="utf-8"?>
+<file path=ppt/slides/slide31.xml><?xml version="1.0" encoding="utf-8"?>
 <p:sld xmlns:a="http://schemas.openxmlformats.org/drawingml/2006/main" xmlns:r="http://schemas.openxmlformats.org/officeDocument/2006/relationships" xmlns:p="http://schemas.openxmlformats.org/presentationml/2006/main">
   <p:cSld>
     <p:spTree>
